--- a/doc/共享单车租赁预测系统.pptx
+++ b/doc/共享单车租赁预测系统.pptx
@@ -3091,9 +3091,17 @@
   <p:cSld>
     <p:bg>
       <p:bgPr>
-        <a:solidFill>
-          <a:srgbClr val="003366"/>
-        </a:solidFill>
+        <a:gradFill rotWithShape="1">
+          <a:gsLst>
+            <a:gs pos="0">
+              <a:srgbClr val="0D2440"/>
+            </a:gs>
+            <a:gs pos="100000">
+              <a:srgbClr val="1971C2"/>
+            </a:gs>
+          </a:gsLst>
+          <a:lin scaled="0" ang="16200000"/>
+        </a:gradFill>
         <a:effectLst/>
       </p:bgPr>
     </p:bg>
@@ -3106,14 +3114,100 @@
       <p:grpSpPr/>
       <p:sp>
         <p:nvSpPr>
-          <p:cNvPr id="2" name="TextBox 1"/>
+          <p:cNvPr id="2" name="Rectangle 1"/>
+          <p:cNvSpPr/>
+          <p:nvPr/>
+        </p:nvSpPr>
+        <p:spPr>
+          <a:xfrm>
+            <a:off x="0" y="0"/>
+            <a:ext cx="9144000" cy="274320"/>
+          </a:xfrm>
+          <a:prstGeom prst="rect">
+            <a:avLst/>
+          </a:prstGeom>
+          <a:solidFill>
+            <a:srgbClr val="0096FF"/>
+          </a:solidFill>
+          <a:ln>
+            <a:noFill/>
+          </a:ln>
+        </p:spPr>
+        <p:style>
+          <a:lnRef idx="1">
+            <a:schemeClr val="accent1"/>
+          </a:lnRef>
+          <a:fillRef idx="3">
+            <a:schemeClr val="accent1"/>
+          </a:fillRef>
+          <a:effectRef idx="2">
+            <a:schemeClr val="accent1"/>
+          </a:effectRef>
+          <a:fontRef idx="minor">
+            <a:schemeClr val="lt1"/>
+          </a:fontRef>
+        </p:style>
+        <p:txBody>
+          <a:bodyPr rtlCol="0" anchor="ctr"/>
+          <a:lstStyle/>
+          <a:p>
+            <a:pPr algn="ctr"/>
+          </a:p>
+        </p:txBody>
+      </p:sp>
+      <p:sp>
+        <p:nvSpPr>
+          <p:cNvPr id="3" name="Rectangle 2"/>
+          <p:cNvSpPr/>
+          <p:nvPr/>
+        </p:nvSpPr>
+        <p:spPr>
+          <a:xfrm>
+            <a:off x="0" y="6583680"/>
+            <a:ext cx="9144000" cy="274320"/>
+          </a:xfrm>
+          <a:prstGeom prst="rect">
+            <a:avLst/>
+          </a:prstGeom>
+          <a:solidFill>
+            <a:srgbClr val="0096FF"/>
+          </a:solidFill>
+          <a:ln>
+            <a:noFill/>
+          </a:ln>
+        </p:spPr>
+        <p:style>
+          <a:lnRef idx="1">
+            <a:schemeClr val="accent1"/>
+          </a:lnRef>
+          <a:fillRef idx="3">
+            <a:schemeClr val="accent1"/>
+          </a:fillRef>
+          <a:effectRef idx="2">
+            <a:schemeClr val="accent1"/>
+          </a:effectRef>
+          <a:fontRef idx="minor">
+            <a:schemeClr val="lt1"/>
+          </a:fontRef>
+        </p:style>
+        <p:txBody>
+          <a:bodyPr rtlCol="0" anchor="ctr"/>
+          <a:lstStyle/>
+          <a:p>
+            <a:pPr algn="ctr"/>
+          </a:p>
+        </p:txBody>
+      </p:sp>
+      <p:sp>
+        <p:nvSpPr>
+          <p:cNvPr id="4" name="TextBox 3"/>
           <p:cNvSpPr txBox="1"/>
           <p:nvPr/>
         </p:nvSpPr>
         <p:spPr>
           <a:xfrm>
-            <a:off x="914400" y="1828800"/>
-            <a:ext cx="7315200" cy="1371600"/>
+            <a:off x="914400" y="2286000"/>
+            <a:ext cx="7315200" cy="1097280"/>
           </a:xfrm>
           <a:prstGeom prst="rect">
             <a:avLst/>
@@ -3127,7 +3221,7 @@
           <a:lstStyle/>
           <a:p>
             <a:pPr algn="ctr">
-              <a:defRPr sz="5400" b="1">
+              <a:defRPr sz="5600" b="1">
                 <a:solidFill>
                   <a:srgbClr val="FFFFFF"/>
                 </a:solidFill>
@@ -3141,14 +3235,14 @@
       </p:sp>
       <p:sp>
         <p:nvSpPr>
-          <p:cNvPr id="3" name="TextBox 2"/>
+          <p:cNvPr id="5" name="TextBox 4"/>
           <p:cNvSpPr txBox="1"/>
           <p:nvPr/>
         </p:nvSpPr>
         <p:spPr>
           <a:xfrm>
             <a:off x="914400" y="3657600"/>
-            <a:ext cx="7315200" cy="914400"/>
+            <a:ext cx="7315200" cy="731520"/>
           </a:xfrm>
           <a:prstGeom prst="rect">
             <a:avLst/>
@@ -3162,14 +3256,49 @@
           <a:lstStyle/>
           <a:p>
             <a:pPr algn="ctr">
-              <a:defRPr sz="2800">
-                <a:solidFill>
-                  <a:srgbClr val="ADD8E6"/>
+              <a:defRPr sz="2400">
+                <a:solidFill>
+                  <a:srgbClr val="4FACFE"/>
                 </a:solidFill>
               </a:defRPr>
             </a:pPr>
             <a:r>
-              <a:t>基于机器学习的需求预测分析</a:t>
+              <a:t>基于机器学习的智能需求预测分析</a:t>
+            </a:r>
+          </a:p>
+        </p:txBody>
+      </p:sp>
+      <p:sp>
+        <p:nvSpPr>
+          <p:cNvPr id="6" name="TextBox 5"/>
+          <p:cNvSpPr txBox="1"/>
+          <p:nvPr/>
+        </p:nvSpPr>
+        <p:spPr>
+          <a:xfrm>
+            <a:off x="914400" y="5669280"/>
+            <a:ext cx="7315200" cy="457200"/>
+          </a:xfrm>
+          <a:prstGeom prst="rect">
+            <a:avLst/>
+          </a:prstGeom>
+          <a:noFill/>
+        </p:spPr>
+        <p:txBody>
+          <a:bodyPr wrap="none">
+            <a:spAutoFit/>
+          </a:bodyPr>
+          <a:lstStyle/>
+          <a:p>
+            <a:pPr algn="ctr">
+              <a:defRPr sz="1600">
+                <a:solidFill>
+                  <a:srgbClr val="4FACFE"/>
+                </a:solidFill>
+              </a:defRPr>
+            </a:pPr>
+            <a:r>
+              <a:t>2024 · 机器学习项目</a:t>
             </a:r>
           </a:p>
         </p:txBody>
@@ -3202,59 +3331,229 @@
       <p:grpSpPr/>
       <p:sp>
         <p:nvSpPr>
-          <p:cNvPr id="2" name="Title 1"/>
-          <p:cNvSpPr>
-            <a:spLocks noGrp="1"/>
-          </p:cNvSpPr>
-          <p:nvPr>
-            <p:ph type="title"/>
-          </p:nvPr>
-        </p:nvSpPr>
-        <p:spPr/>
-        <p:txBody>
-          <a:bodyPr/>
+          <p:cNvPr id="2" name="Rectangle 1"/>
+          <p:cNvSpPr/>
+          <p:nvPr/>
+        </p:nvSpPr>
+        <p:spPr>
+          <a:xfrm>
+            <a:off x="0" y="0"/>
+            <a:ext cx="9144000" cy="914400"/>
+          </a:xfrm>
+          <a:prstGeom prst="rect">
+            <a:avLst/>
+          </a:prstGeom>
+          <a:solidFill>
+            <a:srgbClr val="1971C2"/>
+          </a:solidFill>
+          <a:ln>
+            <a:noFill/>
+          </a:ln>
+        </p:spPr>
+        <p:style>
+          <a:lnRef idx="1">
+            <a:schemeClr val="accent1"/>
+          </a:lnRef>
+          <a:fillRef idx="3">
+            <a:schemeClr val="accent1"/>
+          </a:fillRef>
+          <a:effectRef idx="2">
+            <a:schemeClr val="accent1"/>
+          </a:effectRef>
+          <a:fontRef idx="minor">
+            <a:schemeClr val="lt1"/>
+          </a:fontRef>
+        </p:style>
+        <p:txBody>
+          <a:bodyPr rtlCol="0" anchor="ctr"/>
+          <a:lstStyle/>
+          <a:p>
+            <a:pPr algn="ctr"/>
+          </a:p>
+        </p:txBody>
+      </p:sp>
+      <p:sp>
+        <p:nvSpPr>
+          <p:cNvPr id="3" name="TextBox 2"/>
+          <p:cNvSpPr txBox="1"/>
+          <p:nvPr/>
+        </p:nvSpPr>
+        <p:spPr>
+          <a:xfrm>
+            <a:off x="457200" y="182880"/>
+            <a:ext cx="8229600" cy="548640"/>
+          </a:xfrm>
+          <a:prstGeom prst="rect">
+            <a:avLst/>
+          </a:prstGeom>
+          <a:noFill/>
+        </p:spPr>
+        <p:txBody>
+          <a:bodyPr wrap="none">
+            <a:spAutoFit/>
+          </a:bodyPr>
+          <a:lstStyle/>
+          <a:p>
+            <a:pPr algn="l">
+              <a:defRPr sz="3200" b="1">
+                <a:solidFill>
+                  <a:srgbClr val="FFFFFF"/>
+                </a:solidFill>
+              </a:defRPr>
+            </a:pPr>
+            <a:r>
+              <a:t>项目简介</a:t>
+            </a:r>
+          </a:p>
+        </p:txBody>
+      </p:sp>
+      <p:sp>
+        <p:nvSpPr>
+          <p:cNvPr id="4" name="Oval 3"/>
+          <p:cNvSpPr/>
+          <p:nvPr/>
+        </p:nvSpPr>
+        <p:spPr>
+          <a:xfrm>
+            <a:off x="731520" y="1371600"/>
+            <a:ext cx="137160" cy="137160"/>
+          </a:xfrm>
+          <a:prstGeom prst="ellipse">
+            <a:avLst/>
+          </a:prstGeom>
+          <a:solidFill>
+            <a:srgbClr val="0096FF"/>
+          </a:solidFill>
+          <a:ln>
+            <a:noFill/>
+          </a:ln>
+        </p:spPr>
+        <p:style>
+          <a:lnRef idx="1">
+            <a:schemeClr val="accent1"/>
+          </a:lnRef>
+          <a:fillRef idx="3">
+            <a:schemeClr val="accent1"/>
+          </a:fillRef>
+          <a:effectRef idx="2">
+            <a:schemeClr val="accent1"/>
+          </a:effectRef>
+          <a:fontRef idx="minor">
+            <a:schemeClr val="lt1"/>
+          </a:fontRef>
+        </p:style>
+        <p:txBody>
+          <a:bodyPr rtlCol="0" anchor="ctr"/>
+          <a:lstStyle/>
+          <a:p>
+            <a:pPr algn="ctr"/>
+          </a:p>
+        </p:txBody>
+      </p:sp>
+      <p:sp>
+        <p:nvSpPr>
+          <p:cNvPr id="5" name="TextBox 4"/>
+          <p:cNvSpPr txBox="1"/>
+          <p:nvPr/>
+        </p:nvSpPr>
+        <p:spPr>
+          <a:xfrm>
+            <a:off x="1097280" y="1325880"/>
+            <a:ext cx="7315200" cy="457200"/>
+          </a:xfrm>
+          <a:prstGeom prst="rect">
+            <a:avLst/>
+          </a:prstGeom>
+          <a:noFill/>
+        </p:spPr>
+        <p:txBody>
+          <a:bodyPr wrap="none">
+            <a:spAutoFit/>
+          </a:bodyPr>
           <a:lstStyle/>
           <a:p>
             <a:pPr>
-              <a:defRPr sz="3600" b="1">
-                <a:solidFill>
-                  <a:srgbClr val="003366"/>
+              <a:defRPr sz="2000" b="1">
+                <a:solidFill>
+                  <a:srgbClr val="0D2440"/>
                 </a:solidFill>
               </a:defRPr>
             </a:pPr>
             <a:r>
-              <a:t>项目简介</a:t>
-            </a:r>
-          </a:p>
-        </p:txBody>
-      </p:sp>
-      <p:sp>
-        <p:nvSpPr>
-          <p:cNvPr id="3" name="Content Placeholder 2"/>
-          <p:cNvSpPr>
-            <a:spLocks noGrp="1"/>
-          </p:cNvSpPr>
-          <p:nvPr>
-            <p:ph idx="1"/>
-          </p:nvPr>
-        </p:nvSpPr>
-        <p:spPr/>
-        <p:txBody>
-          <a:bodyPr/>
-          <a:lstStyle/>
-          <a:p>
-            <a:r>
               <a:t>• 使用机器学习方法预测共享单车租赁数量</a:t>
             </a:r>
           </a:p>
+        </p:txBody>
+      </p:sp>
+      <p:sp>
+        <p:nvSpPr>
+          <p:cNvPr id="6" name="Oval 5"/>
+          <p:cNvSpPr/>
+          <p:nvPr/>
+        </p:nvSpPr>
+        <p:spPr>
+          <a:xfrm>
+            <a:off x="731520" y="1920240"/>
+            <a:ext cx="137160" cy="137160"/>
+          </a:xfrm>
+          <a:prstGeom prst="ellipse">
+            <a:avLst/>
+          </a:prstGeom>
+          <a:solidFill>
+            <a:srgbClr val="0096FF"/>
+          </a:solidFill>
+          <a:ln>
+            <a:noFill/>
+          </a:ln>
+        </p:spPr>
+        <p:style>
+          <a:lnRef idx="1">
+            <a:schemeClr val="accent1"/>
+          </a:lnRef>
+          <a:fillRef idx="3">
+            <a:schemeClr val="accent1"/>
+          </a:fillRef>
+          <a:effectRef idx="2">
+            <a:schemeClr val="accent1"/>
+          </a:effectRef>
+          <a:fontRef idx="minor">
+            <a:schemeClr val="lt1"/>
+          </a:fontRef>
+        </p:style>
+        <p:txBody>
+          <a:bodyPr rtlCol="0" anchor="ctr"/>
+          <a:lstStyle/>
+          <a:p>
+            <a:pPr algn="ctr"/>
+          </a:p>
+        </p:txBody>
+      </p:sp>
+      <p:sp>
+        <p:nvSpPr>
+          <p:cNvPr id="7" name="TextBox 6"/>
+          <p:cNvSpPr txBox="1"/>
+          <p:nvPr/>
+        </p:nvSpPr>
+        <p:spPr>
+          <a:xfrm>
+            <a:off x="1097280" y="1874520"/>
+            <a:ext cx="7315200" cy="457200"/>
+          </a:xfrm>
+          <a:prstGeom prst="rect">
+            <a:avLst/>
+          </a:prstGeom>
+          <a:noFill/>
+        </p:spPr>
+        <p:txBody>
+          <a:bodyPr wrap="none">
+            <a:spAutoFit/>
+          </a:bodyPr>
+          <a:lstStyle/>
           <a:p>
             <a:pPr>
-              <a:spcAft>
-                <a:spcPts val="1200"/>
-              </a:spcAft>
-              <a:defRPr sz="1800">
-                <a:solidFill>
-                  <a:srgbClr val="808080"/>
+              <a:defRPr sz="2000" b="1">
+                <a:solidFill>
+                  <a:srgbClr val="0D2440"/>
                 </a:solidFill>
               </a:defRPr>
             </a:pPr>
@@ -3262,14 +3561,77 @@
               <a:t>• 基于历史数据中的环境因素和季节信息</a:t>
             </a:r>
           </a:p>
+        </p:txBody>
+      </p:sp>
+      <p:sp>
+        <p:nvSpPr>
+          <p:cNvPr id="8" name="Oval 7"/>
+          <p:cNvSpPr/>
+          <p:nvPr/>
+        </p:nvSpPr>
+        <p:spPr>
+          <a:xfrm>
+            <a:off x="731520" y="2468880"/>
+            <a:ext cx="137160" cy="137160"/>
+          </a:xfrm>
+          <a:prstGeom prst="ellipse">
+            <a:avLst/>
+          </a:prstGeom>
+          <a:solidFill>
+            <a:srgbClr val="0096FF"/>
+          </a:solidFill>
+          <a:ln>
+            <a:noFill/>
+          </a:ln>
+        </p:spPr>
+        <p:style>
+          <a:lnRef idx="1">
+            <a:schemeClr val="accent1"/>
+          </a:lnRef>
+          <a:fillRef idx="3">
+            <a:schemeClr val="accent1"/>
+          </a:fillRef>
+          <a:effectRef idx="2">
+            <a:schemeClr val="accent1"/>
+          </a:effectRef>
+          <a:fontRef idx="minor">
+            <a:schemeClr val="lt1"/>
+          </a:fontRef>
+        </p:style>
+        <p:txBody>
+          <a:bodyPr rtlCol="0" anchor="ctr"/>
+          <a:lstStyle/>
+          <a:p>
+            <a:pPr algn="ctr"/>
+          </a:p>
+        </p:txBody>
+      </p:sp>
+      <p:sp>
+        <p:nvSpPr>
+          <p:cNvPr id="9" name="TextBox 8"/>
+          <p:cNvSpPr txBox="1"/>
+          <p:nvPr/>
+        </p:nvSpPr>
+        <p:spPr>
+          <a:xfrm>
+            <a:off x="1097280" y="2423160"/>
+            <a:ext cx="7315200" cy="457200"/>
+          </a:xfrm>
+          <a:prstGeom prst="rect">
+            <a:avLst/>
+          </a:prstGeom>
+          <a:noFill/>
+        </p:spPr>
+        <p:txBody>
+          <a:bodyPr wrap="none">
+            <a:spAutoFit/>
+          </a:bodyPr>
+          <a:lstStyle/>
           <a:p>
             <a:pPr>
-              <a:spcAft>
-                <a:spcPts val="1200"/>
-              </a:spcAft>
-              <a:defRPr sz="1800">
-                <a:solidFill>
-                  <a:srgbClr val="808080"/>
+              <a:defRPr sz="2000" b="1">
+                <a:solidFill>
+                  <a:srgbClr val="0D2440"/>
                 </a:solidFill>
               </a:defRPr>
             </a:pPr>
@@ -3277,14 +3639,77 @@
               <a:t>• 帮助优化车辆调度，预测需求高峰</a:t>
             </a:r>
           </a:p>
+        </p:txBody>
+      </p:sp>
+      <p:sp>
+        <p:nvSpPr>
+          <p:cNvPr id="10" name="Oval 9"/>
+          <p:cNvSpPr/>
+          <p:nvPr/>
+        </p:nvSpPr>
+        <p:spPr>
+          <a:xfrm>
+            <a:off x="731520" y="3017520"/>
+            <a:ext cx="137160" cy="137160"/>
+          </a:xfrm>
+          <a:prstGeom prst="ellipse">
+            <a:avLst/>
+          </a:prstGeom>
+          <a:solidFill>
+            <a:srgbClr val="0096FF"/>
+          </a:solidFill>
+          <a:ln>
+            <a:noFill/>
+          </a:ln>
+        </p:spPr>
+        <p:style>
+          <a:lnRef idx="1">
+            <a:schemeClr val="accent1"/>
+          </a:lnRef>
+          <a:fillRef idx="3">
+            <a:schemeClr val="accent1"/>
+          </a:fillRef>
+          <a:effectRef idx="2">
+            <a:schemeClr val="accent1"/>
+          </a:effectRef>
+          <a:fontRef idx="minor">
+            <a:schemeClr val="lt1"/>
+          </a:fontRef>
+        </p:style>
+        <p:txBody>
+          <a:bodyPr rtlCol="0" anchor="ctr"/>
+          <a:lstStyle/>
+          <a:p>
+            <a:pPr algn="ctr"/>
+          </a:p>
+        </p:txBody>
+      </p:sp>
+      <p:sp>
+        <p:nvSpPr>
+          <p:cNvPr id="11" name="TextBox 10"/>
+          <p:cNvSpPr txBox="1"/>
+          <p:nvPr/>
+        </p:nvSpPr>
+        <p:spPr>
+          <a:xfrm>
+            <a:off x="1097280" y="2971800"/>
+            <a:ext cx="7315200" cy="457200"/>
+          </a:xfrm>
+          <a:prstGeom prst="rect">
+            <a:avLst/>
+          </a:prstGeom>
+          <a:noFill/>
+        </p:spPr>
+        <p:txBody>
+          <a:bodyPr wrap="none">
+            <a:spAutoFit/>
+          </a:bodyPr>
+          <a:lstStyle/>
           <a:p>
             <a:pPr>
-              <a:spcAft>
-                <a:spcPts val="1200"/>
-              </a:spcAft>
-              <a:defRPr sz="1800">
-                <a:solidFill>
-                  <a:srgbClr val="808080"/>
+              <a:defRPr sz="2000" b="1">
+                <a:solidFill>
+                  <a:srgbClr val="0D2440"/>
                 </a:solidFill>
               </a:defRPr>
             </a:pPr>
@@ -3322,59 +3747,57 @@
       <p:grpSpPr/>
       <p:sp>
         <p:nvSpPr>
-          <p:cNvPr id="2" name="Title 1"/>
-          <p:cNvSpPr>
-            <a:spLocks noGrp="1"/>
-          </p:cNvSpPr>
-          <p:nvPr>
-            <p:ph type="title"/>
-          </p:nvPr>
-        </p:nvSpPr>
-        <p:spPr/>
-        <p:txBody>
-          <a:bodyPr/>
-          <a:lstStyle/>
-          <a:p>
-            <a:pPr>
-              <a:defRPr sz="3600" b="1">
-                <a:solidFill>
-                  <a:srgbClr val="003366"/>
-                </a:solidFill>
-              </a:defRPr>
-            </a:pPr>
-            <a:r>
-              <a:t>数据概览</a:t>
-            </a:r>
-          </a:p>
-        </p:txBody>
-      </p:sp>
-      <p:sp>
-        <p:nvSpPr>
-          <p:cNvPr id="3" name="Content Placeholder 2"/>
-          <p:cNvSpPr>
-            <a:spLocks noGrp="1"/>
-          </p:cNvSpPr>
-          <p:nvPr>
-            <p:ph idx="1"/>
-          </p:nvPr>
-        </p:nvSpPr>
-        <p:spPr/>
-        <p:txBody>
-          <a:bodyPr/>
-          <a:lstStyle/>
-          <a:p/>
-        </p:txBody>
-      </p:sp>
-      <p:sp>
-        <p:nvSpPr>
-          <p:cNvPr id="4" name="TextBox 3"/>
+          <p:cNvPr id="2" name="Rectangle 1"/>
+          <p:cNvSpPr/>
+          <p:nvPr/>
+        </p:nvSpPr>
+        <p:spPr>
+          <a:xfrm>
+            <a:off x="0" y="0"/>
+            <a:ext cx="9144000" cy="914400"/>
+          </a:xfrm>
+          <a:prstGeom prst="rect">
+            <a:avLst/>
+          </a:prstGeom>
+          <a:solidFill>
+            <a:srgbClr val="1971C2"/>
+          </a:solidFill>
+          <a:ln>
+            <a:noFill/>
+          </a:ln>
+        </p:spPr>
+        <p:style>
+          <a:lnRef idx="1">
+            <a:schemeClr val="accent1"/>
+          </a:lnRef>
+          <a:fillRef idx="3">
+            <a:schemeClr val="accent1"/>
+          </a:fillRef>
+          <a:effectRef idx="2">
+            <a:schemeClr val="accent1"/>
+          </a:effectRef>
+          <a:fontRef idx="minor">
+            <a:schemeClr val="lt1"/>
+          </a:fontRef>
+        </p:style>
+        <p:txBody>
+          <a:bodyPr rtlCol="0" anchor="ctr"/>
+          <a:lstStyle/>
+          <a:p>
+            <a:pPr algn="ctr"/>
+          </a:p>
+        </p:txBody>
+      </p:sp>
+      <p:sp>
+        <p:nvSpPr>
+          <p:cNvPr id="3" name="TextBox 2"/>
           <p:cNvSpPr txBox="1"/>
           <p:nvPr/>
         </p:nvSpPr>
         <p:spPr>
           <a:xfrm>
-            <a:off x="457200" y="1645920"/>
-            <a:ext cx="4114800" cy="4572000"/>
+            <a:off x="457200" y="182880"/>
+            <a:ext cx="8229600" cy="548640"/>
           </a:xfrm>
           <a:prstGeom prst="rect">
             <a:avLst/>
@@ -3387,61 +3810,59 @@
           </a:bodyPr>
           <a:lstStyle/>
           <a:p>
-            <a:pPr>
-              <a:defRPr sz="1800" b="1">
-                <a:solidFill>
-                  <a:srgbClr val="0066CC"/>
+            <a:pPr algn="l">
+              <a:defRPr sz="3200" b="1">
+                <a:solidFill>
+                  <a:srgbClr val="FFFFFF"/>
                 </a:solidFill>
               </a:defRPr>
             </a:pPr>
             <a:r>
-              <a:t>数据来源</a:t>
-            </a:r>
-          </a:p>
-          <a:p>
-            <a:pPr>
-              <a:spcAft>
-                <a:spcPts val="800"/>
-              </a:spcAft>
-              <a:defRPr sz="1600">
-                <a:solidFill>
-                  <a:srgbClr val="808080"/>
-                </a:solidFill>
-              </a:defRPr>
-            </a:pPr>
-            <a:r>
-              <a:t>• Capital Bikeshare系统</a:t>
-            </a:r>
-          </a:p>
-          <a:p>
-            <a:pPr>
-              <a:spcAft>
-                <a:spcPts val="800"/>
-              </a:spcAft>
-              <a:defRPr sz="1600">
-                <a:solidFill>
-                  <a:srgbClr val="808080"/>
-                </a:solidFill>
-              </a:defRPr>
-            </a:pPr>
-            <a:r>
-              <a:t>• 华盛顿特区</a:t>
-            </a:r>
-          </a:p>
-          <a:p>
-            <a:pPr>
-              <a:spcAft>
-                <a:spcPts val="800"/>
-              </a:spcAft>
-              <a:defRPr sz="1600">
-                <a:solidFill>
-                  <a:srgbClr val="808080"/>
-                </a:solidFill>
-              </a:defRPr>
-            </a:pPr>
-            <a:r>
-              <a:t>• 2011-2012年数据</a:t>
-            </a:r>
+              <a:t>数据概览</a:t>
+            </a:r>
+          </a:p>
+        </p:txBody>
+      </p:sp>
+      <p:sp>
+        <p:nvSpPr>
+          <p:cNvPr id="4" name="Rounded Rectangle 3"/>
+          <p:cNvSpPr/>
+          <p:nvPr/>
+        </p:nvSpPr>
+        <p:spPr>
+          <a:xfrm>
+            <a:off x="457200" y="1645920"/>
+            <a:ext cx="3840480" cy="548640"/>
+          </a:xfrm>
+          <a:prstGeom prst="roundRect">
+            <a:avLst/>
+          </a:prstGeom>
+          <a:solidFill>
+            <a:srgbClr val="1971C2"/>
+          </a:solidFill>
+          <a:ln>
+            <a:noFill/>
+          </a:ln>
+        </p:spPr>
+        <p:style>
+          <a:lnRef idx="1">
+            <a:schemeClr val="accent1"/>
+          </a:lnRef>
+          <a:fillRef idx="3">
+            <a:schemeClr val="accent1"/>
+          </a:fillRef>
+          <a:effectRef idx="2">
+            <a:schemeClr val="accent1"/>
+          </a:effectRef>
+          <a:fontRef idx="minor">
+            <a:schemeClr val="lt1"/>
+          </a:fontRef>
+        </p:style>
+        <p:txBody>
+          <a:bodyPr rtlCol="0" anchor="ctr"/>
+          <a:lstStyle/>
+          <a:p>
+            <a:pPr algn="ctr"/>
           </a:p>
         </p:txBody>
       </p:sp>
@@ -3453,8 +3874,8 @@
         </p:nvSpPr>
         <p:spPr>
           <a:xfrm>
-            <a:off x="5029200" y="1645920"/>
-            <a:ext cx="4114800" cy="4572000"/>
+            <a:off x="640080" y="1737360"/>
+            <a:ext cx="3474720" cy="365760"/>
           </a:xfrm>
           <a:prstGeom prst="rect">
             <a:avLst/>
@@ -3468,59 +3889,716 @@
           <a:lstStyle/>
           <a:p>
             <a:pPr>
-              <a:defRPr sz="1800" b="1">
-                <a:solidFill>
-                  <a:srgbClr val="0066CC"/>
+              <a:defRPr sz="2200" b="1">
+                <a:solidFill>
+                  <a:srgbClr val="FFFFFF"/>
                 </a:solidFill>
               </a:defRPr>
             </a:pPr>
             <a:r>
-              <a:t>数据规模</a:t>
-            </a:r>
-          </a:p>
+              <a:t>数据来源</a:t>
+            </a:r>
+          </a:p>
+        </p:txBody>
+      </p:sp>
+      <p:sp>
+        <p:nvSpPr>
+          <p:cNvPr id="6" name="Oval 5"/>
+          <p:cNvSpPr/>
+          <p:nvPr/>
+        </p:nvSpPr>
+        <p:spPr>
+          <a:xfrm>
+            <a:off x="640080" y="2377440"/>
+            <a:ext cx="109728" cy="109728"/>
+          </a:xfrm>
+          <a:prstGeom prst="ellipse">
+            <a:avLst/>
+          </a:prstGeom>
+          <a:solidFill>
+            <a:srgbClr val="0096FF"/>
+          </a:solidFill>
+          <a:ln>
+            <a:noFill/>
+          </a:ln>
+        </p:spPr>
+        <p:style>
+          <a:lnRef idx="1">
+            <a:schemeClr val="accent1"/>
+          </a:lnRef>
+          <a:fillRef idx="3">
+            <a:schemeClr val="accent1"/>
+          </a:fillRef>
+          <a:effectRef idx="2">
+            <a:schemeClr val="accent1"/>
+          </a:effectRef>
+          <a:fontRef idx="minor">
+            <a:schemeClr val="lt1"/>
+          </a:fontRef>
+        </p:style>
+        <p:txBody>
+          <a:bodyPr rtlCol="0" anchor="ctr"/>
+          <a:lstStyle/>
+          <a:p>
+            <a:pPr algn="ctr"/>
+          </a:p>
+        </p:txBody>
+      </p:sp>
+      <p:sp>
+        <p:nvSpPr>
+          <p:cNvPr id="7" name="TextBox 6"/>
+          <p:cNvSpPr txBox="1"/>
+          <p:nvPr/>
+        </p:nvSpPr>
+        <p:spPr>
+          <a:xfrm>
+            <a:off x="822960" y="2331720"/>
+            <a:ext cx="3291840" cy="365760"/>
+          </a:xfrm>
+          <a:prstGeom prst="rect">
+            <a:avLst/>
+          </a:prstGeom>
+          <a:noFill/>
+        </p:spPr>
+        <p:txBody>
+          <a:bodyPr wrap="none">
+            <a:spAutoFit/>
+          </a:bodyPr>
+          <a:lstStyle/>
           <a:p>
             <a:pPr>
-              <a:spcAft>
-                <a:spcPts val="800"/>
-              </a:spcAft>
               <a:defRPr sz="1600">
                 <a:solidFill>
-                  <a:srgbClr val="808080"/>
+                  <a:srgbClr val="404040"/>
                 </a:solidFill>
               </a:defRPr>
             </a:pPr>
             <a:r>
-              <a:t>• 每小时数据：17,379条</a:t>
-            </a:r>
-          </a:p>
+              <a:t>Capital Bikeshare系统</a:t>
+            </a:r>
+          </a:p>
+        </p:txBody>
+      </p:sp>
+      <p:sp>
+        <p:nvSpPr>
+          <p:cNvPr id="8" name="Oval 7"/>
+          <p:cNvSpPr/>
+          <p:nvPr/>
+        </p:nvSpPr>
+        <p:spPr>
+          <a:xfrm>
+            <a:off x="640080" y="2834640"/>
+            <a:ext cx="109728" cy="109728"/>
+          </a:xfrm>
+          <a:prstGeom prst="ellipse">
+            <a:avLst/>
+          </a:prstGeom>
+          <a:solidFill>
+            <a:srgbClr val="0096FF"/>
+          </a:solidFill>
+          <a:ln>
+            <a:noFill/>
+          </a:ln>
+        </p:spPr>
+        <p:style>
+          <a:lnRef idx="1">
+            <a:schemeClr val="accent1"/>
+          </a:lnRef>
+          <a:fillRef idx="3">
+            <a:schemeClr val="accent1"/>
+          </a:fillRef>
+          <a:effectRef idx="2">
+            <a:schemeClr val="accent1"/>
+          </a:effectRef>
+          <a:fontRef idx="minor">
+            <a:schemeClr val="lt1"/>
+          </a:fontRef>
+        </p:style>
+        <p:txBody>
+          <a:bodyPr rtlCol="0" anchor="ctr"/>
+          <a:lstStyle/>
+          <a:p>
+            <a:pPr algn="ctr"/>
+          </a:p>
+        </p:txBody>
+      </p:sp>
+      <p:sp>
+        <p:nvSpPr>
+          <p:cNvPr id="9" name="TextBox 8"/>
+          <p:cNvSpPr txBox="1"/>
+          <p:nvPr/>
+        </p:nvSpPr>
+        <p:spPr>
+          <a:xfrm>
+            <a:off x="822960" y="2788920"/>
+            <a:ext cx="3291840" cy="365760"/>
+          </a:xfrm>
+          <a:prstGeom prst="rect">
+            <a:avLst/>
+          </a:prstGeom>
+          <a:noFill/>
+        </p:spPr>
+        <p:txBody>
+          <a:bodyPr wrap="none">
+            <a:spAutoFit/>
+          </a:bodyPr>
+          <a:lstStyle/>
           <a:p>
             <a:pPr>
-              <a:spcAft>
-                <a:spcPts val="800"/>
-              </a:spcAft>
               <a:defRPr sz="1600">
                 <a:solidFill>
-                  <a:srgbClr val="808080"/>
+                  <a:srgbClr val="404040"/>
                 </a:solidFill>
               </a:defRPr>
             </a:pPr>
             <a:r>
-              <a:t>• 每日数据：731条</a:t>
-            </a:r>
-          </a:p>
+              <a:t>华盛顿特区</a:t>
+            </a:r>
+          </a:p>
+        </p:txBody>
+      </p:sp>
+      <p:sp>
+        <p:nvSpPr>
+          <p:cNvPr id="10" name="Oval 9"/>
+          <p:cNvSpPr/>
+          <p:nvPr/>
+        </p:nvSpPr>
+        <p:spPr>
+          <a:xfrm>
+            <a:off x="640080" y="3291840"/>
+            <a:ext cx="109728" cy="109728"/>
+          </a:xfrm>
+          <a:prstGeom prst="ellipse">
+            <a:avLst/>
+          </a:prstGeom>
+          <a:solidFill>
+            <a:srgbClr val="0096FF"/>
+          </a:solidFill>
+          <a:ln>
+            <a:noFill/>
+          </a:ln>
+        </p:spPr>
+        <p:style>
+          <a:lnRef idx="1">
+            <a:schemeClr val="accent1"/>
+          </a:lnRef>
+          <a:fillRef idx="3">
+            <a:schemeClr val="accent1"/>
+          </a:fillRef>
+          <a:effectRef idx="2">
+            <a:schemeClr val="accent1"/>
+          </a:effectRef>
+          <a:fontRef idx="minor">
+            <a:schemeClr val="lt1"/>
+          </a:fontRef>
+        </p:style>
+        <p:txBody>
+          <a:bodyPr rtlCol="0" anchor="ctr"/>
+          <a:lstStyle/>
+          <a:p>
+            <a:pPr algn="ctr"/>
+          </a:p>
+        </p:txBody>
+      </p:sp>
+      <p:sp>
+        <p:nvSpPr>
+          <p:cNvPr id="11" name="TextBox 10"/>
+          <p:cNvSpPr txBox="1"/>
+          <p:nvPr/>
+        </p:nvSpPr>
+        <p:spPr>
+          <a:xfrm>
+            <a:off x="822960" y="3246120"/>
+            <a:ext cx="3291840" cy="365760"/>
+          </a:xfrm>
+          <a:prstGeom prst="rect">
+            <a:avLst/>
+          </a:prstGeom>
+          <a:noFill/>
+        </p:spPr>
+        <p:txBody>
+          <a:bodyPr wrap="none">
+            <a:spAutoFit/>
+          </a:bodyPr>
+          <a:lstStyle/>
           <a:p>
             <a:pPr>
-              <a:spcAft>
-                <a:spcPts val="800"/>
-              </a:spcAft>
               <a:defRPr sz="1600">
                 <a:solidFill>
-                  <a:srgbClr val="808080"/>
+                  <a:srgbClr val="404040"/>
                 </a:solidFill>
               </a:defRPr>
             </a:pPr>
             <a:r>
-              <a:t>• 12个特征维度</a:t>
+              <a:t>2011-2012年数据</a:t>
+            </a:r>
+          </a:p>
+        </p:txBody>
+      </p:sp>
+      <p:sp>
+        <p:nvSpPr>
+          <p:cNvPr id="12" name="Oval 11"/>
+          <p:cNvSpPr/>
+          <p:nvPr/>
+        </p:nvSpPr>
+        <p:spPr>
+          <a:xfrm>
+            <a:off x="640080" y="3749039"/>
+            <a:ext cx="109728" cy="109728"/>
+          </a:xfrm>
+          <a:prstGeom prst="ellipse">
+            <a:avLst/>
+          </a:prstGeom>
+          <a:solidFill>
+            <a:srgbClr val="0096FF"/>
+          </a:solidFill>
+          <a:ln>
+            <a:noFill/>
+          </a:ln>
+        </p:spPr>
+        <p:style>
+          <a:lnRef idx="1">
+            <a:schemeClr val="accent1"/>
+          </a:lnRef>
+          <a:fillRef idx="3">
+            <a:schemeClr val="accent1"/>
+          </a:fillRef>
+          <a:effectRef idx="2">
+            <a:schemeClr val="accent1"/>
+          </a:effectRef>
+          <a:fontRef idx="minor">
+            <a:schemeClr val="lt1"/>
+          </a:fontRef>
+        </p:style>
+        <p:txBody>
+          <a:bodyPr rtlCol="0" anchor="ctr"/>
+          <a:lstStyle/>
+          <a:p>
+            <a:pPr algn="ctr"/>
+          </a:p>
+        </p:txBody>
+      </p:sp>
+      <p:sp>
+        <p:nvSpPr>
+          <p:cNvPr id="13" name="TextBox 12"/>
+          <p:cNvSpPr txBox="1"/>
+          <p:nvPr/>
+        </p:nvSpPr>
+        <p:spPr>
+          <a:xfrm>
+            <a:off x="822960" y="3703320"/>
+            <a:ext cx="3291840" cy="365760"/>
+          </a:xfrm>
+          <a:prstGeom prst="rect">
+            <a:avLst/>
+          </a:prstGeom>
+          <a:noFill/>
+        </p:spPr>
+        <p:txBody>
+          <a:bodyPr wrap="none">
+            <a:spAutoFit/>
+          </a:bodyPr>
+          <a:lstStyle/>
+          <a:p>
+            <a:pPr>
+              <a:defRPr sz="1600">
+                <a:solidFill>
+                  <a:srgbClr val="404040"/>
+                </a:solidFill>
+              </a:defRPr>
+            </a:pPr>
+            <a:r>
+              <a:t>17,379条小时数据</a:t>
+            </a:r>
+          </a:p>
+        </p:txBody>
+      </p:sp>
+      <p:sp>
+        <p:nvSpPr>
+          <p:cNvPr id="14" name="Rounded Rectangle 13"/>
+          <p:cNvSpPr/>
+          <p:nvPr/>
+        </p:nvSpPr>
+        <p:spPr>
+          <a:xfrm>
+            <a:off x="4846320" y="1645920"/>
+            <a:ext cx="3840480" cy="548640"/>
+          </a:xfrm>
+          <a:prstGeom prst="roundRect">
+            <a:avLst/>
+          </a:prstGeom>
+          <a:solidFill>
+            <a:srgbClr val="2ECC71"/>
+          </a:solidFill>
+          <a:ln>
+            <a:noFill/>
+          </a:ln>
+        </p:spPr>
+        <p:style>
+          <a:lnRef idx="1">
+            <a:schemeClr val="accent1"/>
+          </a:lnRef>
+          <a:fillRef idx="3">
+            <a:schemeClr val="accent1"/>
+          </a:fillRef>
+          <a:effectRef idx="2">
+            <a:schemeClr val="accent1"/>
+          </a:effectRef>
+          <a:fontRef idx="minor">
+            <a:schemeClr val="lt1"/>
+          </a:fontRef>
+        </p:style>
+        <p:txBody>
+          <a:bodyPr rtlCol="0" anchor="ctr"/>
+          <a:lstStyle/>
+          <a:p>
+            <a:pPr algn="ctr"/>
+          </a:p>
+        </p:txBody>
+      </p:sp>
+      <p:sp>
+        <p:nvSpPr>
+          <p:cNvPr id="15" name="TextBox 14"/>
+          <p:cNvSpPr txBox="1"/>
+          <p:nvPr/>
+        </p:nvSpPr>
+        <p:spPr>
+          <a:xfrm>
+            <a:off x="5029200" y="1737360"/>
+            <a:ext cx="3474720" cy="365760"/>
+          </a:xfrm>
+          <a:prstGeom prst="rect">
+            <a:avLst/>
+          </a:prstGeom>
+          <a:noFill/>
+        </p:spPr>
+        <p:txBody>
+          <a:bodyPr wrap="none">
+            <a:spAutoFit/>
+          </a:bodyPr>
+          <a:lstStyle/>
+          <a:p>
+            <a:pPr>
+              <a:defRPr sz="2200" b="1">
+                <a:solidFill>
+                  <a:srgbClr val="FFFFFF"/>
+                </a:solidFill>
+              </a:defRPr>
+            </a:pPr>
+            <a:r>
+              <a:t>数据特征</a:t>
+            </a:r>
+          </a:p>
+        </p:txBody>
+      </p:sp>
+      <p:sp>
+        <p:nvSpPr>
+          <p:cNvPr id="16" name="Oval 15"/>
+          <p:cNvSpPr/>
+          <p:nvPr/>
+        </p:nvSpPr>
+        <p:spPr>
+          <a:xfrm>
+            <a:off x="5029200" y="2377440"/>
+            <a:ext cx="109728" cy="109728"/>
+          </a:xfrm>
+          <a:prstGeom prst="ellipse">
+            <a:avLst/>
+          </a:prstGeom>
+          <a:solidFill>
+            <a:srgbClr val="2ECC71"/>
+          </a:solidFill>
+          <a:ln>
+            <a:noFill/>
+          </a:ln>
+        </p:spPr>
+        <p:style>
+          <a:lnRef idx="1">
+            <a:schemeClr val="accent1"/>
+          </a:lnRef>
+          <a:fillRef idx="3">
+            <a:schemeClr val="accent1"/>
+          </a:fillRef>
+          <a:effectRef idx="2">
+            <a:schemeClr val="accent1"/>
+          </a:effectRef>
+          <a:fontRef idx="minor">
+            <a:schemeClr val="lt1"/>
+          </a:fontRef>
+        </p:style>
+        <p:txBody>
+          <a:bodyPr rtlCol="0" anchor="ctr"/>
+          <a:lstStyle/>
+          <a:p>
+            <a:pPr algn="ctr"/>
+          </a:p>
+        </p:txBody>
+      </p:sp>
+      <p:sp>
+        <p:nvSpPr>
+          <p:cNvPr id="17" name="TextBox 16"/>
+          <p:cNvSpPr txBox="1"/>
+          <p:nvPr/>
+        </p:nvSpPr>
+        <p:spPr>
+          <a:xfrm>
+            <a:off x="5212080" y="2331720"/>
+            <a:ext cx="3291840" cy="365760"/>
+          </a:xfrm>
+          <a:prstGeom prst="rect">
+            <a:avLst/>
+          </a:prstGeom>
+          <a:noFill/>
+        </p:spPr>
+        <p:txBody>
+          <a:bodyPr wrap="none">
+            <a:spAutoFit/>
+          </a:bodyPr>
+          <a:lstStyle/>
+          <a:p>
+            <a:pPr>
+              <a:defRPr sz="1600">
+                <a:solidFill>
+                  <a:srgbClr val="404040"/>
+                </a:solidFill>
+              </a:defRPr>
+            </a:pPr>
+            <a:r>
+              <a:t>12个特征维度</a:t>
+            </a:r>
+          </a:p>
+        </p:txBody>
+      </p:sp>
+      <p:sp>
+        <p:nvSpPr>
+          <p:cNvPr id="18" name="Oval 17"/>
+          <p:cNvSpPr/>
+          <p:nvPr/>
+        </p:nvSpPr>
+        <p:spPr>
+          <a:xfrm>
+            <a:off x="5029200" y="2834640"/>
+            <a:ext cx="109728" cy="109728"/>
+          </a:xfrm>
+          <a:prstGeom prst="ellipse">
+            <a:avLst/>
+          </a:prstGeom>
+          <a:solidFill>
+            <a:srgbClr val="2ECC71"/>
+          </a:solidFill>
+          <a:ln>
+            <a:noFill/>
+          </a:ln>
+        </p:spPr>
+        <p:style>
+          <a:lnRef idx="1">
+            <a:schemeClr val="accent1"/>
+          </a:lnRef>
+          <a:fillRef idx="3">
+            <a:schemeClr val="accent1"/>
+          </a:fillRef>
+          <a:effectRef idx="2">
+            <a:schemeClr val="accent1"/>
+          </a:effectRef>
+          <a:fontRef idx="minor">
+            <a:schemeClr val="lt1"/>
+          </a:fontRef>
+        </p:style>
+        <p:txBody>
+          <a:bodyPr rtlCol="0" anchor="ctr"/>
+          <a:lstStyle/>
+          <a:p>
+            <a:pPr algn="ctr"/>
+          </a:p>
+        </p:txBody>
+      </p:sp>
+      <p:sp>
+        <p:nvSpPr>
+          <p:cNvPr id="19" name="TextBox 18"/>
+          <p:cNvSpPr txBox="1"/>
+          <p:nvPr/>
+        </p:nvSpPr>
+        <p:spPr>
+          <a:xfrm>
+            <a:off x="5212080" y="2788920"/>
+            <a:ext cx="3291840" cy="365760"/>
+          </a:xfrm>
+          <a:prstGeom prst="rect">
+            <a:avLst/>
+          </a:prstGeom>
+          <a:noFill/>
+        </p:spPr>
+        <p:txBody>
+          <a:bodyPr wrap="none">
+            <a:spAutoFit/>
+          </a:bodyPr>
+          <a:lstStyle/>
+          <a:p>
+            <a:pPr>
+              <a:defRPr sz="1600">
+                <a:solidFill>
+                  <a:srgbClr val="404040"/>
+                </a:solidFill>
+              </a:defRPr>
+            </a:pPr>
+            <a:r>
+              <a:t>时间、天气、温度</a:t>
+            </a:r>
+          </a:p>
+        </p:txBody>
+      </p:sp>
+      <p:sp>
+        <p:nvSpPr>
+          <p:cNvPr id="20" name="Oval 19"/>
+          <p:cNvSpPr/>
+          <p:nvPr/>
+        </p:nvSpPr>
+        <p:spPr>
+          <a:xfrm>
+            <a:off x="5029200" y="3291840"/>
+            <a:ext cx="109728" cy="109728"/>
+          </a:xfrm>
+          <a:prstGeom prst="ellipse">
+            <a:avLst/>
+          </a:prstGeom>
+          <a:solidFill>
+            <a:srgbClr val="2ECC71"/>
+          </a:solidFill>
+          <a:ln>
+            <a:noFill/>
+          </a:ln>
+        </p:spPr>
+        <p:style>
+          <a:lnRef idx="1">
+            <a:schemeClr val="accent1"/>
+          </a:lnRef>
+          <a:fillRef idx="3">
+            <a:schemeClr val="accent1"/>
+          </a:fillRef>
+          <a:effectRef idx="2">
+            <a:schemeClr val="accent1"/>
+          </a:effectRef>
+          <a:fontRef idx="minor">
+            <a:schemeClr val="lt1"/>
+          </a:fontRef>
+        </p:style>
+        <p:txBody>
+          <a:bodyPr rtlCol="0" anchor="ctr"/>
+          <a:lstStyle/>
+          <a:p>
+            <a:pPr algn="ctr"/>
+          </a:p>
+        </p:txBody>
+      </p:sp>
+      <p:sp>
+        <p:nvSpPr>
+          <p:cNvPr id="21" name="TextBox 20"/>
+          <p:cNvSpPr txBox="1"/>
+          <p:nvPr/>
+        </p:nvSpPr>
+        <p:spPr>
+          <a:xfrm>
+            <a:off x="5212080" y="3246120"/>
+            <a:ext cx="3291840" cy="365760"/>
+          </a:xfrm>
+          <a:prstGeom prst="rect">
+            <a:avLst/>
+          </a:prstGeom>
+          <a:noFill/>
+        </p:spPr>
+        <p:txBody>
+          <a:bodyPr wrap="none">
+            <a:spAutoFit/>
+          </a:bodyPr>
+          <a:lstStyle/>
+          <a:p>
+            <a:pPr>
+              <a:defRPr sz="1600">
+                <a:solidFill>
+                  <a:srgbClr val="404040"/>
+                </a:solidFill>
+              </a:defRPr>
+            </a:pPr>
+            <a:r>
+              <a:t>工作日、节假日</a:t>
+            </a:r>
+          </a:p>
+        </p:txBody>
+      </p:sp>
+      <p:sp>
+        <p:nvSpPr>
+          <p:cNvPr id="22" name="Oval 21"/>
+          <p:cNvSpPr/>
+          <p:nvPr/>
+        </p:nvSpPr>
+        <p:spPr>
+          <a:xfrm>
+            <a:off x="5029200" y="3749039"/>
+            <a:ext cx="109728" cy="109728"/>
+          </a:xfrm>
+          <a:prstGeom prst="ellipse">
+            <a:avLst/>
+          </a:prstGeom>
+          <a:solidFill>
+            <a:srgbClr val="2ECC71"/>
+          </a:solidFill>
+          <a:ln>
+            <a:noFill/>
+          </a:ln>
+        </p:spPr>
+        <p:style>
+          <a:lnRef idx="1">
+            <a:schemeClr val="accent1"/>
+          </a:lnRef>
+          <a:fillRef idx="3">
+            <a:schemeClr val="accent1"/>
+          </a:fillRef>
+          <a:effectRef idx="2">
+            <a:schemeClr val="accent1"/>
+          </a:effectRef>
+          <a:fontRef idx="minor">
+            <a:schemeClr val="lt1"/>
+          </a:fontRef>
+        </p:style>
+        <p:txBody>
+          <a:bodyPr rtlCol="0" anchor="ctr"/>
+          <a:lstStyle/>
+          <a:p>
+            <a:pPr algn="ctr"/>
+          </a:p>
+        </p:txBody>
+      </p:sp>
+      <p:sp>
+        <p:nvSpPr>
+          <p:cNvPr id="23" name="TextBox 22"/>
+          <p:cNvSpPr txBox="1"/>
+          <p:nvPr/>
+        </p:nvSpPr>
+        <p:spPr>
+          <a:xfrm>
+            <a:off x="5212080" y="3703320"/>
+            <a:ext cx="3291840" cy="365760"/>
+          </a:xfrm>
+          <a:prstGeom prst="rect">
+            <a:avLst/>
+          </a:prstGeom>
+          <a:noFill/>
+        </p:spPr>
+        <p:txBody>
+          <a:bodyPr wrap="none">
+            <a:spAutoFit/>
+          </a:bodyPr>
+          <a:lstStyle/>
+          <a:p>
+            <a:pPr>
+              <a:defRPr sz="1600">
+                <a:solidFill>
+                  <a:srgbClr val="404040"/>
+                </a:solidFill>
+              </a:defRPr>
+            </a:pPr>
+            <a:r>
+              <a:t>完整的业务数据</a:t>
             </a:r>
           </a:p>
         </p:txBody>
@@ -3539,7 +4617,7 @@
     <p:bg>
       <p:bgPr>
         <a:solidFill>
-          <a:srgbClr val="FFFFFF"/>
+          <a:srgbClr val="F0F8FF"/>
         </a:solidFill>
         <a:effectLst/>
       </p:bgPr>
@@ -3553,59 +4631,57 @@
       <p:grpSpPr/>
       <p:sp>
         <p:nvSpPr>
-          <p:cNvPr id="2" name="Title 1"/>
-          <p:cNvSpPr>
-            <a:spLocks noGrp="1"/>
-          </p:cNvSpPr>
-          <p:nvPr>
-            <p:ph type="title"/>
-          </p:nvPr>
-        </p:nvSpPr>
-        <p:spPr/>
-        <p:txBody>
-          <a:bodyPr/>
-          <a:lstStyle/>
-          <a:p>
-            <a:pPr>
-              <a:defRPr sz="3600" b="1">
-                <a:solidFill>
-                  <a:srgbClr val="003366"/>
-                </a:solidFill>
-              </a:defRPr>
-            </a:pPr>
-            <a:r>
-              <a:t>模型性能指标（随机森林）</a:t>
-            </a:r>
-          </a:p>
-        </p:txBody>
-      </p:sp>
-      <p:sp>
-        <p:nvSpPr>
-          <p:cNvPr id="3" name="Content Placeholder 2"/>
-          <p:cNvSpPr>
-            <a:spLocks noGrp="1"/>
-          </p:cNvSpPr>
-          <p:nvPr>
-            <p:ph idx="1"/>
-          </p:nvPr>
-        </p:nvSpPr>
-        <p:spPr/>
-        <p:txBody>
-          <a:bodyPr/>
-          <a:lstStyle/>
-          <a:p/>
-        </p:txBody>
-      </p:sp>
-      <p:sp>
-        <p:nvSpPr>
-          <p:cNvPr id="4" name="TextBox 3"/>
+          <p:cNvPr id="2" name="Rectangle 1"/>
+          <p:cNvSpPr/>
+          <p:nvPr/>
+        </p:nvSpPr>
+        <p:spPr>
+          <a:xfrm>
+            <a:off x="0" y="0"/>
+            <a:ext cx="9144000" cy="914400"/>
+          </a:xfrm>
+          <a:prstGeom prst="rect">
+            <a:avLst/>
+          </a:prstGeom>
+          <a:solidFill>
+            <a:srgbClr val="1971C2"/>
+          </a:solidFill>
+          <a:ln>
+            <a:noFill/>
+          </a:ln>
+        </p:spPr>
+        <p:style>
+          <a:lnRef idx="1">
+            <a:schemeClr val="accent1"/>
+          </a:lnRef>
+          <a:fillRef idx="3">
+            <a:schemeClr val="accent1"/>
+          </a:fillRef>
+          <a:effectRef idx="2">
+            <a:schemeClr val="accent1"/>
+          </a:effectRef>
+          <a:fontRef idx="minor">
+            <a:schemeClr val="lt1"/>
+          </a:fontRef>
+        </p:style>
+        <p:txBody>
+          <a:bodyPr rtlCol="0" anchor="ctr"/>
+          <a:lstStyle/>
+          <a:p>
+            <a:pPr algn="ctr"/>
+          </a:p>
+        </p:txBody>
+      </p:sp>
+      <p:sp>
+        <p:nvSpPr>
+          <p:cNvPr id="3" name="TextBox 2"/>
           <p:cNvSpPr txBox="1"/>
           <p:nvPr/>
         </p:nvSpPr>
         <p:spPr>
           <a:xfrm>
-            <a:off x="457200" y="1645920"/>
-            <a:ext cx="2560320" cy="1097280"/>
+            <a:off x="457200" y="182880"/>
+            <a:ext cx="8229600" cy="548640"/>
           </a:xfrm>
           <a:prstGeom prst="rect">
             <a:avLst/>
@@ -3618,16 +4694,61 @@
           </a:bodyPr>
           <a:lstStyle/>
           <a:p>
-            <a:pPr algn="ctr">
+            <a:pPr algn="l">
               <a:defRPr sz="3200" b="1">
                 <a:solidFill>
-                  <a:srgbClr val="0099FF"/>
+                  <a:srgbClr val="FFFFFF"/>
                 </a:solidFill>
               </a:defRPr>
             </a:pPr>
             <a:r>
-              <a:t>0.9207</a:t>
-            </a:r>
+              <a:t>模型性能指标</a:t>
+            </a:r>
+          </a:p>
+        </p:txBody>
+      </p:sp>
+      <p:sp>
+        <p:nvSpPr>
+          <p:cNvPr id="4" name="Rounded Rectangle 3"/>
+          <p:cNvSpPr/>
+          <p:nvPr/>
+        </p:nvSpPr>
+        <p:spPr>
+          <a:xfrm>
+            <a:off x="548640" y="1828800"/>
+            <a:ext cx="2011680" cy="1645920"/>
+          </a:xfrm>
+          <a:prstGeom prst="roundRect">
+            <a:avLst/>
+          </a:prstGeom>
+          <a:solidFill>
+            <a:srgbClr val="FFFFFF"/>
+          </a:solidFill>
+          <a:ln w="38100">
+            <a:solidFill>
+              <a:srgbClr val="0096FF"/>
+            </a:solidFill>
+          </a:ln>
+        </p:spPr>
+        <p:style>
+          <a:lnRef idx="1">
+            <a:schemeClr val="accent1"/>
+          </a:lnRef>
+          <a:fillRef idx="3">
+            <a:schemeClr val="accent1"/>
+          </a:fillRef>
+          <a:effectRef idx="2">
+            <a:schemeClr val="accent1"/>
+          </a:effectRef>
+          <a:fontRef idx="minor">
+            <a:schemeClr val="lt1"/>
+          </a:fontRef>
+        </p:style>
+        <p:txBody>
+          <a:bodyPr rtlCol="0" anchor="ctr"/>
+          <a:lstStyle/>
+          <a:p>
+            <a:pPr algn="ctr"/>
           </a:p>
         </p:txBody>
       </p:sp>
@@ -3639,8 +4760,8 @@
         </p:nvSpPr>
         <p:spPr>
           <a:xfrm>
-            <a:off x="457200" y="2103120"/>
-            <a:ext cx="2560320" cy="274320"/>
+            <a:off x="640080" y="2103120"/>
+            <a:ext cx="1828800" cy="548640"/>
           </a:xfrm>
           <a:prstGeom prst="rect">
             <a:avLst/>
@@ -3654,14 +4775,14 @@
           <a:lstStyle/>
           <a:p>
             <a:pPr algn="ctr">
-              <a:defRPr sz="1400">
-                <a:solidFill>
-                  <a:srgbClr val="808080"/>
+              <a:defRPr sz="3600" b="1">
+                <a:solidFill>
+                  <a:srgbClr val="0096FF"/>
                 </a:solidFill>
               </a:defRPr>
             </a:pPr>
             <a:r>
-              <a:t>R² 分数</a:t>
+              <a:t>0.9207</a:t>
             </a:r>
           </a:p>
         </p:txBody>
@@ -3674,8 +4795,8 @@
         </p:nvSpPr>
         <p:spPr>
           <a:xfrm>
-            <a:off x="457200" y="2377440"/>
-            <a:ext cx="2560320" cy="274320"/>
+            <a:off x="640080" y="2743200"/>
+            <a:ext cx="1828800" cy="365760"/>
           </a:xfrm>
           <a:prstGeom prst="rect">
             <a:avLst/>
@@ -3689,14 +4810,14 @@
           <a:lstStyle/>
           <a:p>
             <a:pPr algn="ctr">
-              <a:defRPr sz="1000">
-                <a:solidFill>
-                  <a:srgbClr val="808080"/>
+              <a:defRPr sz="1600" b="1">
+                <a:solidFill>
+                  <a:srgbClr val="0D2440"/>
                 </a:solidFill>
               </a:defRPr>
             </a:pPr>
             <a:r>
-              <a:t>解释92%变异</a:t>
+              <a:t>R² 分数</a:t>
             </a:r>
           </a:p>
         </p:txBody>
@@ -3709,8 +4830,8 @@
         </p:nvSpPr>
         <p:spPr>
           <a:xfrm>
-            <a:off x="3200400" y="1645920"/>
-            <a:ext cx="2560320" cy="1097280"/>
+            <a:off x="640080" y="3108960"/>
+            <a:ext cx="1828800" cy="274320"/>
           </a:xfrm>
           <a:prstGeom prst="rect">
             <a:avLst/>
@@ -3724,28 +4845,73 @@
           <a:lstStyle/>
           <a:p>
             <a:pPr algn="ctr">
-              <a:defRPr sz="3200" b="1">
-                <a:solidFill>
-                  <a:srgbClr val="0099FF"/>
+              <a:defRPr sz="1100">
+                <a:solidFill>
+                  <a:srgbClr val="808080"/>
                 </a:solidFill>
               </a:defRPr>
             </a:pPr>
             <a:r>
-              <a:t>50.11</a:t>
-            </a:r>
-          </a:p>
-        </p:txBody>
-      </p:sp>
-      <p:sp>
-        <p:nvSpPr>
-          <p:cNvPr id="8" name="TextBox 7"/>
+              <a:t>解释92%变异</a:t>
+            </a:r>
+          </a:p>
+        </p:txBody>
+      </p:sp>
+      <p:sp>
+        <p:nvSpPr>
+          <p:cNvPr id="8" name="Rounded Rectangle 7"/>
+          <p:cNvSpPr/>
+          <p:nvPr/>
+        </p:nvSpPr>
+        <p:spPr>
+          <a:xfrm>
+            <a:off x="2834640" y="1828800"/>
+            <a:ext cx="2011680" cy="1645920"/>
+          </a:xfrm>
+          <a:prstGeom prst="roundRect">
+            <a:avLst/>
+          </a:prstGeom>
+          <a:solidFill>
+            <a:srgbClr val="FFFFFF"/>
+          </a:solidFill>
+          <a:ln w="38100">
+            <a:solidFill>
+              <a:srgbClr val="1971C2"/>
+            </a:solidFill>
+          </a:ln>
+        </p:spPr>
+        <p:style>
+          <a:lnRef idx="1">
+            <a:schemeClr val="accent1"/>
+          </a:lnRef>
+          <a:fillRef idx="3">
+            <a:schemeClr val="accent1"/>
+          </a:fillRef>
+          <a:effectRef idx="2">
+            <a:schemeClr val="accent1"/>
+          </a:effectRef>
+          <a:fontRef idx="minor">
+            <a:schemeClr val="lt1"/>
+          </a:fontRef>
+        </p:style>
+        <p:txBody>
+          <a:bodyPr rtlCol="0" anchor="ctr"/>
+          <a:lstStyle/>
+          <a:p>
+            <a:pPr algn="ctr"/>
+          </a:p>
+        </p:txBody>
+      </p:sp>
+      <p:sp>
+        <p:nvSpPr>
+          <p:cNvPr id="9" name="TextBox 8"/>
           <p:cNvSpPr txBox="1"/>
           <p:nvPr/>
         </p:nvSpPr>
         <p:spPr>
           <a:xfrm>
-            <a:off x="3200400" y="2103120"/>
-            <a:ext cx="2560320" cy="274320"/>
+            <a:off x="2926080" y="2103120"/>
+            <a:ext cx="1828800" cy="548640"/>
           </a:xfrm>
           <a:prstGeom prst="rect">
             <a:avLst/>
@@ -3759,28 +4925,28 @@
           <a:lstStyle/>
           <a:p>
             <a:pPr algn="ctr">
-              <a:defRPr sz="1400">
-                <a:solidFill>
-                  <a:srgbClr val="808080"/>
+              <a:defRPr sz="3600" b="1">
+                <a:solidFill>
+                  <a:srgbClr val="1971C2"/>
                 </a:solidFill>
               </a:defRPr>
             </a:pPr>
             <a:r>
-              <a:t>RMSE</a:t>
-            </a:r>
-          </a:p>
-        </p:txBody>
-      </p:sp>
-      <p:sp>
-        <p:nvSpPr>
-          <p:cNvPr id="9" name="TextBox 8"/>
+              <a:t>50.11</a:t>
+            </a:r>
+          </a:p>
+        </p:txBody>
+      </p:sp>
+      <p:sp>
+        <p:nvSpPr>
+          <p:cNvPr id="10" name="TextBox 9"/>
           <p:cNvSpPr txBox="1"/>
           <p:nvPr/>
         </p:nvSpPr>
         <p:spPr>
           <a:xfrm>
-            <a:off x="3200400" y="2377440"/>
-            <a:ext cx="2560320" cy="274320"/>
+            <a:off x="2926080" y="2743200"/>
+            <a:ext cx="1828800" cy="365760"/>
           </a:xfrm>
           <a:prstGeom prst="rect">
             <a:avLst/>
@@ -3794,28 +4960,28 @@
           <a:lstStyle/>
           <a:p>
             <a:pPr algn="ctr">
-              <a:defRPr sz="1000">
-                <a:solidFill>
-                  <a:srgbClr val="808080"/>
+              <a:defRPr sz="1600" b="1">
+                <a:solidFill>
+                  <a:srgbClr val="0D2440"/>
                 </a:solidFill>
               </a:defRPr>
             </a:pPr>
             <a:r>
-              <a:t>均方根误差</a:t>
-            </a:r>
-          </a:p>
-        </p:txBody>
-      </p:sp>
-      <p:sp>
-        <p:nvSpPr>
-          <p:cNvPr id="10" name="TextBox 9"/>
+              <a:t>RMSE</a:t>
+            </a:r>
+          </a:p>
+        </p:txBody>
+      </p:sp>
+      <p:sp>
+        <p:nvSpPr>
+          <p:cNvPr id="11" name="TextBox 10"/>
           <p:cNvSpPr txBox="1"/>
           <p:nvPr/>
         </p:nvSpPr>
         <p:spPr>
           <a:xfrm>
-            <a:off x="5943600" y="1645920"/>
-            <a:ext cx="2560320" cy="1097280"/>
+            <a:off x="2926080" y="3108960"/>
+            <a:ext cx="1828800" cy="274320"/>
           </a:xfrm>
           <a:prstGeom prst="rect">
             <a:avLst/>
@@ -3829,28 +4995,73 @@
           <a:lstStyle/>
           <a:p>
             <a:pPr algn="ctr">
-              <a:defRPr sz="3200" b="1">
-                <a:solidFill>
-                  <a:srgbClr val="0099FF"/>
+              <a:defRPr sz="1100">
+                <a:solidFill>
+                  <a:srgbClr val="808080"/>
                 </a:solidFill>
               </a:defRPr>
             </a:pPr>
             <a:r>
-              <a:t>31.10</a:t>
-            </a:r>
-          </a:p>
-        </p:txBody>
-      </p:sp>
-      <p:sp>
-        <p:nvSpPr>
-          <p:cNvPr id="11" name="TextBox 10"/>
+              <a:t>均方根误差</a:t>
+            </a:r>
+          </a:p>
+        </p:txBody>
+      </p:sp>
+      <p:sp>
+        <p:nvSpPr>
+          <p:cNvPr id="12" name="Rounded Rectangle 11"/>
+          <p:cNvSpPr/>
+          <p:nvPr/>
+        </p:nvSpPr>
+        <p:spPr>
+          <a:xfrm>
+            <a:off x="5120640" y="1828800"/>
+            <a:ext cx="2011680" cy="1645920"/>
+          </a:xfrm>
+          <a:prstGeom prst="roundRect">
+            <a:avLst/>
+          </a:prstGeom>
+          <a:solidFill>
+            <a:srgbClr val="FFFFFF"/>
+          </a:solidFill>
+          <a:ln w="38100">
+            <a:solidFill>
+              <a:srgbClr val="4FACFE"/>
+            </a:solidFill>
+          </a:ln>
+        </p:spPr>
+        <p:style>
+          <a:lnRef idx="1">
+            <a:schemeClr val="accent1"/>
+          </a:lnRef>
+          <a:fillRef idx="3">
+            <a:schemeClr val="accent1"/>
+          </a:fillRef>
+          <a:effectRef idx="2">
+            <a:schemeClr val="accent1"/>
+          </a:effectRef>
+          <a:fontRef idx="minor">
+            <a:schemeClr val="lt1"/>
+          </a:fontRef>
+        </p:style>
+        <p:txBody>
+          <a:bodyPr rtlCol="0" anchor="ctr"/>
+          <a:lstStyle/>
+          <a:p>
+            <a:pPr algn="ctr"/>
+          </a:p>
+        </p:txBody>
+      </p:sp>
+      <p:sp>
+        <p:nvSpPr>
+          <p:cNvPr id="13" name="TextBox 12"/>
           <p:cNvSpPr txBox="1"/>
           <p:nvPr/>
         </p:nvSpPr>
         <p:spPr>
           <a:xfrm>
-            <a:off x="5943600" y="2103120"/>
-            <a:ext cx="2560320" cy="274320"/>
+            <a:off x="5212079" y="2103120"/>
+            <a:ext cx="1828800" cy="548640"/>
           </a:xfrm>
           <a:prstGeom prst="rect">
             <a:avLst/>
@@ -3864,28 +5075,28 @@
           <a:lstStyle/>
           <a:p>
             <a:pPr algn="ctr">
-              <a:defRPr sz="1400">
-                <a:solidFill>
-                  <a:srgbClr val="808080"/>
+              <a:defRPr sz="3600" b="1">
+                <a:solidFill>
+                  <a:srgbClr val="4FACFE"/>
                 </a:solidFill>
               </a:defRPr>
             </a:pPr>
             <a:r>
-              <a:t>MAE</a:t>
-            </a:r>
-          </a:p>
-        </p:txBody>
-      </p:sp>
-      <p:sp>
-        <p:nvSpPr>
-          <p:cNvPr id="12" name="TextBox 11"/>
+              <a:t>31.10</a:t>
+            </a:r>
+          </a:p>
+        </p:txBody>
+      </p:sp>
+      <p:sp>
+        <p:nvSpPr>
+          <p:cNvPr id="14" name="TextBox 13"/>
           <p:cNvSpPr txBox="1"/>
           <p:nvPr/>
         </p:nvSpPr>
         <p:spPr>
           <a:xfrm>
-            <a:off x="5943600" y="2377440"/>
-            <a:ext cx="2560320" cy="274320"/>
+            <a:off x="5212079" y="2743200"/>
+            <a:ext cx="1828800" cy="365760"/>
           </a:xfrm>
           <a:prstGeom prst="rect">
             <a:avLst/>
@@ -3899,28 +5110,28 @@
           <a:lstStyle/>
           <a:p>
             <a:pPr algn="ctr">
-              <a:defRPr sz="1000">
-                <a:solidFill>
-                  <a:srgbClr val="808080"/>
+              <a:defRPr sz="1600" b="1">
+                <a:solidFill>
+                  <a:srgbClr val="0D2440"/>
                 </a:solidFill>
               </a:defRPr>
             </a:pPr>
             <a:r>
-              <a:t>平均绝对误差</a:t>
-            </a:r>
-          </a:p>
-        </p:txBody>
-      </p:sp>
-      <p:sp>
-        <p:nvSpPr>
-          <p:cNvPr id="13" name="TextBox 12"/>
+              <a:t>MAE</a:t>
+            </a:r>
+          </a:p>
+        </p:txBody>
+      </p:sp>
+      <p:sp>
+        <p:nvSpPr>
+          <p:cNvPr id="15" name="TextBox 14"/>
           <p:cNvSpPr txBox="1"/>
           <p:nvPr/>
         </p:nvSpPr>
         <p:spPr>
           <a:xfrm>
-            <a:off x="457200" y="2926080"/>
-            <a:ext cx="2560320" cy="1097280"/>
+            <a:off x="5212079" y="3108960"/>
+            <a:ext cx="1828800" cy="274320"/>
           </a:xfrm>
           <a:prstGeom prst="rect">
             <a:avLst/>
@@ -3934,28 +5145,73 @@
           <a:lstStyle/>
           <a:p>
             <a:pPr algn="ctr">
-              <a:defRPr sz="3200" b="1">
-                <a:solidFill>
-                  <a:srgbClr val="0099FF"/>
+              <a:defRPr sz="1100">
+                <a:solidFill>
+                  <a:srgbClr val="808080"/>
                 </a:solidFill>
               </a:defRPr>
             </a:pPr>
             <a:r>
-              <a:t>2.3%</a:t>
-            </a:r>
-          </a:p>
-        </p:txBody>
-      </p:sp>
-      <p:sp>
-        <p:nvSpPr>
-          <p:cNvPr id="14" name="TextBox 13"/>
+              <a:t>平均绝对误差</a:t>
+            </a:r>
+          </a:p>
+        </p:txBody>
+      </p:sp>
+      <p:sp>
+        <p:nvSpPr>
+          <p:cNvPr id="16" name="Rounded Rectangle 15"/>
+          <p:cNvSpPr/>
+          <p:nvPr/>
+        </p:nvSpPr>
+        <p:spPr>
+          <a:xfrm>
+            <a:off x="548640" y="3749039"/>
+            <a:ext cx="2011680" cy="1645920"/>
+          </a:xfrm>
+          <a:prstGeom prst="roundRect">
+            <a:avLst/>
+          </a:prstGeom>
+          <a:solidFill>
+            <a:srgbClr val="FFFFFF"/>
+          </a:solidFill>
+          <a:ln w="38100">
+            <a:solidFill>
+              <a:srgbClr val="2ECC71"/>
+            </a:solidFill>
+          </a:ln>
+        </p:spPr>
+        <p:style>
+          <a:lnRef idx="1">
+            <a:schemeClr val="accent1"/>
+          </a:lnRef>
+          <a:fillRef idx="3">
+            <a:schemeClr val="accent1"/>
+          </a:fillRef>
+          <a:effectRef idx="2">
+            <a:schemeClr val="accent1"/>
+          </a:effectRef>
+          <a:fontRef idx="minor">
+            <a:schemeClr val="lt1"/>
+          </a:fontRef>
+        </p:style>
+        <p:txBody>
+          <a:bodyPr rtlCol="0" anchor="ctr"/>
+          <a:lstStyle/>
+          <a:p>
+            <a:pPr algn="ctr"/>
+          </a:p>
+        </p:txBody>
+      </p:sp>
+      <p:sp>
+        <p:nvSpPr>
+          <p:cNvPr id="17" name="TextBox 16"/>
           <p:cNvSpPr txBox="1"/>
           <p:nvPr/>
         </p:nvSpPr>
         <p:spPr>
           <a:xfrm>
-            <a:off x="457200" y="3383280"/>
-            <a:ext cx="2560320" cy="274320"/>
+            <a:off x="640080" y="4023359"/>
+            <a:ext cx="1828800" cy="548640"/>
           </a:xfrm>
           <a:prstGeom prst="rect">
             <a:avLst/>
@@ -3969,28 +5225,28 @@
           <a:lstStyle/>
           <a:p>
             <a:pPr algn="ctr">
-              <a:defRPr sz="1400">
-                <a:solidFill>
-                  <a:srgbClr val="808080"/>
+              <a:defRPr sz="3600" b="1">
+                <a:solidFill>
+                  <a:srgbClr val="2ECC71"/>
                 </a:solidFill>
               </a:defRPr>
             </a:pPr>
             <a:r>
-              <a:t>过拟合</a:t>
-            </a:r>
-          </a:p>
-        </p:txBody>
-      </p:sp>
-      <p:sp>
-        <p:nvSpPr>
-          <p:cNvPr id="15" name="TextBox 14"/>
+              <a:t>2.3%</a:t>
+            </a:r>
+          </a:p>
+        </p:txBody>
+      </p:sp>
+      <p:sp>
+        <p:nvSpPr>
+          <p:cNvPr id="18" name="TextBox 17"/>
           <p:cNvSpPr txBox="1"/>
           <p:nvPr/>
         </p:nvSpPr>
         <p:spPr>
           <a:xfrm>
-            <a:off x="457200" y="3657600"/>
-            <a:ext cx="2560320" cy="274320"/>
+            <a:off x="640080" y="4663440"/>
+            <a:ext cx="1828800" cy="365760"/>
           </a:xfrm>
           <a:prstGeom prst="rect">
             <a:avLst/>
@@ -4004,7 +5260,42 @@
           <a:lstStyle/>
           <a:p>
             <a:pPr algn="ctr">
-              <a:defRPr sz="1000">
+              <a:defRPr sz="1600" b="1">
+                <a:solidFill>
+                  <a:srgbClr val="0D2440"/>
+                </a:solidFill>
+              </a:defRPr>
+            </a:pPr>
+            <a:r>
+              <a:t>过拟合</a:t>
+            </a:r>
+          </a:p>
+        </p:txBody>
+      </p:sp>
+      <p:sp>
+        <p:nvSpPr>
+          <p:cNvPr id="19" name="TextBox 18"/>
+          <p:cNvSpPr txBox="1"/>
+          <p:nvPr/>
+        </p:nvSpPr>
+        <p:spPr>
+          <a:xfrm>
+            <a:off x="640080" y="5029200"/>
+            <a:ext cx="1828800" cy="274320"/>
+          </a:xfrm>
+          <a:prstGeom prst="rect">
+            <a:avLst/>
+          </a:prstGeom>
+          <a:noFill/>
+        </p:spPr>
+        <p:txBody>
+          <a:bodyPr wrap="none">
+            <a:spAutoFit/>
+          </a:bodyPr>
+          <a:lstStyle/>
+          <a:p>
+            <a:pPr algn="ctr">
+              <a:defRPr sz="1100">
                 <a:solidFill>
                   <a:srgbClr val="808080"/>
                 </a:solidFill>
@@ -4044,205 +5335,842 @@
       <p:grpSpPr/>
       <p:sp>
         <p:nvSpPr>
-          <p:cNvPr id="2" name="Title 1"/>
-          <p:cNvSpPr>
-            <a:spLocks noGrp="1"/>
-          </p:cNvSpPr>
-          <p:nvPr>
-            <p:ph type="title"/>
-          </p:nvPr>
-        </p:nvSpPr>
-        <p:spPr/>
-        <p:txBody>
-          <a:bodyPr/>
+          <p:cNvPr id="2" name="Rectangle 1"/>
+          <p:cNvSpPr/>
+          <p:nvPr/>
+        </p:nvSpPr>
+        <p:spPr>
+          <a:xfrm>
+            <a:off x="0" y="0"/>
+            <a:ext cx="9144000" cy="914400"/>
+          </a:xfrm>
+          <a:prstGeom prst="rect">
+            <a:avLst/>
+          </a:prstGeom>
+          <a:solidFill>
+            <a:srgbClr val="1971C2"/>
+          </a:solidFill>
+          <a:ln>
+            <a:noFill/>
+          </a:ln>
+        </p:spPr>
+        <p:style>
+          <a:lnRef idx="1">
+            <a:schemeClr val="accent1"/>
+          </a:lnRef>
+          <a:fillRef idx="3">
+            <a:schemeClr val="accent1"/>
+          </a:fillRef>
+          <a:effectRef idx="2">
+            <a:schemeClr val="accent1"/>
+          </a:effectRef>
+          <a:fontRef idx="minor">
+            <a:schemeClr val="lt1"/>
+          </a:fontRef>
+        </p:style>
+        <p:txBody>
+          <a:bodyPr rtlCol="0" anchor="ctr"/>
+          <a:lstStyle/>
+          <a:p>
+            <a:pPr algn="ctr"/>
+          </a:p>
+        </p:txBody>
+      </p:sp>
+      <p:sp>
+        <p:nvSpPr>
+          <p:cNvPr id="3" name="TextBox 2"/>
+          <p:cNvSpPr txBox="1"/>
+          <p:nvPr/>
+        </p:nvSpPr>
+        <p:spPr>
+          <a:xfrm>
+            <a:off x="457200" y="182880"/>
+            <a:ext cx="8229600" cy="548640"/>
+          </a:xfrm>
+          <a:prstGeom prst="rect">
+            <a:avLst/>
+          </a:prstGeom>
+          <a:noFill/>
+        </p:spPr>
+        <p:txBody>
+          <a:bodyPr wrap="none">
+            <a:spAutoFit/>
+          </a:bodyPr>
+          <a:lstStyle/>
+          <a:p>
+            <a:pPr algn="l">
+              <a:defRPr sz="3200" b="1">
+                <a:solidFill>
+                  <a:srgbClr val="FFFFFF"/>
+                </a:solidFill>
+              </a:defRPr>
+            </a:pPr>
+            <a:r>
+              <a:t>特征重要性分析</a:t>
+            </a:r>
+          </a:p>
+        </p:txBody>
+      </p:sp>
+      <p:sp>
+        <p:nvSpPr>
+          <p:cNvPr id="4" name="TextBox 3"/>
+          <p:cNvSpPr txBox="1"/>
+          <p:nvPr/>
+        </p:nvSpPr>
+        <p:spPr>
+          <a:xfrm>
+            <a:off x="731520" y="1828800"/>
+            <a:ext cx="1828800" cy="365760"/>
+          </a:xfrm>
+          <a:prstGeom prst="rect">
+            <a:avLst/>
+          </a:prstGeom>
+          <a:noFill/>
+        </p:spPr>
+        <p:txBody>
+          <a:bodyPr wrap="none">
+            <a:spAutoFit/>
+          </a:bodyPr>
           <a:lstStyle/>
           <a:p>
             <a:pPr>
-              <a:defRPr sz="3600" b="1">
-                <a:solidFill>
-                  <a:srgbClr val="003366"/>
+              <a:defRPr sz="1800" b="1">
+                <a:solidFill>
+                  <a:srgbClr val="0D2440"/>
                 </a:solidFill>
               </a:defRPr>
             </a:pPr>
             <a:r>
-              <a:t>特征重要性分析</a:t>
-            </a:r>
-          </a:p>
-        </p:txBody>
-      </p:sp>
-      <p:sp>
-        <p:nvSpPr>
-          <p:cNvPr id="3" name="Content Placeholder 2"/>
-          <p:cNvSpPr>
-            <a:spLocks noGrp="1"/>
-          </p:cNvSpPr>
-          <p:nvPr>
-            <p:ph idx="1"/>
-          </p:nvPr>
-        </p:nvSpPr>
-        <p:spPr/>
-        <p:txBody>
-          <a:bodyPr/>
-          <a:lstStyle/>
-          <a:p>
-            <a:r>
-              <a:t>1. hr (小时) - 64.6% ⭐ 最重要</a:t>
-            </a:r>
-          </a:p>
+              <a:t>hr (小时)</a:t>
+            </a:r>
+          </a:p>
+        </p:txBody>
+      </p:sp>
+      <p:sp>
+        <p:nvSpPr>
+          <p:cNvPr id="5" name="Rounded Rectangle 4"/>
+          <p:cNvSpPr/>
+          <p:nvPr/>
+        </p:nvSpPr>
+        <p:spPr>
+          <a:xfrm>
+            <a:off x="2743200" y="1874519"/>
+            <a:ext cx="6400800" cy="274320"/>
+          </a:xfrm>
+          <a:prstGeom prst="roundRect">
+            <a:avLst/>
+          </a:prstGeom>
+          <a:solidFill>
+            <a:srgbClr val="F0F8FF"/>
+          </a:solidFill>
+          <a:ln>
+            <a:noFill/>
+          </a:ln>
+        </p:spPr>
+        <p:style>
+          <a:lnRef idx="1">
+            <a:schemeClr val="accent1"/>
+          </a:lnRef>
+          <a:fillRef idx="3">
+            <a:schemeClr val="accent1"/>
+          </a:fillRef>
+          <a:effectRef idx="2">
+            <a:schemeClr val="accent1"/>
+          </a:effectRef>
+          <a:fontRef idx="minor">
+            <a:schemeClr val="lt1"/>
+          </a:fontRef>
+        </p:style>
+        <p:txBody>
+          <a:bodyPr rtlCol="0" anchor="ctr"/>
+          <a:lstStyle/>
+          <a:p>
+            <a:pPr algn="ctr"/>
+          </a:p>
+        </p:txBody>
+      </p:sp>
+      <p:sp>
+        <p:nvSpPr>
+          <p:cNvPr id="6" name="Rounded Rectangle 5"/>
+          <p:cNvSpPr/>
+          <p:nvPr/>
+        </p:nvSpPr>
+        <p:spPr>
+          <a:xfrm>
+            <a:off x="2743200" y="1874519"/>
+            <a:ext cx="4134916" cy="274320"/>
+          </a:xfrm>
+          <a:prstGeom prst="roundRect">
+            <a:avLst/>
+          </a:prstGeom>
+          <a:solidFill>
+            <a:srgbClr val="0096FF"/>
+          </a:solidFill>
+          <a:ln>
+            <a:noFill/>
+          </a:ln>
+        </p:spPr>
+        <p:style>
+          <a:lnRef idx="1">
+            <a:schemeClr val="accent1"/>
+          </a:lnRef>
+          <a:fillRef idx="3">
+            <a:schemeClr val="accent1"/>
+          </a:fillRef>
+          <a:effectRef idx="2">
+            <a:schemeClr val="accent1"/>
+          </a:effectRef>
+          <a:fontRef idx="minor">
+            <a:schemeClr val="lt1"/>
+          </a:fontRef>
+        </p:style>
+        <p:txBody>
+          <a:bodyPr rtlCol="0" anchor="ctr"/>
+          <a:lstStyle/>
+          <a:p>
+            <a:pPr algn="ctr"/>
+          </a:p>
+        </p:txBody>
+      </p:sp>
+      <p:sp>
+        <p:nvSpPr>
+          <p:cNvPr id="7" name="TextBox 6"/>
+          <p:cNvSpPr txBox="1"/>
+          <p:nvPr/>
+        </p:nvSpPr>
+        <p:spPr>
+          <a:xfrm>
+            <a:off x="9326880" y="1828800"/>
+            <a:ext cx="914400" cy="365760"/>
+          </a:xfrm>
+          <a:prstGeom prst="rect">
+            <a:avLst/>
+          </a:prstGeom>
+          <a:noFill/>
+        </p:spPr>
+        <p:txBody>
+          <a:bodyPr wrap="none">
+            <a:spAutoFit/>
+          </a:bodyPr>
+          <a:lstStyle/>
           <a:p>
             <a:pPr>
-              <a:spcAft>
-                <a:spcPts val="1200"/>
-              </a:spcAft>
-              <a:defRPr sz="1800">
+              <a:defRPr sz="2000" b="1">
+                <a:solidFill>
+                  <a:srgbClr val="0096FF"/>
+                </a:solidFill>
+              </a:defRPr>
+            </a:pPr>
+            <a:r>
+              <a:t>64.6%</a:t>
+            </a:r>
+          </a:p>
+        </p:txBody>
+      </p:sp>
+      <p:sp>
+        <p:nvSpPr>
+          <p:cNvPr id="8" name="TextBox 7"/>
+          <p:cNvSpPr txBox="1"/>
+          <p:nvPr/>
+        </p:nvSpPr>
+        <p:spPr>
+          <a:xfrm>
+            <a:off x="2743200" y="2194560"/>
+            <a:ext cx="6400800" cy="274320"/>
+          </a:xfrm>
+          <a:prstGeom prst="rect">
+            <a:avLst/>
+          </a:prstGeom>
+          <a:noFill/>
+        </p:spPr>
+        <p:txBody>
+          <a:bodyPr wrap="none">
+            <a:spAutoFit/>
+          </a:bodyPr>
+          <a:lstStyle/>
+          <a:p>
+            <a:pPr>
+              <a:defRPr sz="1400">
                 <a:solidFill>
                   <a:srgbClr val="808080"/>
                 </a:solidFill>
               </a:defRPr>
             </a:pPr>
             <a:r>
-              <a:t>   • 一天中不同时段需求差异巨大</a:t>
-            </a:r>
-          </a:p>
+              <a:t>最重要</a:t>
+            </a:r>
+          </a:p>
+        </p:txBody>
+      </p:sp>
+      <p:sp>
+        <p:nvSpPr>
+          <p:cNvPr id="9" name="TextBox 8"/>
+          <p:cNvSpPr txBox="1"/>
+          <p:nvPr/>
+        </p:nvSpPr>
+        <p:spPr>
+          <a:xfrm>
+            <a:off x="731520" y="2926080"/>
+            <a:ext cx="1828800" cy="365760"/>
+          </a:xfrm>
+          <a:prstGeom prst="rect">
+            <a:avLst/>
+          </a:prstGeom>
+          <a:noFill/>
+        </p:spPr>
+        <p:txBody>
+          <a:bodyPr wrap="none">
+            <a:spAutoFit/>
+          </a:bodyPr>
+          <a:lstStyle/>
           <a:p>
             <a:pPr>
-              <a:spcAft>
-                <a:spcPts val="1200"/>
-              </a:spcAft>
-              <a:defRPr sz="1800">
+              <a:defRPr sz="1800" b="1">
+                <a:solidFill>
+                  <a:srgbClr val="0D2440"/>
+                </a:solidFill>
+              </a:defRPr>
+            </a:pPr>
+            <a:r>
+              <a:t>temp (温度)</a:t>
+            </a:r>
+          </a:p>
+        </p:txBody>
+      </p:sp>
+      <p:sp>
+        <p:nvSpPr>
+          <p:cNvPr id="10" name="Rounded Rectangle 9"/>
+          <p:cNvSpPr/>
+          <p:nvPr/>
+        </p:nvSpPr>
+        <p:spPr>
+          <a:xfrm>
+            <a:off x="2743200" y="2971800"/>
+            <a:ext cx="6400800" cy="274320"/>
+          </a:xfrm>
+          <a:prstGeom prst="roundRect">
+            <a:avLst/>
+          </a:prstGeom>
+          <a:solidFill>
+            <a:srgbClr val="F0F8FF"/>
+          </a:solidFill>
+          <a:ln>
+            <a:noFill/>
+          </a:ln>
+        </p:spPr>
+        <p:style>
+          <a:lnRef idx="1">
+            <a:schemeClr val="accent1"/>
+          </a:lnRef>
+          <a:fillRef idx="3">
+            <a:schemeClr val="accent1"/>
+          </a:fillRef>
+          <a:effectRef idx="2">
+            <a:schemeClr val="accent1"/>
+          </a:effectRef>
+          <a:fontRef idx="minor">
+            <a:schemeClr val="lt1"/>
+          </a:fontRef>
+        </p:style>
+        <p:txBody>
+          <a:bodyPr rtlCol="0" anchor="ctr"/>
+          <a:lstStyle/>
+          <a:p>
+            <a:pPr algn="ctr"/>
+          </a:p>
+        </p:txBody>
+      </p:sp>
+      <p:sp>
+        <p:nvSpPr>
+          <p:cNvPr id="11" name="Rounded Rectangle 10"/>
+          <p:cNvSpPr/>
+          <p:nvPr/>
+        </p:nvSpPr>
+        <p:spPr>
+          <a:xfrm>
+            <a:off x="2743200" y="2971800"/>
+            <a:ext cx="768096" cy="274320"/>
+          </a:xfrm>
+          <a:prstGeom prst="roundRect">
+            <a:avLst/>
+          </a:prstGeom>
+          <a:solidFill>
+            <a:srgbClr val="1971C2"/>
+          </a:solidFill>
+          <a:ln>
+            <a:noFill/>
+          </a:ln>
+        </p:spPr>
+        <p:style>
+          <a:lnRef idx="1">
+            <a:schemeClr val="accent1"/>
+          </a:lnRef>
+          <a:fillRef idx="3">
+            <a:schemeClr val="accent1"/>
+          </a:fillRef>
+          <a:effectRef idx="2">
+            <a:schemeClr val="accent1"/>
+          </a:effectRef>
+          <a:fontRef idx="minor">
+            <a:schemeClr val="lt1"/>
+          </a:fontRef>
+        </p:style>
+        <p:txBody>
+          <a:bodyPr rtlCol="0" anchor="ctr"/>
+          <a:lstStyle/>
+          <a:p>
+            <a:pPr algn="ctr"/>
+          </a:p>
+        </p:txBody>
+      </p:sp>
+      <p:sp>
+        <p:nvSpPr>
+          <p:cNvPr id="12" name="TextBox 11"/>
+          <p:cNvSpPr txBox="1"/>
+          <p:nvPr/>
+        </p:nvSpPr>
+        <p:spPr>
+          <a:xfrm>
+            <a:off x="9326880" y="2926080"/>
+            <a:ext cx="914400" cy="365760"/>
+          </a:xfrm>
+          <a:prstGeom prst="rect">
+            <a:avLst/>
+          </a:prstGeom>
+          <a:noFill/>
+        </p:spPr>
+        <p:txBody>
+          <a:bodyPr wrap="none">
+            <a:spAutoFit/>
+          </a:bodyPr>
+          <a:lstStyle/>
+          <a:p>
+            <a:pPr>
+              <a:defRPr sz="2000" b="1">
+                <a:solidFill>
+                  <a:srgbClr val="1971C2"/>
+                </a:solidFill>
+              </a:defRPr>
+            </a:pPr>
+            <a:r>
+              <a:t>12.0%</a:t>
+            </a:r>
+          </a:p>
+        </p:txBody>
+      </p:sp>
+      <p:sp>
+        <p:nvSpPr>
+          <p:cNvPr id="13" name="TextBox 12"/>
+          <p:cNvSpPr txBox="1"/>
+          <p:nvPr/>
+        </p:nvSpPr>
+        <p:spPr>
+          <a:xfrm>
+            <a:off x="2743200" y="3291840"/>
+            <a:ext cx="6400800" cy="274320"/>
+          </a:xfrm>
+          <a:prstGeom prst="rect">
+            <a:avLst/>
+          </a:prstGeom>
+          <a:noFill/>
+        </p:spPr>
+        <p:txBody>
+          <a:bodyPr wrap="none">
+            <a:spAutoFit/>
+          </a:bodyPr>
+          <a:lstStyle/>
+          <a:p>
+            <a:pPr>
+              <a:defRPr sz="1400">
                 <a:solidFill>
                   <a:srgbClr val="808080"/>
                 </a:solidFill>
               </a:defRPr>
             </a:pPr>
             <a:r>
-              <a:t>   • 早高峰、晚高峰是需求高峰</a:t>
-            </a:r>
-          </a:p>
+              <a:t>第二重要</a:t>
+            </a:r>
+          </a:p>
+        </p:txBody>
+      </p:sp>
+      <p:sp>
+        <p:nvSpPr>
+          <p:cNvPr id="14" name="TextBox 13"/>
+          <p:cNvSpPr txBox="1"/>
+          <p:nvPr/>
+        </p:nvSpPr>
+        <p:spPr>
+          <a:xfrm>
+            <a:off x="731520" y="4023360"/>
+            <a:ext cx="1828800" cy="365760"/>
+          </a:xfrm>
+          <a:prstGeom prst="rect">
+            <a:avLst/>
+          </a:prstGeom>
+          <a:noFill/>
+        </p:spPr>
+        <p:txBody>
+          <a:bodyPr wrap="none">
+            <a:spAutoFit/>
+          </a:bodyPr>
+          <a:lstStyle/>
           <a:p>
             <a:pPr>
-              <a:spcAft>
-                <a:spcPts val="1200"/>
-              </a:spcAft>
-              <a:defRPr sz="1800">
+              <a:defRPr sz="1800" b="1">
+                <a:solidFill>
+                  <a:srgbClr val="0D2440"/>
+                </a:solidFill>
+              </a:defRPr>
+            </a:pPr>
+            <a:r>
+              <a:t>yr (年份)</a:t>
+            </a:r>
+          </a:p>
+        </p:txBody>
+      </p:sp>
+      <p:sp>
+        <p:nvSpPr>
+          <p:cNvPr id="15" name="Rounded Rectangle 14"/>
+          <p:cNvSpPr/>
+          <p:nvPr/>
+        </p:nvSpPr>
+        <p:spPr>
+          <a:xfrm>
+            <a:off x="2743200" y="4069080"/>
+            <a:ext cx="6400800" cy="274320"/>
+          </a:xfrm>
+          <a:prstGeom prst="roundRect">
+            <a:avLst/>
+          </a:prstGeom>
+          <a:solidFill>
+            <a:srgbClr val="F0F8FF"/>
+          </a:solidFill>
+          <a:ln>
+            <a:noFill/>
+          </a:ln>
+        </p:spPr>
+        <p:style>
+          <a:lnRef idx="1">
+            <a:schemeClr val="accent1"/>
+          </a:lnRef>
+          <a:fillRef idx="3">
+            <a:schemeClr val="accent1"/>
+          </a:fillRef>
+          <a:effectRef idx="2">
+            <a:schemeClr val="accent1"/>
+          </a:effectRef>
+          <a:fontRef idx="minor">
+            <a:schemeClr val="lt1"/>
+          </a:fontRef>
+        </p:style>
+        <p:txBody>
+          <a:bodyPr rtlCol="0" anchor="ctr"/>
+          <a:lstStyle/>
+          <a:p>
+            <a:pPr algn="ctr"/>
+          </a:p>
+        </p:txBody>
+      </p:sp>
+      <p:sp>
+        <p:nvSpPr>
+          <p:cNvPr id="16" name="Rounded Rectangle 15"/>
+          <p:cNvSpPr/>
+          <p:nvPr/>
+        </p:nvSpPr>
+        <p:spPr>
+          <a:xfrm>
+            <a:off x="2743200" y="4069080"/>
+            <a:ext cx="556869" cy="274320"/>
+          </a:xfrm>
+          <a:prstGeom prst="roundRect">
+            <a:avLst/>
+          </a:prstGeom>
+          <a:solidFill>
+            <a:srgbClr val="4FACFE"/>
+          </a:solidFill>
+          <a:ln>
+            <a:noFill/>
+          </a:ln>
+        </p:spPr>
+        <p:style>
+          <a:lnRef idx="1">
+            <a:schemeClr val="accent1"/>
+          </a:lnRef>
+          <a:fillRef idx="3">
+            <a:schemeClr val="accent1"/>
+          </a:fillRef>
+          <a:effectRef idx="2">
+            <a:schemeClr val="accent1"/>
+          </a:effectRef>
+          <a:fontRef idx="minor">
+            <a:schemeClr val="lt1"/>
+          </a:fontRef>
+        </p:style>
+        <p:txBody>
+          <a:bodyPr rtlCol="0" anchor="ctr"/>
+          <a:lstStyle/>
+          <a:p>
+            <a:pPr algn="ctr"/>
+          </a:p>
+        </p:txBody>
+      </p:sp>
+      <p:sp>
+        <p:nvSpPr>
+          <p:cNvPr id="17" name="TextBox 16"/>
+          <p:cNvSpPr txBox="1"/>
+          <p:nvPr/>
+        </p:nvSpPr>
+        <p:spPr>
+          <a:xfrm>
+            <a:off x="9326880" y="4023360"/>
+            <a:ext cx="914400" cy="365760"/>
+          </a:xfrm>
+          <a:prstGeom prst="rect">
+            <a:avLst/>
+          </a:prstGeom>
+          <a:noFill/>
+        </p:spPr>
+        <p:txBody>
+          <a:bodyPr wrap="none">
+            <a:spAutoFit/>
+          </a:bodyPr>
+          <a:lstStyle/>
+          <a:p>
+            <a:pPr>
+              <a:defRPr sz="2000" b="1">
+                <a:solidFill>
+                  <a:srgbClr val="4FACFE"/>
+                </a:solidFill>
+              </a:defRPr>
+            </a:pPr>
+            <a:r>
+              <a:t>8.7%</a:t>
+            </a:r>
+          </a:p>
+        </p:txBody>
+      </p:sp>
+      <p:sp>
+        <p:nvSpPr>
+          <p:cNvPr id="18" name="TextBox 17"/>
+          <p:cNvSpPr txBox="1"/>
+          <p:nvPr/>
+        </p:nvSpPr>
+        <p:spPr>
+          <a:xfrm>
+            <a:off x="2743200" y="4389120"/>
+            <a:ext cx="6400800" cy="274320"/>
+          </a:xfrm>
+          <a:prstGeom prst="rect">
+            <a:avLst/>
+          </a:prstGeom>
+          <a:noFill/>
+        </p:spPr>
+        <p:txBody>
+          <a:bodyPr wrap="none">
+            <a:spAutoFit/>
+          </a:bodyPr>
+          <a:lstStyle/>
+          <a:p>
+            <a:pPr>
+              <a:defRPr sz="1400">
                 <a:solidFill>
                   <a:srgbClr val="808080"/>
                 </a:solidFill>
               </a:defRPr>
             </a:pPr>
-          </a:p>
+            <a:r>
+              <a:t>业务增长</a:t>
+            </a:r>
+          </a:p>
+        </p:txBody>
+      </p:sp>
+      <p:sp>
+        <p:nvSpPr>
+          <p:cNvPr id="19" name="TextBox 18"/>
+          <p:cNvSpPr txBox="1"/>
+          <p:nvPr/>
+        </p:nvSpPr>
+        <p:spPr>
+          <a:xfrm>
+            <a:off x="731520" y="5120640"/>
+            <a:ext cx="1828800" cy="365760"/>
+          </a:xfrm>
+          <a:prstGeom prst="rect">
+            <a:avLst/>
+          </a:prstGeom>
+          <a:noFill/>
+        </p:spPr>
+        <p:txBody>
+          <a:bodyPr wrap="none">
+            <a:spAutoFit/>
+          </a:bodyPr>
+          <a:lstStyle/>
           <a:p>
             <a:pPr>
-              <a:spcAft>
-                <a:spcPts val="1200"/>
-              </a:spcAft>
-              <a:defRPr sz="1800">
+              <a:defRPr sz="1800" b="1">
+                <a:solidFill>
+                  <a:srgbClr val="0D2440"/>
+                </a:solidFill>
+              </a:defRPr>
+            </a:pPr>
+            <a:r>
+              <a:t>workingday</a:t>
+            </a:r>
+          </a:p>
+        </p:txBody>
+      </p:sp>
+      <p:sp>
+        <p:nvSpPr>
+          <p:cNvPr id="20" name="Rounded Rectangle 19"/>
+          <p:cNvSpPr/>
+          <p:nvPr/>
+        </p:nvSpPr>
+        <p:spPr>
+          <a:xfrm>
+            <a:off x="2743200" y="5166359"/>
+            <a:ext cx="6400800" cy="274320"/>
+          </a:xfrm>
+          <a:prstGeom prst="roundRect">
+            <a:avLst/>
+          </a:prstGeom>
+          <a:solidFill>
+            <a:srgbClr val="F0F8FF"/>
+          </a:solidFill>
+          <a:ln>
+            <a:noFill/>
+          </a:ln>
+        </p:spPr>
+        <p:style>
+          <a:lnRef idx="1">
+            <a:schemeClr val="accent1"/>
+          </a:lnRef>
+          <a:fillRef idx="3">
+            <a:schemeClr val="accent1"/>
+          </a:fillRef>
+          <a:effectRef idx="2">
+            <a:schemeClr val="accent1"/>
+          </a:effectRef>
+          <a:fontRef idx="minor">
+            <a:schemeClr val="lt1"/>
+          </a:fontRef>
+        </p:style>
+        <p:txBody>
+          <a:bodyPr rtlCol="0" anchor="ctr"/>
+          <a:lstStyle/>
+          <a:p>
+            <a:pPr algn="ctr"/>
+          </a:p>
+        </p:txBody>
+      </p:sp>
+      <p:sp>
+        <p:nvSpPr>
+          <p:cNvPr id="21" name="Rounded Rectangle 20"/>
+          <p:cNvSpPr/>
+          <p:nvPr/>
+        </p:nvSpPr>
+        <p:spPr>
+          <a:xfrm>
+            <a:off x="2743200" y="5166359"/>
+            <a:ext cx="390448" cy="274320"/>
+          </a:xfrm>
+          <a:prstGeom prst="roundRect">
+            <a:avLst/>
+          </a:prstGeom>
+          <a:solidFill>
+            <a:srgbClr val="404040"/>
+          </a:solidFill>
+          <a:ln>
+            <a:noFill/>
+          </a:ln>
+        </p:spPr>
+        <p:style>
+          <a:lnRef idx="1">
+            <a:schemeClr val="accent1"/>
+          </a:lnRef>
+          <a:fillRef idx="3">
+            <a:schemeClr val="accent1"/>
+          </a:fillRef>
+          <a:effectRef idx="2">
+            <a:schemeClr val="accent1"/>
+          </a:effectRef>
+          <a:fontRef idx="minor">
+            <a:schemeClr val="lt1"/>
+          </a:fontRef>
+        </p:style>
+        <p:txBody>
+          <a:bodyPr rtlCol="0" anchor="ctr"/>
+          <a:lstStyle/>
+          <a:p>
+            <a:pPr algn="ctr"/>
+          </a:p>
+        </p:txBody>
+      </p:sp>
+      <p:sp>
+        <p:nvSpPr>
+          <p:cNvPr id="22" name="TextBox 21"/>
+          <p:cNvSpPr txBox="1"/>
+          <p:nvPr/>
+        </p:nvSpPr>
+        <p:spPr>
+          <a:xfrm>
+            <a:off x="9326880" y="5120640"/>
+            <a:ext cx="914400" cy="365760"/>
+          </a:xfrm>
+          <a:prstGeom prst="rect">
+            <a:avLst/>
+          </a:prstGeom>
+          <a:noFill/>
+        </p:spPr>
+        <p:txBody>
+          <a:bodyPr wrap="none">
+            <a:spAutoFit/>
+          </a:bodyPr>
+          <a:lstStyle/>
+          <a:p>
+            <a:pPr>
+              <a:defRPr sz="2000" b="1">
+                <a:solidFill>
+                  <a:srgbClr val="404040"/>
+                </a:solidFill>
+              </a:defRPr>
+            </a:pPr>
+            <a:r>
+              <a:t>6.1%</a:t>
+            </a:r>
+          </a:p>
+        </p:txBody>
+      </p:sp>
+      <p:sp>
+        <p:nvSpPr>
+          <p:cNvPr id="23" name="TextBox 22"/>
+          <p:cNvSpPr txBox="1"/>
+          <p:nvPr/>
+        </p:nvSpPr>
+        <p:spPr>
+          <a:xfrm>
+            <a:off x="2743200" y="5486400"/>
+            <a:ext cx="6400800" cy="274320"/>
+          </a:xfrm>
+          <a:prstGeom prst="rect">
+            <a:avLst/>
+          </a:prstGeom>
+          <a:noFill/>
+        </p:spPr>
+        <p:txBody>
+          <a:bodyPr wrap="none">
+            <a:spAutoFit/>
+          </a:bodyPr>
+          <a:lstStyle/>
+          <a:p>
+            <a:pPr>
+              <a:defRPr sz="1400">
                 <a:solidFill>
                   <a:srgbClr val="808080"/>
                 </a:solidFill>
               </a:defRPr>
             </a:pPr>
             <a:r>
-              <a:t>2. temp (温度) - 12.0%</a:t>
-            </a:r>
-          </a:p>
-          <a:p>
-            <a:pPr>
-              <a:spcAft>
-                <a:spcPts val="1200"/>
-              </a:spcAft>
-              <a:defRPr sz="1800">
-                <a:solidFill>
-                  <a:srgbClr val="808080"/>
-                </a:solidFill>
-              </a:defRPr>
-            </a:pPr>
-            <a:r>
-              <a:t>   • 温度越高，租车需求越高</a:t>
-            </a:r>
-          </a:p>
-          <a:p>
-            <a:pPr>
-              <a:spcAft>
-                <a:spcPts val="1200"/>
-              </a:spcAft>
-              <a:defRPr sz="1800">
-                <a:solidFill>
-                  <a:srgbClr val="808080"/>
-                </a:solidFill>
-              </a:defRPr>
-            </a:pPr>
-          </a:p>
-          <a:p>
-            <a:pPr>
-              <a:spcAft>
-                <a:spcPts val="1200"/>
-              </a:spcAft>
-              <a:defRPr sz="1800">
-                <a:solidFill>
-                  <a:srgbClr val="808080"/>
-                </a:solidFill>
-              </a:defRPr>
-            </a:pPr>
-            <a:r>
-              <a:t>3. yr (年份) - 8.7%</a:t>
-            </a:r>
-          </a:p>
-          <a:p>
-            <a:pPr>
-              <a:spcAft>
-                <a:spcPts val="1200"/>
-              </a:spcAft>
-              <a:defRPr sz="1800">
-                <a:solidFill>
-                  <a:srgbClr val="808080"/>
-                </a:solidFill>
-              </a:defRPr>
-            </a:pPr>
-            <a:r>
-              <a:t>   • 2012年比2011年需求显著增长</a:t>
-            </a:r>
-          </a:p>
-          <a:p>
-            <a:pPr>
-              <a:spcAft>
-                <a:spcPts val="1200"/>
-              </a:spcAft>
-              <a:defRPr sz="1800">
-                <a:solidFill>
-                  <a:srgbClr val="808080"/>
-                </a:solidFill>
-              </a:defRPr>
-            </a:pPr>
-          </a:p>
-          <a:p>
-            <a:pPr>
-              <a:spcAft>
-                <a:spcPts val="1200"/>
-              </a:spcAft>
-              <a:defRPr sz="1800">
-                <a:solidFill>
-                  <a:srgbClr val="808080"/>
-                </a:solidFill>
-              </a:defRPr>
-            </a:pPr>
-            <a:r>
-              <a:t>4. workingday (工作日) - 6.1%</a:t>
-            </a:r>
-          </a:p>
-          <a:p>
-            <a:pPr>
-              <a:spcAft>
-                <a:spcPts val="1200"/>
-              </a:spcAft>
-              <a:defRPr sz="1800">
-                <a:solidFill>
-                  <a:srgbClr val="808080"/>
-                </a:solidFill>
-              </a:defRPr>
-            </a:pPr>
-            <a:r>
-              <a:t>   • 工作日和周末的需求模式不同</a:t>
+              <a:t>工作日影响</a:t>
             </a:r>
           </a:p>
         </p:txBody>
@@ -4275,59 +6203,229 @@
       <p:grpSpPr/>
       <p:sp>
         <p:nvSpPr>
-          <p:cNvPr id="2" name="Title 1"/>
-          <p:cNvSpPr>
-            <a:spLocks noGrp="1"/>
-          </p:cNvSpPr>
-          <p:nvPr>
-            <p:ph type="title"/>
-          </p:nvPr>
-        </p:nvSpPr>
-        <p:spPr/>
-        <p:txBody>
-          <a:bodyPr/>
+          <p:cNvPr id="2" name="Rectangle 1"/>
+          <p:cNvSpPr/>
+          <p:nvPr/>
+        </p:nvSpPr>
+        <p:spPr>
+          <a:xfrm>
+            <a:off x="0" y="0"/>
+            <a:ext cx="9144000" cy="914400"/>
+          </a:xfrm>
+          <a:prstGeom prst="rect">
+            <a:avLst/>
+          </a:prstGeom>
+          <a:solidFill>
+            <a:srgbClr val="1971C2"/>
+          </a:solidFill>
+          <a:ln>
+            <a:noFill/>
+          </a:ln>
+        </p:spPr>
+        <p:style>
+          <a:lnRef idx="1">
+            <a:schemeClr val="accent1"/>
+          </a:lnRef>
+          <a:fillRef idx="3">
+            <a:schemeClr val="accent1"/>
+          </a:fillRef>
+          <a:effectRef idx="2">
+            <a:schemeClr val="accent1"/>
+          </a:effectRef>
+          <a:fontRef idx="minor">
+            <a:schemeClr val="lt1"/>
+          </a:fontRef>
+        </p:style>
+        <p:txBody>
+          <a:bodyPr rtlCol="0" anchor="ctr"/>
+          <a:lstStyle/>
+          <a:p>
+            <a:pPr algn="ctr"/>
+          </a:p>
+        </p:txBody>
+      </p:sp>
+      <p:sp>
+        <p:nvSpPr>
+          <p:cNvPr id="3" name="TextBox 2"/>
+          <p:cNvSpPr txBox="1"/>
+          <p:nvPr/>
+        </p:nvSpPr>
+        <p:spPr>
+          <a:xfrm>
+            <a:off x="457200" y="182880"/>
+            <a:ext cx="8229600" cy="548640"/>
+          </a:xfrm>
+          <a:prstGeom prst="rect">
+            <a:avLst/>
+          </a:prstGeom>
+          <a:noFill/>
+        </p:spPr>
+        <p:txBody>
+          <a:bodyPr wrap="none">
+            <a:spAutoFit/>
+          </a:bodyPr>
+          <a:lstStyle/>
+          <a:p>
+            <a:pPr algn="l">
+              <a:defRPr sz="3200" b="1">
+                <a:solidFill>
+                  <a:srgbClr val="FFFFFF"/>
+                </a:solidFill>
+              </a:defRPr>
+            </a:pPr>
+            <a:r>
+              <a:t>核心发现</a:t>
+            </a:r>
+          </a:p>
+        </p:txBody>
+      </p:sp>
+      <p:sp>
+        <p:nvSpPr>
+          <p:cNvPr id="4" name="Oval 3"/>
+          <p:cNvSpPr/>
+          <p:nvPr/>
+        </p:nvSpPr>
+        <p:spPr>
+          <a:xfrm>
+            <a:off x="731520" y="1371600"/>
+            <a:ext cx="137160" cy="137160"/>
+          </a:xfrm>
+          <a:prstGeom prst="ellipse">
+            <a:avLst/>
+          </a:prstGeom>
+          <a:solidFill>
+            <a:srgbClr val="0096FF"/>
+          </a:solidFill>
+          <a:ln>
+            <a:noFill/>
+          </a:ln>
+        </p:spPr>
+        <p:style>
+          <a:lnRef idx="1">
+            <a:schemeClr val="accent1"/>
+          </a:lnRef>
+          <a:fillRef idx="3">
+            <a:schemeClr val="accent1"/>
+          </a:fillRef>
+          <a:effectRef idx="2">
+            <a:schemeClr val="accent1"/>
+          </a:effectRef>
+          <a:fontRef idx="minor">
+            <a:schemeClr val="lt1"/>
+          </a:fontRef>
+        </p:style>
+        <p:txBody>
+          <a:bodyPr rtlCol="0" anchor="ctr"/>
+          <a:lstStyle/>
+          <a:p>
+            <a:pPr algn="ctr"/>
+          </a:p>
+        </p:txBody>
+      </p:sp>
+      <p:sp>
+        <p:nvSpPr>
+          <p:cNvPr id="5" name="TextBox 4"/>
+          <p:cNvSpPr txBox="1"/>
+          <p:nvPr/>
+        </p:nvSpPr>
+        <p:spPr>
+          <a:xfrm>
+            <a:off x="1097280" y="1325880"/>
+            <a:ext cx="7315200" cy="457200"/>
+          </a:xfrm>
+          <a:prstGeom prst="rect">
+            <a:avLst/>
+          </a:prstGeom>
+          <a:noFill/>
+        </p:spPr>
+        <p:txBody>
+          <a:bodyPr wrap="none">
+            <a:spAutoFit/>
+          </a:bodyPr>
           <a:lstStyle/>
           <a:p>
             <a:pPr>
-              <a:defRPr sz="3600" b="1">
-                <a:solidFill>
-                  <a:srgbClr val="003366"/>
+              <a:defRPr sz="2000" b="1">
+                <a:solidFill>
+                  <a:srgbClr val="0D2440"/>
                 </a:solidFill>
               </a:defRPr>
             </a:pPr>
             <a:r>
-              <a:t>核心发现</a:t>
-            </a:r>
-          </a:p>
-        </p:txBody>
-      </p:sp>
-      <p:sp>
-        <p:nvSpPr>
-          <p:cNvPr id="3" name="Content Placeholder 2"/>
-          <p:cNvSpPr>
-            <a:spLocks noGrp="1"/>
-          </p:cNvSpPr>
-          <p:nvPr>
-            <p:ph idx="1"/>
-          </p:nvPr>
-        </p:nvSpPr>
-        <p:spPr/>
-        <p:txBody>
-          <a:bodyPr/>
-          <a:lstStyle/>
-          <a:p>
-            <a:r>
-              <a:t>✅ 小时因素是影响需求的最重要因素（64.6%）</a:t>
-            </a:r>
-          </a:p>
+              <a:t>1. 小时因素是影响需求的最重要因素（64.6%）</a:t>
+            </a:r>
+          </a:p>
+        </p:txBody>
+      </p:sp>
+      <p:sp>
+        <p:nvSpPr>
+          <p:cNvPr id="6" name="Oval 5"/>
+          <p:cNvSpPr/>
+          <p:nvPr/>
+        </p:nvSpPr>
+        <p:spPr>
+          <a:xfrm>
+            <a:off x="731520" y="1920240"/>
+            <a:ext cx="137160" cy="137160"/>
+          </a:xfrm>
+          <a:prstGeom prst="ellipse">
+            <a:avLst/>
+          </a:prstGeom>
+          <a:solidFill>
+            <a:srgbClr val="0096FF"/>
+          </a:solidFill>
+          <a:ln>
+            <a:noFill/>
+          </a:ln>
+        </p:spPr>
+        <p:style>
+          <a:lnRef idx="1">
+            <a:schemeClr val="accent1"/>
+          </a:lnRef>
+          <a:fillRef idx="3">
+            <a:schemeClr val="accent1"/>
+          </a:fillRef>
+          <a:effectRef idx="2">
+            <a:schemeClr val="accent1"/>
+          </a:effectRef>
+          <a:fontRef idx="minor">
+            <a:schemeClr val="lt1"/>
+          </a:fontRef>
+        </p:style>
+        <p:txBody>
+          <a:bodyPr rtlCol="0" anchor="ctr"/>
+          <a:lstStyle/>
+          <a:p>
+            <a:pPr algn="ctr"/>
+          </a:p>
+        </p:txBody>
+      </p:sp>
+      <p:sp>
+        <p:nvSpPr>
+          <p:cNvPr id="7" name="TextBox 6"/>
+          <p:cNvSpPr txBox="1"/>
+          <p:nvPr/>
+        </p:nvSpPr>
+        <p:spPr>
+          <a:xfrm>
+            <a:off x="1097280" y="1874520"/>
+            <a:ext cx="7315200" cy="457200"/>
+          </a:xfrm>
+          <a:prstGeom prst="rect">
+            <a:avLst/>
+          </a:prstGeom>
+          <a:noFill/>
+        </p:spPr>
+        <p:txBody>
+          <a:bodyPr wrap="none">
+            <a:spAutoFit/>
+          </a:bodyPr>
+          <a:lstStyle/>
           <a:p>
             <a:pPr>
-              <a:spcAft>
-                <a:spcPts val="1200"/>
-              </a:spcAft>
               <a:defRPr sz="1800">
                 <a:solidFill>
-                  <a:srgbClr val="808080"/>
+                  <a:srgbClr val="404040"/>
                 </a:solidFill>
               </a:defRPr>
             </a:pPr>
@@ -4335,113 +6433,623 @@
               <a:t>   • 时段因素远超温度、天气等因素</a:t>
             </a:r>
           </a:p>
+        </p:txBody>
+      </p:sp>
+      <p:sp>
+        <p:nvSpPr>
+          <p:cNvPr id="8" name="Oval 7"/>
+          <p:cNvSpPr/>
+          <p:nvPr/>
+        </p:nvSpPr>
+        <p:spPr>
+          <a:xfrm>
+            <a:off x="731520" y="2468880"/>
+            <a:ext cx="137160" cy="137160"/>
+          </a:xfrm>
+          <a:prstGeom prst="ellipse">
+            <a:avLst/>
+          </a:prstGeom>
+          <a:solidFill>
+            <a:srgbClr val="0096FF"/>
+          </a:solidFill>
+          <a:ln>
+            <a:noFill/>
+          </a:ln>
+        </p:spPr>
+        <p:style>
+          <a:lnRef idx="1">
+            <a:schemeClr val="accent1"/>
+          </a:lnRef>
+          <a:fillRef idx="3">
+            <a:schemeClr val="accent1"/>
+          </a:fillRef>
+          <a:effectRef idx="2">
+            <a:schemeClr val="accent1"/>
+          </a:effectRef>
+          <a:fontRef idx="minor">
+            <a:schemeClr val="lt1"/>
+          </a:fontRef>
+        </p:style>
+        <p:txBody>
+          <a:bodyPr rtlCol="0" anchor="ctr"/>
+          <a:lstStyle/>
+          <a:p>
+            <a:pPr algn="ctr"/>
+          </a:p>
+        </p:txBody>
+      </p:sp>
+      <p:sp>
+        <p:nvSpPr>
+          <p:cNvPr id="9" name="TextBox 8"/>
+          <p:cNvSpPr txBox="1"/>
+          <p:nvPr/>
+        </p:nvSpPr>
+        <p:spPr>
+          <a:xfrm>
+            <a:off x="1097280" y="2423160"/>
+            <a:ext cx="7315200" cy="457200"/>
+          </a:xfrm>
+          <a:prstGeom prst="rect">
+            <a:avLst/>
+          </a:prstGeom>
+          <a:noFill/>
+        </p:spPr>
+        <p:txBody>
+          <a:bodyPr wrap="none">
+            <a:spAutoFit/>
+          </a:bodyPr>
+          <a:lstStyle/>
           <a:p>
             <a:pPr>
-              <a:spcAft>
-                <a:spcPts val="1200"/>
-              </a:spcAft>
               <a:defRPr sz="1800">
                 <a:solidFill>
-                  <a:srgbClr val="808080"/>
+                  <a:srgbClr val="404040"/>
                 </a:solidFill>
               </a:defRPr>
             </a:pPr>
-          </a:p>
+            <a:r>
+              <a:t>   • 早高峰、晚高峰是需求高峰</a:t>
+            </a:r>
+          </a:p>
+        </p:txBody>
+      </p:sp>
+      <p:sp>
+        <p:nvSpPr>
+          <p:cNvPr id="10" name="Oval 9"/>
+          <p:cNvSpPr/>
+          <p:nvPr/>
+        </p:nvSpPr>
+        <p:spPr>
+          <a:xfrm>
+            <a:off x="731520" y="3200400"/>
+            <a:ext cx="137160" cy="137160"/>
+          </a:xfrm>
+          <a:prstGeom prst="ellipse">
+            <a:avLst/>
+          </a:prstGeom>
+          <a:solidFill>
+            <a:srgbClr val="0096FF"/>
+          </a:solidFill>
+          <a:ln>
+            <a:noFill/>
+          </a:ln>
+        </p:spPr>
+        <p:style>
+          <a:lnRef idx="1">
+            <a:schemeClr val="accent1"/>
+          </a:lnRef>
+          <a:fillRef idx="3">
+            <a:schemeClr val="accent1"/>
+          </a:fillRef>
+          <a:effectRef idx="2">
+            <a:schemeClr val="accent1"/>
+          </a:effectRef>
+          <a:fontRef idx="minor">
+            <a:schemeClr val="lt1"/>
+          </a:fontRef>
+        </p:style>
+        <p:txBody>
+          <a:bodyPr rtlCol="0" anchor="ctr"/>
+          <a:lstStyle/>
+          <a:p>
+            <a:pPr algn="ctr"/>
+          </a:p>
+        </p:txBody>
+      </p:sp>
+      <p:sp>
+        <p:nvSpPr>
+          <p:cNvPr id="11" name="TextBox 10"/>
+          <p:cNvSpPr txBox="1"/>
+          <p:nvPr/>
+        </p:nvSpPr>
+        <p:spPr>
+          <a:xfrm>
+            <a:off x="1097280" y="3154680"/>
+            <a:ext cx="7315200" cy="457200"/>
+          </a:xfrm>
+          <a:prstGeom prst="rect">
+            <a:avLst/>
+          </a:prstGeom>
+          <a:noFill/>
+        </p:spPr>
+        <p:txBody>
+          <a:bodyPr wrap="none">
+            <a:spAutoFit/>
+          </a:bodyPr>
+          <a:lstStyle/>
           <a:p>
             <a:pPr>
-              <a:spcAft>
-                <a:spcPts val="1200"/>
-              </a:spcAft>
+              <a:defRPr sz="2000" b="1">
+                <a:solidFill>
+                  <a:srgbClr val="0D2440"/>
+                </a:solidFill>
+              </a:defRPr>
+            </a:pPr>
+            <a:r>
+              <a:t>2. 模型预测精度高（R² = 0.92）</a:t>
+            </a:r>
+          </a:p>
+        </p:txBody>
+      </p:sp>
+      <p:sp>
+        <p:nvSpPr>
+          <p:cNvPr id="12" name="Oval 11"/>
+          <p:cNvSpPr/>
+          <p:nvPr/>
+        </p:nvSpPr>
+        <p:spPr>
+          <a:xfrm>
+            <a:off x="731520" y="3749040"/>
+            <a:ext cx="137160" cy="137160"/>
+          </a:xfrm>
+          <a:prstGeom prst="ellipse">
+            <a:avLst/>
+          </a:prstGeom>
+          <a:solidFill>
+            <a:srgbClr val="0096FF"/>
+          </a:solidFill>
+          <a:ln>
+            <a:noFill/>
+          </a:ln>
+        </p:spPr>
+        <p:style>
+          <a:lnRef idx="1">
+            <a:schemeClr val="accent1"/>
+          </a:lnRef>
+          <a:fillRef idx="3">
+            <a:schemeClr val="accent1"/>
+          </a:fillRef>
+          <a:effectRef idx="2">
+            <a:schemeClr val="accent1"/>
+          </a:effectRef>
+          <a:fontRef idx="minor">
+            <a:schemeClr val="lt1"/>
+          </a:fontRef>
+        </p:style>
+        <p:txBody>
+          <a:bodyPr rtlCol="0" anchor="ctr"/>
+          <a:lstStyle/>
+          <a:p>
+            <a:pPr algn="ctr"/>
+          </a:p>
+        </p:txBody>
+      </p:sp>
+      <p:sp>
+        <p:nvSpPr>
+          <p:cNvPr id="13" name="TextBox 12"/>
+          <p:cNvSpPr txBox="1"/>
+          <p:nvPr/>
+        </p:nvSpPr>
+        <p:spPr>
+          <a:xfrm>
+            <a:off x="1097280" y="3703320"/>
+            <a:ext cx="7315200" cy="457200"/>
+          </a:xfrm>
+          <a:prstGeom prst="rect">
+            <a:avLst/>
+          </a:prstGeom>
+          <a:noFill/>
+        </p:spPr>
+        <p:txBody>
+          <a:bodyPr wrap="none">
+            <a:spAutoFit/>
+          </a:bodyPr>
+          <a:lstStyle/>
+          <a:p>
+            <a:pPr>
               <a:defRPr sz="1800">
                 <a:solidFill>
-                  <a:srgbClr val="808080"/>
+                  <a:srgbClr val="404040"/>
                 </a:solidFill>
               </a:defRPr>
             </a:pPr>
             <a:r>
-              <a:t>✅ 模型预测精度高（R² = 0.92）</a:t>
-            </a:r>
-          </a:p>
+              <a:t>   • 能够准确预测中高需求水平</a:t>
+            </a:r>
+          </a:p>
+        </p:txBody>
+      </p:sp>
+      <p:sp>
+        <p:nvSpPr>
+          <p:cNvPr id="14" name="Oval 13"/>
+          <p:cNvSpPr/>
+          <p:nvPr/>
+        </p:nvSpPr>
+        <p:spPr>
+          <a:xfrm>
+            <a:off x="731520" y="4297680"/>
+            <a:ext cx="137160" cy="137160"/>
+          </a:xfrm>
+          <a:prstGeom prst="ellipse">
+            <a:avLst/>
+          </a:prstGeom>
+          <a:solidFill>
+            <a:srgbClr val="0096FF"/>
+          </a:solidFill>
+          <a:ln>
+            <a:noFill/>
+          </a:ln>
+        </p:spPr>
+        <p:style>
+          <a:lnRef idx="1">
+            <a:schemeClr val="accent1"/>
+          </a:lnRef>
+          <a:fillRef idx="3">
+            <a:schemeClr val="accent1"/>
+          </a:fillRef>
+          <a:effectRef idx="2">
+            <a:schemeClr val="accent1"/>
+          </a:effectRef>
+          <a:fontRef idx="minor">
+            <a:schemeClr val="lt1"/>
+          </a:fontRef>
+        </p:style>
+        <p:txBody>
+          <a:bodyPr rtlCol="0" anchor="ctr"/>
+          <a:lstStyle/>
+          <a:p>
+            <a:pPr algn="ctr"/>
+          </a:p>
+        </p:txBody>
+      </p:sp>
+      <p:sp>
+        <p:nvSpPr>
+          <p:cNvPr id="15" name="TextBox 14"/>
+          <p:cNvSpPr txBox="1"/>
+          <p:nvPr/>
+        </p:nvSpPr>
+        <p:spPr>
+          <a:xfrm>
+            <a:off x="1097280" y="4251960"/>
+            <a:ext cx="7315200" cy="457200"/>
+          </a:xfrm>
+          <a:prstGeom prst="rect">
+            <a:avLst/>
+          </a:prstGeom>
+          <a:noFill/>
+        </p:spPr>
+        <p:txBody>
+          <a:bodyPr wrap="none">
+            <a:spAutoFit/>
+          </a:bodyPr>
+          <a:lstStyle/>
           <a:p>
             <a:pPr>
-              <a:spcAft>
-                <a:spcPts val="1200"/>
-              </a:spcAft>
               <a:defRPr sz="1800">
                 <a:solidFill>
-                  <a:srgbClr val="808080"/>
+                  <a:srgbClr val="404040"/>
                 </a:solidFill>
               </a:defRPr>
             </a:pPr>
             <a:r>
-              <a:t>   • 能够准确预测中高需求水平</a:t>
-            </a:r>
-          </a:p>
+              <a:t>   • 为运营提供可靠支持</a:t>
+            </a:r>
+          </a:p>
+        </p:txBody>
+      </p:sp>
+      <p:sp>
+        <p:nvSpPr>
+          <p:cNvPr id="16" name="Oval 15"/>
+          <p:cNvSpPr/>
+          <p:nvPr/>
+        </p:nvSpPr>
+        <p:spPr>
+          <a:xfrm>
+            <a:off x="731520" y="5029200"/>
+            <a:ext cx="137160" cy="137160"/>
+          </a:xfrm>
+          <a:prstGeom prst="ellipse">
+            <a:avLst/>
+          </a:prstGeom>
+          <a:solidFill>
+            <a:srgbClr val="0096FF"/>
+          </a:solidFill>
+          <a:ln>
+            <a:noFill/>
+          </a:ln>
+        </p:spPr>
+        <p:style>
+          <a:lnRef idx="1">
+            <a:schemeClr val="accent1"/>
+          </a:lnRef>
+          <a:fillRef idx="3">
+            <a:schemeClr val="accent1"/>
+          </a:fillRef>
+          <a:effectRef idx="2">
+            <a:schemeClr val="accent1"/>
+          </a:effectRef>
+          <a:fontRef idx="minor">
+            <a:schemeClr val="lt1"/>
+          </a:fontRef>
+        </p:style>
+        <p:txBody>
+          <a:bodyPr rtlCol="0" anchor="ctr"/>
+          <a:lstStyle/>
+          <a:p>
+            <a:pPr algn="ctr"/>
+          </a:p>
+        </p:txBody>
+      </p:sp>
+      <p:sp>
+        <p:nvSpPr>
+          <p:cNvPr id="17" name="TextBox 16"/>
+          <p:cNvSpPr txBox="1"/>
+          <p:nvPr/>
+        </p:nvSpPr>
+        <p:spPr>
+          <a:xfrm>
+            <a:off x="1097280" y="4983480"/>
+            <a:ext cx="7315200" cy="457200"/>
+          </a:xfrm>
+          <a:prstGeom prst="rect">
+            <a:avLst/>
+          </a:prstGeom>
+          <a:noFill/>
+        </p:spPr>
+        <p:txBody>
+          <a:bodyPr wrap="none">
+            <a:spAutoFit/>
+          </a:bodyPr>
+          <a:lstStyle/>
           <a:p>
             <a:pPr>
-              <a:spcAft>
-                <a:spcPts val="1200"/>
-              </a:spcAft>
+              <a:defRPr sz="2000" b="1">
+                <a:solidFill>
+                  <a:srgbClr val="0D2440"/>
+                </a:solidFill>
+              </a:defRPr>
+            </a:pPr>
+            <a:r>
+              <a:t>3. 运营策略建议</a:t>
+            </a:r>
+          </a:p>
+        </p:txBody>
+      </p:sp>
+      <p:sp>
+        <p:nvSpPr>
+          <p:cNvPr id="18" name="Oval 17"/>
+          <p:cNvSpPr/>
+          <p:nvPr/>
+        </p:nvSpPr>
+        <p:spPr>
+          <a:xfrm>
+            <a:off x="731520" y="5577840"/>
+            <a:ext cx="137160" cy="137160"/>
+          </a:xfrm>
+          <a:prstGeom prst="ellipse">
+            <a:avLst/>
+          </a:prstGeom>
+          <a:solidFill>
+            <a:srgbClr val="0096FF"/>
+          </a:solidFill>
+          <a:ln>
+            <a:noFill/>
+          </a:ln>
+        </p:spPr>
+        <p:style>
+          <a:lnRef idx="1">
+            <a:schemeClr val="accent1"/>
+          </a:lnRef>
+          <a:fillRef idx="3">
+            <a:schemeClr val="accent1"/>
+          </a:fillRef>
+          <a:effectRef idx="2">
+            <a:schemeClr val="accent1"/>
+          </a:effectRef>
+          <a:fontRef idx="minor">
+            <a:schemeClr val="lt1"/>
+          </a:fontRef>
+        </p:style>
+        <p:txBody>
+          <a:bodyPr rtlCol="0" anchor="ctr"/>
+          <a:lstStyle/>
+          <a:p>
+            <a:pPr algn="ctr"/>
+          </a:p>
+        </p:txBody>
+      </p:sp>
+      <p:sp>
+        <p:nvSpPr>
+          <p:cNvPr id="19" name="TextBox 18"/>
+          <p:cNvSpPr txBox="1"/>
+          <p:nvPr/>
+        </p:nvSpPr>
+        <p:spPr>
+          <a:xfrm>
+            <a:off x="1097280" y="5532120"/>
+            <a:ext cx="7315200" cy="457200"/>
+          </a:xfrm>
+          <a:prstGeom prst="rect">
+            <a:avLst/>
+          </a:prstGeom>
+          <a:noFill/>
+        </p:spPr>
+        <p:txBody>
+          <a:bodyPr wrap="none">
+            <a:spAutoFit/>
+          </a:bodyPr>
+          <a:lstStyle/>
+          <a:p>
+            <a:pPr>
               <a:defRPr sz="1800">
                 <a:solidFill>
-                  <a:srgbClr val="808080"/>
+                  <a:srgbClr val="404040"/>
                 </a:solidFill>
               </a:defRPr>
             </a:pPr>
-          </a:p>
+            <a:r>
+              <a:t>   • 按时段动态调度车辆</a:t>
+            </a:r>
+          </a:p>
+        </p:txBody>
+      </p:sp>
+      <p:sp>
+        <p:nvSpPr>
+          <p:cNvPr id="20" name="Oval 19"/>
+          <p:cNvSpPr/>
+          <p:nvPr/>
+        </p:nvSpPr>
+        <p:spPr>
+          <a:xfrm>
+            <a:off x="731520" y="6126479"/>
+            <a:ext cx="137160" cy="137160"/>
+          </a:xfrm>
+          <a:prstGeom prst="ellipse">
+            <a:avLst/>
+          </a:prstGeom>
+          <a:solidFill>
+            <a:srgbClr val="0096FF"/>
+          </a:solidFill>
+          <a:ln>
+            <a:noFill/>
+          </a:ln>
+        </p:spPr>
+        <p:style>
+          <a:lnRef idx="1">
+            <a:schemeClr val="accent1"/>
+          </a:lnRef>
+          <a:fillRef idx="3">
+            <a:schemeClr val="accent1"/>
+          </a:fillRef>
+          <a:effectRef idx="2">
+            <a:schemeClr val="accent1"/>
+          </a:effectRef>
+          <a:fontRef idx="minor">
+            <a:schemeClr val="lt1"/>
+          </a:fontRef>
+        </p:style>
+        <p:txBody>
+          <a:bodyPr rtlCol="0" anchor="ctr"/>
+          <a:lstStyle/>
+          <a:p>
+            <a:pPr algn="ctr"/>
+          </a:p>
+        </p:txBody>
+      </p:sp>
+      <p:sp>
+        <p:nvSpPr>
+          <p:cNvPr id="21" name="TextBox 20"/>
+          <p:cNvSpPr txBox="1"/>
+          <p:nvPr/>
+        </p:nvSpPr>
+        <p:spPr>
+          <a:xfrm>
+            <a:off x="1097280" y="6080759"/>
+            <a:ext cx="7315200" cy="457200"/>
+          </a:xfrm>
+          <a:prstGeom prst="rect">
+            <a:avLst/>
+          </a:prstGeom>
+          <a:noFill/>
+        </p:spPr>
+        <p:txBody>
+          <a:bodyPr wrap="none">
+            <a:spAutoFit/>
+          </a:bodyPr>
+          <a:lstStyle/>
           <a:p>
             <a:pPr>
-              <a:spcAft>
-                <a:spcPts val="1200"/>
-              </a:spcAft>
               <a:defRPr sz="1800">
                 <a:solidFill>
-                  <a:srgbClr val="808080"/>
+                  <a:srgbClr val="404040"/>
                 </a:solidFill>
               </a:defRPr>
             </a:pPr>
             <a:r>
-              <a:t>✅ 运营策略建议</a:t>
-            </a:r>
-          </a:p>
+              <a:t>   • 早高峰、晚高峰增加投放</a:t>
+            </a:r>
+          </a:p>
+        </p:txBody>
+      </p:sp>
+      <p:sp>
+        <p:nvSpPr>
+          <p:cNvPr id="22" name="Oval 21"/>
+          <p:cNvSpPr/>
+          <p:nvPr/>
+        </p:nvSpPr>
+        <p:spPr>
+          <a:xfrm>
+            <a:off x="731520" y="6675119"/>
+            <a:ext cx="137160" cy="137160"/>
+          </a:xfrm>
+          <a:prstGeom prst="ellipse">
+            <a:avLst/>
+          </a:prstGeom>
+          <a:solidFill>
+            <a:srgbClr val="0096FF"/>
+          </a:solidFill>
+          <a:ln>
+            <a:noFill/>
+          </a:ln>
+        </p:spPr>
+        <p:style>
+          <a:lnRef idx="1">
+            <a:schemeClr val="accent1"/>
+          </a:lnRef>
+          <a:fillRef idx="3">
+            <a:schemeClr val="accent1"/>
+          </a:fillRef>
+          <a:effectRef idx="2">
+            <a:schemeClr val="accent1"/>
+          </a:effectRef>
+          <a:fontRef idx="minor">
+            <a:schemeClr val="lt1"/>
+          </a:fontRef>
+        </p:style>
+        <p:txBody>
+          <a:bodyPr rtlCol="0" anchor="ctr"/>
+          <a:lstStyle/>
+          <a:p>
+            <a:pPr algn="ctr"/>
+          </a:p>
+        </p:txBody>
+      </p:sp>
+      <p:sp>
+        <p:nvSpPr>
+          <p:cNvPr id="23" name="TextBox 22"/>
+          <p:cNvSpPr txBox="1"/>
+          <p:nvPr/>
+        </p:nvSpPr>
+        <p:spPr>
+          <a:xfrm>
+            <a:off x="1097280" y="6629399"/>
+            <a:ext cx="7315200" cy="457200"/>
+          </a:xfrm>
+          <a:prstGeom prst="rect">
+            <a:avLst/>
+          </a:prstGeom>
+          <a:noFill/>
+        </p:spPr>
+        <p:txBody>
+          <a:bodyPr wrap="none">
+            <a:spAutoFit/>
+          </a:bodyPr>
+          <a:lstStyle/>
           <a:p>
             <a:pPr>
-              <a:spcAft>
-                <a:spcPts val="1200"/>
-              </a:spcAft>
               <a:defRPr sz="1800">
                 <a:solidFill>
-                  <a:srgbClr val="808080"/>
-                </a:solidFill>
-              </a:defRPr>
-            </a:pPr>
-            <a:r>
-              <a:t>   • 按时段动态调度车辆</a:t>
-            </a:r>
-          </a:p>
-          <a:p>
-            <a:pPr>
-              <a:spcAft>
-                <a:spcPts val="1200"/>
-              </a:spcAft>
-              <a:defRPr sz="1800">
-                <a:solidFill>
-                  <a:srgbClr val="808080"/>
-                </a:solidFill>
-              </a:defRPr>
-            </a:pPr>
-            <a:r>
-              <a:t>   • 早高峰、晚高峰增加投放</a:t>
-            </a:r>
-          </a:p>
-          <a:p>
-            <a:pPr>
-              <a:spcAft>
-                <a:spcPts val="1200"/>
-              </a:spcAft>
-              <a:defRPr sz="1800">
-                <a:solidFill>
-                  <a:srgbClr val="808080"/>
+                  <a:srgbClr val="404040"/>
                 </a:solidFill>
               </a:defRPr>
             </a:pPr>
@@ -4479,59 +7087,57 @@
       <p:grpSpPr/>
       <p:sp>
         <p:nvSpPr>
-          <p:cNvPr id="2" name="Title 1"/>
-          <p:cNvSpPr>
-            <a:spLocks noGrp="1"/>
-          </p:cNvSpPr>
-          <p:nvPr>
-            <p:ph type="title"/>
-          </p:nvPr>
-        </p:nvSpPr>
-        <p:spPr/>
-        <p:txBody>
-          <a:bodyPr/>
-          <a:lstStyle/>
-          <a:p>
-            <a:pPr>
-              <a:defRPr sz="3600" b="1">
-                <a:solidFill>
-                  <a:srgbClr val="003366"/>
-                </a:solidFill>
-              </a:defRPr>
-            </a:pPr>
-            <a:r>
-              <a:t>模型对比</a:t>
-            </a:r>
-          </a:p>
-        </p:txBody>
-      </p:sp>
-      <p:sp>
-        <p:nvSpPr>
-          <p:cNvPr id="3" name="Content Placeholder 2"/>
-          <p:cNvSpPr>
-            <a:spLocks noGrp="1"/>
-          </p:cNvSpPr>
-          <p:nvPr>
-            <p:ph idx="1"/>
-          </p:nvPr>
-        </p:nvSpPr>
-        <p:spPr/>
-        <p:txBody>
-          <a:bodyPr/>
-          <a:lstStyle/>
-          <a:p/>
-        </p:txBody>
-      </p:sp>
-      <p:sp>
-        <p:nvSpPr>
-          <p:cNvPr id="4" name="TextBox 3"/>
+          <p:cNvPr id="2" name="Rectangle 1"/>
+          <p:cNvSpPr/>
+          <p:nvPr/>
+        </p:nvSpPr>
+        <p:spPr>
+          <a:xfrm>
+            <a:off x="0" y="0"/>
+            <a:ext cx="9144000" cy="914400"/>
+          </a:xfrm>
+          <a:prstGeom prst="rect">
+            <a:avLst/>
+          </a:prstGeom>
+          <a:solidFill>
+            <a:srgbClr val="1971C2"/>
+          </a:solidFill>
+          <a:ln>
+            <a:noFill/>
+          </a:ln>
+        </p:spPr>
+        <p:style>
+          <a:lnRef idx="1">
+            <a:schemeClr val="accent1"/>
+          </a:lnRef>
+          <a:fillRef idx="3">
+            <a:schemeClr val="accent1"/>
+          </a:fillRef>
+          <a:effectRef idx="2">
+            <a:schemeClr val="accent1"/>
+          </a:effectRef>
+          <a:fontRef idx="minor">
+            <a:schemeClr val="lt1"/>
+          </a:fontRef>
+        </p:style>
+        <p:txBody>
+          <a:bodyPr rtlCol="0" anchor="ctr"/>
+          <a:lstStyle/>
+          <a:p>
+            <a:pPr algn="ctr"/>
+          </a:p>
+        </p:txBody>
+      </p:sp>
+      <p:sp>
+        <p:nvSpPr>
+          <p:cNvPr id="3" name="TextBox 2"/>
           <p:cNvSpPr txBox="1"/>
           <p:nvPr/>
         </p:nvSpPr>
         <p:spPr>
           <a:xfrm>
-            <a:off x="457200" y="1645920"/>
-            <a:ext cx="4114800" cy="4572000"/>
+            <a:off x="457200" y="182880"/>
+            <a:ext cx="8229600" cy="548640"/>
           </a:xfrm>
           <a:prstGeom prst="rect">
             <a:avLst/>
@@ -4544,61 +7150,59 @@
           </a:bodyPr>
           <a:lstStyle/>
           <a:p>
-            <a:pPr>
-              <a:defRPr sz="1800" b="1">
-                <a:solidFill>
-                  <a:srgbClr val="0066CC"/>
+            <a:pPr algn="l">
+              <a:defRPr sz="3200" b="1">
+                <a:solidFill>
+                  <a:srgbClr val="FFFFFF"/>
                 </a:solidFill>
               </a:defRPr>
             </a:pPr>
             <a:r>
-              <a:t>线性回归</a:t>
-            </a:r>
-          </a:p>
-          <a:p>
-            <a:pPr>
-              <a:spcAft>
-                <a:spcPts val="800"/>
-              </a:spcAft>
-              <a:defRPr sz="1600">
-                <a:solidFill>
-                  <a:srgbClr val="808080"/>
-                </a:solidFill>
-              </a:defRPr>
-            </a:pPr>
-            <a:r>
-              <a:t>• R²: 0.3880</a:t>
-            </a:r>
-          </a:p>
-          <a:p>
-            <a:pPr>
-              <a:spcAft>
-                <a:spcPts val="800"/>
-              </a:spcAft>
-              <a:defRPr sz="1600">
-                <a:solidFill>
-                  <a:srgbClr val="808080"/>
-                </a:solidFill>
-              </a:defRPr>
-            </a:pPr>
-            <a:r>
-              <a:t>• RMSE: 139.21</a:t>
-            </a:r>
-          </a:p>
-          <a:p>
-            <a:pPr>
-              <a:spcAft>
-                <a:spcPts val="800"/>
-              </a:spcAft>
-              <a:defRPr sz="1600">
-                <a:solidFill>
-                  <a:srgbClr val="808080"/>
-                </a:solidFill>
-              </a:defRPr>
-            </a:pPr>
-            <a:r>
-              <a:t>• 简单但性能较低</a:t>
-            </a:r>
+              <a:t>模型对比</a:t>
+            </a:r>
+          </a:p>
+        </p:txBody>
+      </p:sp>
+      <p:sp>
+        <p:nvSpPr>
+          <p:cNvPr id="4" name="Rounded Rectangle 3"/>
+          <p:cNvSpPr/>
+          <p:nvPr/>
+        </p:nvSpPr>
+        <p:spPr>
+          <a:xfrm>
+            <a:off x="457200" y="1645920"/>
+            <a:ext cx="3840480" cy="548640"/>
+          </a:xfrm>
+          <a:prstGeom prst="roundRect">
+            <a:avLst/>
+          </a:prstGeom>
+          <a:solidFill>
+            <a:srgbClr val="1971C2"/>
+          </a:solidFill>
+          <a:ln>
+            <a:noFill/>
+          </a:ln>
+        </p:spPr>
+        <p:style>
+          <a:lnRef idx="1">
+            <a:schemeClr val="accent1"/>
+          </a:lnRef>
+          <a:fillRef idx="3">
+            <a:schemeClr val="accent1"/>
+          </a:fillRef>
+          <a:effectRef idx="2">
+            <a:schemeClr val="accent1"/>
+          </a:effectRef>
+          <a:fontRef idx="minor">
+            <a:schemeClr val="lt1"/>
+          </a:fontRef>
+        </p:style>
+        <p:txBody>
+          <a:bodyPr rtlCol="0" anchor="ctr"/>
+          <a:lstStyle/>
+          <a:p>
+            <a:pPr algn="ctr"/>
           </a:p>
         </p:txBody>
       </p:sp>
@@ -4610,8 +7214,8 @@
         </p:nvSpPr>
         <p:spPr>
           <a:xfrm>
-            <a:off x="5029200" y="1645920"/>
-            <a:ext cx="4114800" cy="4572000"/>
+            <a:off x="640080" y="1737360"/>
+            <a:ext cx="3474720" cy="365760"/>
           </a:xfrm>
           <a:prstGeom prst="rect">
             <a:avLst/>
@@ -4625,59 +7229,716 @@
           <a:lstStyle/>
           <a:p>
             <a:pPr>
-              <a:defRPr sz="1800" b="1">
-                <a:solidFill>
-                  <a:srgbClr val="0066CC"/>
+              <a:defRPr sz="2200" b="1">
+                <a:solidFill>
+                  <a:srgbClr val="FFFFFF"/>
                 </a:solidFill>
               </a:defRPr>
             </a:pPr>
             <a:r>
+              <a:t>线性回归</a:t>
+            </a:r>
+          </a:p>
+        </p:txBody>
+      </p:sp>
+      <p:sp>
+        <p:nvSpPr>
+          <p:cNvPr id="6" name="Oval 5"/>
+          <p:cNvSpPr/>
+          <p:nvPr/>
+        </p:nvSpPr>
+        <p:spPr>
+          <a:xfrm>
+            <a:off x="640080" y="2377440"/>
+            <a:ext cx="109728" cy="109728"/>
+          </a:xfrm>
+          <a:prstGeom prst="ellipse">
+            <a:avLst/>
+          </a:prstGeom>
+          <a:solidFill>
+            <a:srgbClr val="0096FF"/>
+          </a:solidFill>
+          <a:ln>
+            <a:noFill/>
+          </a:ln>
+        </p:spPr>
+        <p:style>
+          <a:lnRef idx="1">
+            <a:schemeClr val="accent1"/>
+          </a:lnRef>
+          <a:fillRef idx="3">
+            <a:schemeClr val="accent1"/>
+          </a:fillRef>
+          <a:effectRef idx="2">
+            <a:schemeClr val="accent1"/>
+          </a:effectRef>
+          <a:fontRef idx="minor">
+            <a:schemeClr val="lt1"/>
+          </a:fontRef>
+        </p:style>
+        <p:txBody>
+          <a:bodyPr rtlCol="0" anchor="ctr"/>
+          <a:lstStyle/>
+          <a:p>
+            <a:pPr algn="ctr"/>
+          </a:p>
+        </p:txBody>
+      </p:sp>
+      <p:sp>
+        <p:nvSpPr>
+          <p:cNvPr id="7" name="TextBox 6"/>
+          <p:cNvSpPr txBox="1"/>
+          <p:nvPr/>
+        </p:nvSpPr>
+        <p:spPr>
+          <a:xfrm>
+            <a:off x="822960" y="2331720"/>
+            <a:ext cx="3291840" cy="365760"/>
+          </a:xfrm>
+          <a:prstGeom prst="rect">
+            <a:avLst/>
+          </a:prstGeom>
+          <a:noFill/>
+        </p:spPr>
+        <p:txBody>
+          <a:bodyPr wrap="none">
+            <a:spAutoFit/>
+          </a:bodyPr>
+          <a:lstStyle/>
+          <a:p>
+            <a:pPr>
+              <a:defRPr sz="1600">
+                <a:solidFill>
+                  <a:srgbClr val="404040"/>
+                </a:solidFill>
+              </a:defRPr>
+            </a:pPr>
+            <a:r>
+              <a:t>R²: 0.3880</a:t>
+            </a:r>
+          </a:p>
+        </p:txBody>
+      </p:sp>
+      <p:sp>
+        <p:nvSpPr>
+          <p:cNvPr id="8" name="Oval 7"/>
+          <p:cNvSpPr/>
+          <p:nvPr/>
+        </p:nvSpPr>
+        <p:spPr>
+          <a:xfrm>
+            <a:off x="640080" y="2834640"/>
+            <a:ext cx="109728" cy="109728"/>
+          </a:xfrm>
+          <a:prstGeom prst="ellipse">
+            <a:avLst/>
+          </a:prstGeom>
+          <a:solidFill>
+            <a:srgbClr val="0096FF"/>
+          </a:solidFill>
+          <a:ln>
+            <a:noFill/>
+          </a:ln>
+        </p:spPr>
+        <p:style>
+          <a:lnRef idx="1">
+            <a:schemeClr val="accent1"/>
+          </a:lnRef>
+          <a:fillRef idx="3">
+            <a:schemeClr val="accent1"/>
+          </a:fillRef>
+          <a:effectRef idx="2">
+            <a:schemeClr val="accent1"/>
+          </a:effectRef>
+          <a:fontRef idx="minor">
+            <a:schemeClr val="lt1"/>
+          </a:fontRef>
+        </p:style>
+        <p:txBody>
+          <a:bodyPr rtlCol="0" anchor="ctr"/>
+          <a:lstStyle/>
+          <a:p>
+            <a:pPr algn="ctr"/>
+          </a:p>
+        </p:txBody>
+      </p:sp>
+      <p:sp>
+        <p:nvSpPr>
+          <p:cNvPr id="9" name="TextBox 8"/>
+          <p:cNvSpPr txBox="1"/>
+          <p:nvPr/>
+        </p:nvSpPr>
+        <p:spPr>
+          <a:xfrm>
+            <a:off x="822960" y="2788920"/>
+            <a:ext cx="3291840" cy="365760"/>
+          </a:xfrm>
+          <a:prstGeom prst="rect">
+            <a:avLst/>
+          </a:prstGeom>
+          <a:noFill/>
+        </p:spPr>
+        <p:txBody>
+          <a:bodyPr wrap="none">
+            <a:spAutoFit/>
+          </a:bodyPr>
+          <a:lstStyle/>
+          <a:p>
+            <a:pPr>
+              <a:defRPr sz="1600">
+                <a:solidFill>
+                  <a:srgbClr val="404040"/>
+                </a:solidFill>
+              </a:defRPr>
+            </a:pPr>
+            <a:r>
+              <a:t>RMSE: 139.21</a:t>
+            </a:r>
+          </a:p>
+        </p:txBody>
+      </p:sp>
+      <p:sp>
+        <p:nvSpPr>
+          <p:cNvPr id="10" name="Oval 9"/>
+          <p:cNvSpPr/>
+          <p:nvPr/>
+        </p:nvSpPr>
+        <p:spPr>
+          <a:xfrm>
+            <a:off x="640080" y="3291840"/>
+            <a:ext cx="109728" cy="109728"/>
+          </a:xfrm>
+          <a:prstGeom prst="ellipse">
+            <a:avLst/>
+          </a:prstGeom>
+          <a:solidFill>
+            <a:srgbClr val="0096FF"/>
+          </a:solidFill>
+          <a:ln>
+            <a:noFill/>
+          </a:ln>
+        </p:spPr>
+        <p:style>
+          <a:lnRef idx="1">
+            <a:schemeClr val="accent1"/>
+          </a:lnRef>
+          <a:fillRef idx="3">
+            <a:schemeClr val="accent1"/>
+          </a:fillRef>
+          <a:effectRef idx="2">
+            <a:schemeClr val="accent1"/>
+          </a:effectRef>
+          <a:fontRef idx="minor">
+            <a:schemeClr val="lt1"/>
+          </a:fontRef>
+        </p:style>
+        <p:txBody>
+          <a:bodyPr rtlCol="0" anchor="ctr"/>
+          <a:lstStyle/>
+          <a:p>
+            <a:pPr algn="ctr"/>
+          </a:p>
+        </p:txBody>
+      </p:sp>
+      <p:sp>
+        <p:nvSpPr>
+          <p:cNvPr id="11" name="TextBox 10"/>
+          <p:cNvSpPr txBox="1"/>
+          <p:nvPr/>
+        </p:nvSpPr>
+        <p:spPr>
+          <a:xfrm>
+            <a:off x="822960" y="3246120"/>
+            <a:ext cx="3291840" cy="365760"/>
+          </a:xfrm>
+          <a:prstGeom prst="rect">
+            <a:avLst/>
+          </a:prstGeom>
+          <a:noFill/>
+        </p:spPr>
+        <p:txBody>
+          <a:bodyPr wrap="none">
+            <a:spAutoFit/>
+          </a:bodyPr>
+          <a:lstStyle/>
+          <a:p>
+            <a:pPr>
+              <a:defRPr sz="1600">
+                <a:solidFill>
+                  <a:srgbClr val="404040"/>
+                </a:solidFill>
+              </a:defRPr>
+            </a:pPr>
+            <a:r>
+              <a:t>MAE: 104.80</a:t>
+            </a:r>
+          </a:p>
+        </p:txBody>
+      </p:sp>
+      <p:sp>
+        <p:nvSpPr>
+          <p:cNvPr id="12" name="Oval 11"/>
+          <p:cNvSpPr/>
+          <p:nvPr/>
+        </p:nvSpPr>
+        <p:spPr>
+          <a:xfrm>
+            <a:off x="640080" y="3749039"/>
+            <a:ext cx="109728" cy="109728"/>
+          </a:xfrm>
+          <a:prstGeom prst="ellipse">
+            <a:avLst/>
+          </a:prstGeom>
+          <a:solidFill>
+            <a:srgbClr val="0096FF"/>
+          </a:solidFill>
+          <a:ln>
+            <a:noFill/>
+          </a:ln>
+        </p:spPr>
+        <p:style>
+          <a:lnRef idx="1">
+            <a:schemeClr val="accent1"/>
+          </a:lnRef>
+          <a:fillRef idx="3">
+            <a:schemeClr val="accent1"/>
+          </a:fillRef>
+          <a:effectRef idx="2">
+            <a:schemeClr val="accent1"/>
+          </a:effectRef>
+          <a:fontRef idx="minor">
+            <a:schemeClr val="lt1"/>
+          </a:fontRef>
+        </p:style>
+        <p:txBody>
+          <a:bodyPr rtlCol="0" anchor="ctr"/>
+          <a:lstStyle/>
+          <a:p>
+            <a:pPr algn="ctr"/>
+          </a:p>
+        </p:txBody>
+      </p:sp>
+      <p:sp>
+        <p:nvSpPr>
+          <p:cNvPr id="13" name="TextBox 12"/>
+          <p:cNvSpPr txBox="1"/>
+          <p:nvPr/>
+        </p:nvSpPr>
+        <p:spPr>
+          <a:xfrm>
+            <a:off x="822960" y="3703320"/>
+            <a:ext cx="3291840" cy="365760"/>
+          </a:xfrm>
+          <a:prstGeom prst="rect">
+            <a:avLst/>
+          </a:prstGeom>
+          <a:noFill/>
+        </p:spPr>
+        <p:txBody>
+          <a:bodyPr wrap="none">
+            <a:spAutoFit/>
+          </a:bodyPr>
+          <a:lstStyle/>
+          <a:p>
+            <a:pPr>
+              <a:defRPr sz="1600">
+                <a:solidFill>
+                  <a:srgbClr val="404040"/>
+                </a:solidFill>
+              </a:defRPr>
+            </a:pPr>
+            <a:r>
+              <a:t>简单但性能较低</a:t>
+            </a:r>
+          </a:p>
+        </p:txBody>
+      </p:sp>
+      <p:sp>
+        <p:nvSpPr>
+          <p:cNvPr id="14" name="Rounded Rectangle 13"/>
+          <p:cNvSpPr/>
+          <p:nvPr/>
+        </p:nvSpPr>
+        <p:spPr>
+          <a:xfrm>
+            <a:off x="4846320" y="1645920"/>
+            <a:ext cx="3840480" cy="548640"/>
+          </a:xfrm>
+          <a:prstGeom prst="roundRect">
+            <a:avLst/>
+          </a:prstGeom>
+          <a:solidFill>
+            <a:srgbClr val="2ECC71"/>
+          </a:solidFill>
+          <a:ln>
+            <a:noFill/>
+          </a:ln>
+        </p:spPr>
+        <p:style>
+          <a:lnRef idx="1">
+            <a:schemeClr val="accent1"/>
+          </a:lnRef>
+          <a:fillRef idx="3">
+            <a:schemeClr val="accent1"/>
+          </a:fillRef>
+          <a:effectRef idx="2">
+            <a:schemeClr val="accent1"/>
+          </a:effectRef>
+          <a:fontRef idx="minor">
+            <a:schemeClr val="lt1"/>
+          </a:fontRef>
+        </p:style>
+        <p:txBody>
+          <a:bodyPr rtlCol="0" anchor="ctr"/>
+          <a:lstStyle/>
+          <a:p>
+            <a:pPr algn="ctr"/>
+          </a:p>
+        </p:txBody>
+      </p:sp>
+      <p:sp>
+        <p:nvSpPr>
+          <p:cNvPr id="15" name="TextBox 14"/>
+          <p:cNvSpPr txBox="1"/>
+          <p:nvPr/>
+        </p:nvSpPr>
+        <p:spPr>
+          <a:xfrm>
+            <a:off x="5029200" y="1737360"/>
+            <a:ext cx="3474720" cy="365760"/>
+          </a:xfrm>
+          <a:prstGeom prst="rect">
+            <a:avLst/>
+          </a:prstGeom>
+          <a:noFill/>
+        </p:spPr>
+        <p:txBody>
+          <a:bodyPr wrap="none">
+            <a:spAutoFit/>
+          </a:bodyPr>
+          <a:lstStyle/>
+          <a:p>
+            <a:pPr>
+              <a:defRPr sz="2200" b="1">
+                <a:solidFill>
+                  <a:srgbClr val="FFFFFF"/>
+                </a:solidFill>
+              </a:defRPr>
+            </a:pPr>
+            <a:r>
               <a:t>随机森林</a:t>
             </a:r>
           </a:p>
+        </p:txBody>
+      </p:sp>
+      <p:sp>
+        <p:nvSpPr>
+          <p:cNvPr id="16" name="Oval 15"/>
+          <p:cNvSpPr/>
+          <p:nvPr/>
+        </p:nvSpPr>
+        <p:spPr>
+          <a:xfrm>
+            <a:off x="5029200" y="2377440"/>
+            <a:ext cx="109728" cy="109728"/>
+          </a:xfrm>
+          <a:prstGeom prst="ellipse">
+            <a:avLst/>
+          </a:prstGeom>
+          <a:solidFill>
+            <a:srgbClr val="2ECC71"/>
+          </a:solidFill>
+          <a:ln>
+            <a:noFill/>
+          </a:ln>
+        </p:spPr>
+        <p:style>
+          <a:lnRef idx="1">
+            <a:schemeClr val="accent1"/>
+          </a:lnRef>
+          <a:fillRef idx="3">
+            <a:schemeClr val="accent1"/>
+          </a:fillRef>
+          <a:effectRef idx="2">
+            <a:schemeClr val="accent1"/>
+          </a:effectRef>
+          <a:fontRef idx="minor">
+            <a:schemeClr val="lt1"/>
+          </a:fontRef>
+        </p:style>
+        <p:txBody>
+          <a:bodyPr rtlCol="0" anchor="ctr"/>
+          <a:lstStyle/>
+          <a:p>
+            <a:pPr algn="ctr"/>
+          </a:p>
+        </p:txBody>
+      </p:sp>
+      <p:sp>
+        <p:nvSpPr>
+          <p:cNvPr id="17" name="TextBox 16"/>
+          <p:cNvSpPr txBox="1"/>
+          <p:nvPr/>
+        </p:nvSpPr>
+        <p:spPr>
+          <a:xfrm>
+            <a:off x="5212080" y="2331720"/>
+            <a:ext cx="3291840" cy="365760"/>
+          </a:xfrm>
+          <a:prstGeom prst="rect">
+            <a:avLst/>
+          </a:prstGeom>
+          <a:noFill/>
+        </p:spPr>
+        <p:txBody>
+          <a:bodyPr wrap="none">
+            <a:spAutoFit/>
+          </a:bodyPr>
+          <a:lstStyle/>
           <a:p>
             <a:pPr>
-              <a:spcAft>
-                <a:spcPts val="800"/>
-              </a:spcAft>
               <a:defRPr sz="1600">
                 <a:solidFill>
-                  <a:srgbClr val="808080"/>
+                  <a:srgbClr val="404040"/>
                 </a:solidFill>
               </a:defRPr>
             </a:pPr>
             <a:r>
-              <a:t>• R²: 0.9207</a:t>
-            </a:r>
-          </a:p>
+              <a:t>R²: 0.9207</a:t>
+            </a:r>
+          </a:p>
+        </p:txBody>
+      </p:sp>
+      <p:sp>
+        <p:nvSpPr>
+          <p:cNvPr id="18" name="Oval 17"/>
+          <p:cNvSpPr/>
+          <p:nvPr/>
+        </p:nvSpPr>
+        <p:spPr>
+          <a:xfrm>
+            <a:off x="5029200" y="2834640"/>
+            <a:ext cx="109728" cy="109728"/>
+          </a:xfrm>
+          <a:prstGeom prst="ellipse">
+            <a:avLst/>
+          </a:prstGeom>
+          <a:solidFill>
+            <a:srgbClr val="2ECC71"/>
+          </a:solidFill>
+          <a:ln>
+            <a:noFill/>
+          </a:ln>
+        </p:spPr>
+        <p:style>
+          <a:lnRef idx="1">
+            <a:schemeClr val="accent1"/>
+          </a:lnRef>
+          <a:fillRef idx="3">
+            <a:schemeClr val="accent1"/>
+          </a:fillRef>
+          <a:effectRef idx="2">
+            <a:schemeClr val="accent1"/>
+          </a:effectRef>
+          <a:fontRef idx="minor">
+            <a:schemeClr val="lt1"/>
+          </a:fontRef>
+        </p:style>
+        <p:txBody>
+          <a:bodyPr rtlCol="0" anchor="ctr"/>
+          <a:lstStyle/>
+          <a:p>
+            <a:pPr algn="ctr"/>
+          </a:p>
+        </p:txBody>
+      </p:sp>
+      <p:sp>
+        <p:nvSpPr>
+          <p:cNvPr id="19" name="TextBox 18"/>
+          <p:cNvSpPr txBox="1"/>
+          <p:nvPr/>
+        </p:nvSpPr>
+        <p:spPr>
+          <a:xfrm>
+            <a:off x="5212080" y="2788920"/>
+            <a:ext cx="3291840" cy="365760"/>
+          </a:xfrm>
+          <a:prstGeom prst="rect">
+            <a:avLst/>
+          </a:prstGeom>
+          <a:noFill/>
+        </p:spPr>
+        <p:txBody>
+          <a:bodyPr wrap="none">
+            <a:spAutoFit/>
+          </a:bodyPr>
+          <a:lstStyle/>
           <a:p>
             <a:pPr>
-              <a:spcAft>
-                <a:spcPts val="800"/>
-              </a:spcAft>
               <a:defRPr sz="1600">
                 <a:solidFill>
-                  <a:srgbClr val="808080"/>
+                  <a:srgbClr val="404040"/>
                 </a:solidFill>
               </a:defRPr>
             </a:pPr>
             <a:r>
-              <a:t>• RMSE: 50.11</a:t>
-            </a:r>
-          </a:p>
+              <a:t>RMSE: 50.11</a:t>
+            </a:r>
+          </a:p>
+        </p:txBody>
+      </p:sp>
+      <p:sp>
+        <p:nvSpPr>
+          <p:cNvPr id="20" name="Oval 19"/>
+          <p:cNvSpPr/>
+          <p:nvPr/>
+        </p:nvSpPr>
+        <p:spPr>
+          <a:xfrm>
+            <a:off x="5029200" y="3291840"/>
+            <a:ext cx="109728" cy="109728"/>
+          </a:xfrm>
+          <a:prstGeom prst="ellipse">
+            <a:avLst/>
+          </a:prstGeom>
+          <a:solidFill>
+            <a:srgbClr val="2ECC71"/>
+          </a:solidFill>
+          <a:ln>
+            <a:noFill/>
+          </a:ln>
+        </p:spPr>
+        <p:style>
+          <a:lnRef idx="1">
+            <a:schemeClr val="accent1"/>
+          </a:lnRef>
+          <a:fillRef idx="3">
+            <a:schemeClr val="accent1"/>
+          </a:fillRef>
+          <a:effectRef idx="2">
+            <a:schemeClr val="accent1"/>
+          </a:effectRef>
+          <a:fontRef idx="minor">
+            <a:schemeClr val="lt1"/>
+          </a:fontRef>
+        </p:style>
+        <p:txBody>
+          <a:bodyPr rtlCol="0" anchor="ctr"/>
+          <a:lstStyle/>
+          <a:p>
+            <a:pPr algn="ctr"/>
+          </a:p>
+        </p:txBody>
+      </p:sp>
+      <p:sp>
+        <p:nvSpPr>
+          <p:cNvPr id="21" name="TextBox 20"/>
+          <p:cNvSpPr txBox="1"/>
+          <p:nvPr/>
+        </p:nvSpPr>
+        <p:spPr>
+          <a:xfrm>
+            <a:off x="5212080" y="3246120"/>
+            <a:ext cx="3291840" cy="365760"/>
+          </a:xfrm>
+          <a:prstGeom prst="rect">
+            <a:avLst/>
+          </a:prstGeom>
+          <a:noFill/>
+        </p:spPr>
+        <p:txBody>
+          <a:bodyPr wrap="none">
+            <a:spAutoFit/>
+          </a:bodyPr>
+          <a:lstStyle/>
           <a:p>
             <a:pPr>
-              <a:spcAft>
-                <a:spcPts val="800"/>
-              </a:spcAft>
               <a:defRPr sz="1600">
                 <a:solidFill>
-                  <a:srgbClr val="808080"/>
+                  <a:srgbClr val="404040"/>
                 </a:solidFill>
               </a:defRPr>
             </a:pPr>
             <a:r>
-              <a:t>• 性能优秀</a:t>
+              <a:t>MAE: 31.10</a:t>
+            </a:r>
+          </a:p>
+        </p:txBody>
+      </p:sp>
+      <p:sp>
+        <p:nvSpPr>
+          <p:cNvPr id="22" name="Oval 21"/>
+          <p:cNvSpPr/>
+          <p:nvPr/>
+        </p:nvSpPr>
+        <p:spPr>
+          <a:xfrm>
+            <a:off x="5029200" y="3749039"/>
+            <a:ext cx="109728" cy="109728"/>
+          </a:xfrm>
+          <a:prstGeom prst="ellipse">
+            <a:avLst/>
+          </a:prstGeom>
+          <a:solidFill>
+            <a:srgbClr val="2ECC71"/>
+          </a:solidFill>
+          <a:ln>
+            <a:noFill/>
+          </a:ln>
+        </p:spPr>
+        <p:style>
+          <a:lnRef idx="1">
+            <a:schemeClr val="accent1"/>
+          </a:lnRef>
+          <a:fillRef idx="3">
+            <a:schemeClr val="accent1"/>
+          </a:fillRef>
+          <a:effectRef idx="2">
+            <a:schemeClr val="accent1"/>
+          </a:effectRef>
+          <a:fontRef idx="minor">
+            <a:schemeClr val="lt1"/>
+          </a:fontRef>
+        </p:style>
+        <p:txBody>
+          <a:bodyPr rtlCol="0" anchor="ctr"/>
+          <a:lstStyle/>
+          <a:p>
+            <a:pPr algn="ctr"/>
+          </a:p>
+        </p:txBody>
+      </p:sp>
+      <p:sp>
+        <p:nvSpPr>
+          <p:cNvPr id="23" name="TextBox 22"/>
+          <p:cNvSpPr txBox="1"/>
+          <p:nvPr/>
+        </p:nvSpPr>
+        <p:spPr>
+          <a:xfrm>
+            <a:off x="5212080" y="3703320"/>
+            <a:ext cx="3291840" cy="365760"/>
+          </a:xfrm>
+          <a:prstGeom prst="rect">
+            <a:avLst/>
+          </a:prstGeom>
+          <a:noFill/>
+        </p:spPr>
+        <p:txBody>
+          <a:bodyPr wrap="none">
+            <a:spAutoFit/>
+          </a:bodyPr>
+          <a:lstStyle/>
+          <a:p>
+            <a:pPr>
+              <a:defRPr sz="1600">
+                <a:solidFill>
+                  <a:srgbClr val="404040"/>
+                </a:solidFill>
+              </a:defRPr>
+            </a:pPr>
+            <a:r>
+              <a:t>性能优秀</a:t>
             </a:r>
           </a:p>
         </p:txBody>
@@ -4710,59 +7971,229 @@
       <p:grpSpPr/>
       <p:sp>
         <p:nvSpPr>
-          <p:cNvPr id="2" name="Title 1"/>
-          <p:cNvSpPr>
-            <a:spLocks noGrp="1"/>
-          </p:cNvSpPr>
-          <p:nvPr>
-            <p:ph type="title"/>
-          </p:nvPr>
-        </p:nvSpPr>
-        <p:spPr/>
-        <p:txBody>
-          <a:bodyPr/>
+          <p:cNvPr id="2" name="Rectangle 1"/>
+          <p:cNvSpPr/>
+          <p:nvPr/>
+        </p:nvSpPr>
+        <p:spPr>
+          <a:xfrm>
+            <a:off x="0" y="0"/>
+            <a:ext cx="9144000" cy="914400"/>
+          </a:xfrm>
+          <a:prstGeom prst="rect">
+            <a:avLst/>
+          </a:prstGeom>
+          <a:solidFill>
+            <a:srgbClr val="1971C2"/>
+          </a:solidFill>
+          <a:ln>
+            <a:noFill/>
+          </a:ln>
+        </p:spPr>
+        <p:style>
+          <a:lnRef idx="1">
+            <a:schemeClr val="accent1"/>
+          </a:lnRef>
+          <a:fillRef idx="3">
+            <a:schemeClr val="accent1"/>
+          </a:fillRef>
+          <a:effectRef idx="2">
+            <a:schemeClr val="accent1"/>
+          </a:effectRef>
+          <a:fontRef idx="minor">
+            <a:schemeClr val="lt1"/>
+          </a:fontRef>
+        </p:style>
+        <p:txBody>
+          <a:bodyPr rtlCol="0" anchor="ctr"/>
+          <a:lstStyle/>
+          <a:p>
+            <a:pPr algn="ctr"/>
+          </a:p>
+        </p:txBody>
+      </p:sp>
+      <p:sp>
+        <p:nvSpPr>
+          <p:cNvPr id="3" name="TextBox 2"/>
+          <p:cNvSpPr txBox="1"/>
+          <p:nvPr/>
+        </p:nvSpPr>
+        <p:spPr>
+          <a:xfrm>
+            <a:off x="457200" y="182880"/>
+            <a:ext cx="8229600" cy="548640"/>
+          </a:xfrm>
+          <a:prstGeom prst="rect">
+            <a:avLst/>
+          </a:prstGeom>
+          <a:noFill/>
+        </p:spPr>
+        <p:txBody>
+          <a:bodyPr wrap="none">
+            <a:spAutoFit/>
+          </a:bodyPr>
+          <a:lstStyle/>
+          <a:p>
+            <a:pPr algn="l">
+              <a:defRPr sz="3200" b="1">
+                <a:solidFill>
+                  <a:srgbClr val="FFFFFF"/>
+                </a:solidFill>
+              </a:defRPr>
+            </a:pPr>
+            <a:r>
+              <a:t>技术架构</a:t>
+            </a:r>
+          </a:p>
+        </p:txBody>
+      </p:sp>
+      <p:sp>
+        <p:nvSpPr>
+          <p:cNvPr id="4" name="Oval 3"/>
+          <p:cNvSpPr/>
+          <p:nvPr/>
+        </p:nvSpPr>
+        <p:spPr>
+          <a:xfrm>
+            <a:off x="731520" y="1371600"/>
+            <a:ext cx="137160" cy="137160"/>
+          </a:xfrm>
+          <a:prstGeom prst="ellipse">
+            <a:avLst/>
+          </a:prstGeom>
+          <a:solidFill>
+            <a:srgbClr val="0096FF"/>
+          </a:solidFill>
+          <a:ln>
+            <a:noFill/>
+          </a:ln>
+        </p:spPr>
+        <p:style>
+          <a:lnRef idx="1">
+            <a:schemeClr val="accent1"/>
+          </a:lnRef>
+          <a:fillRef idx="3">
+            <a:schemeClr val="accent1"/>
+          </a:fillRef>
+          <a:effectRef idx="2">
+            <a:schemeClr val="accent1"/>
+          </a:effectRef>
+          <a:fontRef idx="minor">
+            <a:schemeClr val="lt1"/>
+          </a:fontRef>
+        </p:style>
+        <p:txBody>
+          <a:bodyPr rtlCol="0" anchor="ctr"/>
+          <a:lstStyle/>
+          <a:p>
+            <a:pPr algn="ctr"/>
+          </a:p>
+        </p:txBody>
+      </p:sp>
+      <p:sp>
+        <p:nvSpPr>
+          <p:cNvPr id="5" name="TextBox 4"/>
+          <p:cNvSpPr txBox="1"/>
+          <p:nvPr/>
+        </p:nvSpPr>
+        <p:spPr>
+          <a:xfrm>
+            <a:off x="1097280" y="1325880"/>
+            <a:ext cx="7315200" cy="457200"/>
+          </a:xfrm>
+          <a:prstGeom prst="rect">
+            <a:avLst/>
+          </a:prstGeom>
+          <a:noFill/>
+        </p:spPr>
+        <p:txBody>
+          <a:bodyPr wrap="none">
+            <a:spAutoFit/>
+          </a:bodyPr>
           <a:lstStyle/>
           <a:p>
             <a:pPr>
-              <a:defRPr sz="3600" b="1">
-                <a:solidFill>
-                  <a:srgbClr val="003366"/>
+              <a:defRPr sz="1800">
+                <a:solidFill>
+                  <a:srgbClr val="404040"/>
                 </a:solidFill>
               </a:defRPr>
             </a:pPr>
             <a:r>
-              <a:t>技术架构</a:t>
-            </a:r>
-          </a:p>
-        </p:txBody>
-      </p:sp>
-      <p:sp>
-        <p:nvSpPr>
-          <p:cNvPr id="3" name="Content Placeholder 2"/>
-          <p:cNvSpPr>
-            <a:spLocks noGrp="1"/>
-          </p:cNvSpPr>
-          <p:nvPr>
-            <p:ph idx="1"/>
-          </p:nvPr>
-        </p:nvSpPr>
-        <p:spPr/>
-        <p:txBody>
-          <a:bodyPr/>
-          <a:lstStyle/>
-          <a:p>
-            <a:r>
               <a:t>数据层</a:t>
             </a:r>
           </a:p>
+        </p:txBody>
+      </p:sp>
+      <p:sp>
+        <p:nvSpPr>
+          <p:cNvPr id="6" name="Oval 5"/>
+          <p:cNvSpPr/>
+          <p:nvPr/>
+        </p:nvSpPr>
+        <p:spPr>
+          <a:xfrm>
+            <a:off x="731520" y="1920240"/>
+            <a:ext cx="137160" cy="137160"/>
+          </a:xfrm>
+          <a:prstGeom prst="ellipse">
+            <a:avLst/>
+          </a:prstGeom>
+          <a:solidFill>
+            <a:srgbClr val="0096FF"/>
+          </a:solidFill>
+          <a:ln>
+            <a:noFill/>
+          </a:ln>
+        </p:spPr>
+        <p:style>
+          <a:lnRef idx="1">
+            <a:schemeClr val="accent1"/>
+          </a:lnRef>
+          <a:fillRef idx="3">
+            <a:schemeClr val="accent1"/>
+          </a:fillRef>
+          <a:effectRef idx="2">
+            <a:schemeClr val="accent1"/>
+          </a:effectRef>
+          <a:fontRef idx="minor">
+            <a:schemeClr val="lt1"/>
+          </a:fontRef>
+        </p:style>
+        <p:txBody>
+          <a:bodyPr rtlCol="0" anchor="ctr"/>
+          <a:lstStyle/>
+          <a:p>
+            <a:pPr algn="ctr"/>
+          </a:p>
+        </p:txBody>
+      </p:sp>
+      <p:sp>
+        <p:nvSpPr>
+          <p:cNvPr id="7" name="TextBox 6"/>
+          <p:cNvSpPr txBox="1"/>
+          <p:nvPr/>
+        </p:nvSpPr>
+        <p:spPr>
+          <a:xfrm>
+            <a:off x="1097280" y="1874520"/>
+            <a:ext cx="7315200" cy="457200"/>
+          </a:xfrm>
+          <a:prstGeom prst="rect">
+            <a:avLst/>
+          </a:prstGeom>
+          <a:noFill/>
+        </p:spPr>
+        <p:txBody>
+          <a:bodyPr wrap="none">
+            <a:spAutoFit/>
+          </a:bodyPr>
+          <a:lstStyle/>
           <a:p>
             <a:pPr>
-              <a:spcAft>
-                <a:spcPts val="1200"/>
-              </a:spcAft>
               <a:defRPr sz="1800">
                 <a:solidFill>
-                  <a:srgbClr val="808080"/>
+                  <a:srgbClr val="404040"/>
                 </a:solidFill>
               </a:defRPr>
             </a:pPr>
@@ -4770,14 +8201,77 @@
               <a:t>  • 数据加载与清洗</a:t>
             </a:r>
           </a:p>
+        </p:txBody>
+      </p:sp>
+      <p:sp>
+        <p:nvSpPr>
+          <p:cNvPr id="8" name="Oval 7"/>
+          <p:cNvSpPr/>
+          <p:nvPr/>
+        </p:nvSpPr>
+        <p:spPr>
+          <a:xfrm>
+            <a:off x="731520" y="2468880"/>
+            <a:ext cx="137160" cy="137160"/>
+          </a:xfrm>
+          <a:prstGeom prst="ellipse">
+            <a:avLst/>
+          </a:prstGeom>
+          <a:solidFill>
+            <a:srgbClr val="0096FF"/>
+          </a:solidFill>
+          <a:ln>
+            <a:noFill/>
+          </a:ln>
+        </p:spPr>
+        <p:style>
+          <a:lnRef idx="1">
+            <a:schemeClr val="accent1"/>
+          </a:lnRef>
+          <a:fillRef idx="3">
+            <a:schemeClr val="accent1"/>
+          </a:fillRef>
+          <a:effectRef idx="2">
+            <a:schemeClr val="accent1"/>
+          </a:effectRef>
+          <a:fontRef idx="minor">
+            <a:schemeClr val="lt1"/>
+          </a:fontRef>
+        </p:style>
+        <p:txBody>
+          <a:bodyPr rtlCol="0" anchor="ctr"/>
+          <a:lstStyle/>
+          <a:p>
+            <a:pPr algn="ctr"/>
+          </a:p>
+        </p:txBody>
+      </p:sp>
+      <p:sp>
+        <p:nvSpPr>
+          <p:cNvPr id="9" name="TextBox 8"/>
+          <p:cNvSpPr txBox="1"/>
+          <p:nvPr/>
+        </p:nvSpPr>
+        <p:spPr>
+          <a:xfrm>
+            <a:off x="1097280" y="2423160"/>
+            <a:ext cx="7315200" cy="457200"/>
+          </a:xfrm>
+          <a:prstGeom prst="rect">
+            <a:avLst/>
+          </a:prstGeom>
+          <a:noFill/>
+        </p:spPr>
+        <p:txBody>
+          <a:bodyPr wrap="none">
+            <a:spAutoFit/>
+          </a:bodyPr>
+          <a:lstStyle/>
           <a:p>
             <a:pPr>
-              <a:spcAft>
-                <a:spcPts val="1200"/>
-              </a:spcAft>
               <a:defRPr sz="1800">
                 <a:solidFill>
-                  <a:srgbClr val="808080"/>
+                  <a:srgbClr val="404040"/>
                 </a:solidFill>
               </a:defRPr>
             </a:pPr>
@@ -4785,128 +8279,623 @@
               <a:t>  • 特征工程与标准化</a:t>
             </a:r>
           </a:p>
+        </p:txBody>
+      </p:sp>
+      <p:sp>
+        <p:nvSpPr>
+          <p:cNvPr id="10" name="Oval 9"/>
+          <p:cNvSpPr/>
+          <p:nvPr/>
+        </p:nvSpPr>
+        <p:spPr>
+          <a:xfrm>
+            <a:off x="731520" y="3200400"/>
+            <a:ext cx="137160" cy="137160"/>
+          </a:xfrm>
+          <a:prstGeom prst="ellipse">
+            <a:avLst/>
+          </a:prstGeom>
+          <a:solidFill>
+            <a:srgbClr val="0096FF"/>
+          </a:solidFill>
+          <a:ln>
+            <a:noFill/>
+          </a:ln>
+        </p:spPr>
+        <p:style>
+          <a:lnRef idx="1">
+            <a:schemeClr val="accent1"/>
+          </a:lnRef>
+          <a:fillRef idx="3">
+            <a:schemeClr val="accent1"/>
+          </a:fillRef>
+          <a:effectRef idx="2">
+            <a:schemeClr val="accent1"/>
+          </a:effectRef>
+          <a:fontRef idx="minor">
+            <a:schemeClr val="lt1"/>
+          </a:fontRef>
+        </p:style>
+        <p:txBody>
+          <a:bodyPr rtlCol="0" anchor="ctr"/>
+          <a:lstStyle/>
+          <a:p>
+            <a:pPr algn="ctr"/>
+          </a:p>
+        </p:txBody>
+      </p:sp>
+      <p:sp>
+        <p:nvSpPr>
+          <p:cNvPr id="11" name="TextBox 10"/>
+          <p:cNvSpPr txBox="1"/>
+          <p:nvPr/>
+        </p:nvSpPr>
+        <p:spPr>
+          <a:xfrm>
+            <a:off x="1097280" y="3154680"/>
+            <a:ext cx="7315200" cy="457200"/>
+          </a:xfrm>
+          <a:prstGeom prst="rect">
+            <a:avLst/>
+          </a:prstGeom>
+          <a:noFill/>
+        </p:spPr>
+        <p:txBody>
+          <a:bodyPr wrap="none">
+            <a:spAutoFit/>
+          </a:bodyPr>
+          <a:lstStyle/>
           <a:p>
             <a:pPr>
-              <a:spcAft>
-                <a:spcPts val="1200"/>
-              </a:spcAft>
               <a:defRPr sz="1800">
                 <a:solidFill>
-                  <a:srgbClr val="808080"/>
+                  <a:srgbClr val="404040"/>
                 </a:solidFill>
               </a:defRPr>
             </a:pPr>
-          </a:p>
+            <a:r>
+              <a:t>模型层</a:t>
+            </a:r>
+          </a:p>
+        </p:txBody>
+      </p:sp>
+      <p:sp>
+        <p:nvSpPr>
+          <p:cNvPr id="12" name="Oval 11"/>
+          <p:cNvSpPr/>
+          <p:nvPr/>
+        </p:nvSpPr>
+        <p:spPr>
+          <a:xfrm>
+            <a:off x="731520" y="3749040"/>
+            <a:ext cx="137160" cy="137160"/>
+          </a:xfrm>
+          <a:prstGeom prst="ellipse">
+            <a:avLst/>
+          </a:prstGeom>
+          <a:solidFill>
+            <a:srgbClr val="0096FF"/>
+          </a:solidFill>
+          <a:ln>
+            <a:noFill/>
+          </a:ln>
+        </p:spPr>
+        <p:style>
+          <a:lnRef idx="1">
+            <a:schemeClr val="accent1"/>
+          </a:lnRef>
+          <a:fillRef idx="3">
+            <a:schemeClr val="accent1"/>
+          </a:fillRef>
+          <a:effectRef idx="2">
+            <a:schemeClr val="accent1"/>
+          </a:effectRef>
+          <a:fontRef idx="minor">
+            <a:schemeClr val="lt1"/>
+          </a:fontRef>
+        </p:style>
+        <p:txBody>
+          <a:bodyPr rtlCol="0" anchor="ctr"/>
+          <a:lstStyle/>
+          <a:p>
+            <a:pPr algn="ctr"/>
+          </a:p>
+        </p:txBody>
+      </p:sp>
+      <p:sp>
+        <p:nvSpPr>
+          <p:cNvPr id="13" name="TextBox 12"/>
+          <p:cNvSpPr txBox="1"/>
+          <p:nvPr/>
+        </p:nvSpPr>
+        <p:spPr>
+          <a:xfrm>
+            <a:off x="1097280" y="3703320"/>
+            <a:ext cx="7315200" cy="457200"/>
+          </a:xfrm>
+          <a:prstGeom prst="rect">
+            <a:avLst/>
+          </a:prstGeom>
+          <a:noFill/>
+        </p:spPr>
+        <p:txBody>
+          <a:bodyPr wrap="none">
+            <a:spAutoFit/>
+          </a:bodyPr>
+          <a:lstStyle/>
           <a:p>
             <a:pPr>
-              <a:spcAft>
-                <a:spcPts val="1200"/>
-              </a:spcAft>
               <a:defRPr sz="1800">
                 <a:solidFill>
-                  <a:srgbClr val="808080"/>
+                  <a:srgbClr val="404040"/>
                 </a:solidFill>
               </a:defRPr>
             </a:pPr>
             <a:r>
-              <a:t>模型层</a:t>
-            </a:r>
-          </a:p>
+              <a:t>  • 随机森林回归（1000棵树）</a:t>
+            </a:r>
+          </a:p>
+        </p:txBody>
+      </p:sp>
+      <p:sp>
+        <p:nvSpPr>
+          <p:cNvPr id="14" name="Oval 13"/>
+          <p:cNvSpPr/>
+          <p:nvPr/>
+        </p:nvSpPr>
+        <p:spPr>
+          <a:xfrm>
+            <a:off x="731520" y="4297680"/>
+            <a:ext cx="137160" cy="137160"/>
+          </a:xfrm>
+          <a:prstGeom prst="ellipse">
+            <a:avLst/>
+          </a:prstGeom>
+          <a:solidFill>
+            <a:srgbClr val="0096FF"/>
+          </a:solidFill>
+          <a:ln>
+            <a:noFill/>
+          </a:ln>
+        </p:spPr>
+        <p:style>
+          <a:lnRef idx="1">
+            <a:schemeClr val="accent1"/>
+          </a:lnRef>
+          <a:fillRef idx="3">
+            <a:schemeClr val="accent1"/>
+          </a:fillRef>
+          <a:effectRef idx="2">
+            <a:schemeClr val="accent1"/>
+          </a:effectRef>
+          <a:fontRef idx="minor">
+            <a:schemeClr val="lt1"/>
+          </a:fontRef>
+        </p:style>
+        <p:txBody>
+          <a:bodyPr rtlCol="0" anchor="ctr"/>
+          <a:lstStyle/>
+          <a:p>
+            <a:pPr algn="ctr"/>
+          </a:p>
+        </p:txBody>
+      </p:sp>
+      <p:sp>
+        <p:nvSpPr>
+          <p:cNvPr id="15" name="TextBox 14"/>
+          <p:cNvSpPr txBox="1"/>
+          <p:nvPr/>
+        </p:nvSpPr>
+        <p:spPr>
+          <a:xfrm>
+            <a:off x="1097280" y="4251960"/>
+            <a:ext cx="7315200" cy="457200"/>
+          </a:xfrm>
+          <a:prstGeom prst="rect">
+            <a:avLst/>
+          </a:prstGeom>
+          <a:noFill/>
+        </p:spPr>
+        <p:txBody>
+          <a:bodyPr wrap="none">
+            <a:spAutoFit/>
+          </a:bodyPr>
+          <a:lstStyle/>
           <a:p>
             <a:pPr>
-              <a:spcAft>
-                <a:spcPts val="1200"/>
-              </a:spcAft>
               <a:defRPr sz="1800">
                 <a:solidFill>
-                  <a:srgbClr val="808080"/>
+                  <a:srgbClr val="404040"/>
                 </a:solidFill>
               </a:defRPr>
             </a:pPr>
             <a:r>
-              <a:t>  • 随机森林回归（1000棵树）</a:t>
-            </a:r>
-          </a:p>
+              <a:t>  • 最大深度：10层</a:t>
+            </a:r>
+          </a:p>
+        </p:txBody>
+      </p:sp>
+      <p:sp>
+        <p:nvSpPr>
+          <p:cNvPr id="16" name="Oval 15"/>
+          <p:cNvSpPr/>
+          <p:nvPr/>
+        </p:nvSpPr>
+        <p:spPr>
+          <a:xfrm>
+            <a:off x="731520" y="4846320"/>
+            <a:ext cx="137160" cy="137160"/>
+          </a:xfrm>
+          <a:prstGeom prst="ellipse">
+            <a:avLst/>
+          </a:prstGeom>
+          <a:solidFill>
+            <a:srgbClr val="0096FF"/>
+          </a:solidFill>
+          <a:ln>
+            <a:noFill/>
+          </a:ln>
+        </p:spPr>
+        <p:style>
+          <a:lnRef idx="1">
+            <a:schemeClr val="accent1"/>
+          </a:lnRef>
+          <a:fillRef idx="3">
+            <a:schemeClr val="accent1"/>
+          </a:fillRef>
+          <a:effectRef idx="2">
+            <a:schemeClr val="accent1"/>
+          </a:effectRef>
+          <a:fontRef idx="minor">
+            <a:schemeClr val="lt1"/>
+          </a:fontRef>
+        </p:style>
+        <p:txBody>
+          <a:bodyPr rtlCol="0" anchor="ctr"/>
+          <a:lstStyle/>
+          <a:p>
+            <a:pPr algn="ctr"/>
+          </a:p>
+        </p:txBody>
+      </p:sp>
+      <p:sp>
+        <p:nvSpPr>
+          <p:cNvPr id="17" name="TextBox 16"/>
+          <p:cNvSpPr txBox="1"/>
+          <p:nvPr/>
+        </p:nvSpPr>
+        <p:spPr>
+          <a:xfrm>
+            <a:off x="1097280" y="4800600"/>
+            <a:ext cx="7315200" cy="457200"/>
+          </a:xfrm>
+          <a:prstGeom prst="rect">
+            <a:avLst/>
+          </a:prstGeom>
+          <a:noFill/>
+        </p:spPr>
+        <p:txBody>
+          <a:bodyPr wrap="none">
+            <a:spAutoFit/>
+          </a:bodyPr>
+          <a:lstStyle/>
           <a:p>
             <a:pPr>
-              <a:spcAft>
-                <a:spcPts val="1200"/>
-              </a:spcAft>
               <a:defRPr sz="1800">
                 <a:solidFill>
-                  <a:srgbClr val="808080"/>
+                  <a:srgbClr val="404040"/>
                 </a:solidFill>
               </a:defRPr>
             </a:pPr>
             <a:r>
-              <a:t>  • 最大深度：10层</a:t>
-            </a:r>
-          </a:p>
+              <a:t>  • 并行计算优化</a:t>
+            </a:r>
+          </a:p>
+        </p:txBody>
+      </p:sp>
+      <p:sp>
+        <p:nvSpPr>
+          <p:cNvPr id="18" name="Oval 17"/>
+          <p:cNvSpPr/>
+          <p:nvPr/>
+        </p:nvSpPr>
+        <p:spPr>
+          <a:xfrm>
+            <a:off x="731520" y="5577840"/>
+            <a:ext cx="137160" cy="137160"/>
+          </a:xfrm>
+          <a:prstGeom prst="ellipse">
+            <a:avLst/>
+          </a:prstGeom>
+          <a:solidFill>
+            <a:srgbClr val="0096FF"/>
+          </a:solidFill>
+          <a:ln>
+            <a:noFill/>
+          </a:ln>
+        </p:spPr>
+        <p:style>
+          <a:lnRef idx="1">
+            <a:schemeClr val="accent1"/>
+          </a:lnRef>
+          <a:fillRef idx="3">
+            <a:schemeClr val="accent1"/>
+          </a:fillRef>
+          <a:effectRef idx="2">
+            <a:schemeClr val="accent1"/>
+          </a:effectRef>
+          <a:fontRef idx="minor">
+            <a:schemeClr val="lt1"/>
+          </a:fontRef>
+        </p:style>
+        <p:txBody>
+          <a:bodyPr rtlCol="0" anchor="ctr"/>
+          <a:lstStyle/>
+          <a:p>
+            <a:pPr algn="ctr"/>
+          </a:p>
+        </p:txBody>
+      </p:sp>
+      <p:sp>
+        <p:nvSpPr>
+          <p:cNvPr id="19" name="TextBox 18"/>
+          <p:cNvSpPr txBox="1"/>
+          <p:nvPr/>
+        </p:nvSpPr>
+        <p:spPr>
+          <a:xfrm>
+            <a:off x="1097280" y="5532120"/>
+            <a:ext cx="7315200" cy="457200"/>
+          </a:xfrm>
+          <a:prstGeom prst="rect">
+            <a:avLst/>
+          </a:prstGeom>
+          <a:noFill/>
+        </p:spPr>
+        <p:txBody>
+          <a:bodyPr wrap="none">
+            <a:spAutoFit/>
+          </a:bodyPr>
+          <a:lstStyle/>
           <a:p>
             <a:pPr>
-              <a:spcAft>
-                <a:spcPts val="1200"/>
-              </a:spcAft>
               <a:defRPr sz="1800">
                 <a:solidFill>
-                  <a:srgbClr val="808080"/>
+                  <a:srgbClr val="404040"/>
                 </a:solidFill>
               </a:defRPr>
             </a:pPr>
-          </a:p>
+            <a:r>
+              <a:t>评估层</a:t>
+            </a:r>
+          </a:p>
+        </p:txBody>
+      </p:sp>
+      <p:sp>
+        <p:nvSpPr>
+          <p:cNvPr id="20" name="Oval 19"/>
+          <p:cNvSpPr/>
+          <p:nvPr/>
+        </p:nvSpPr>
+        <p:spPr>
+          <a:xfrm>
+            <a:off x="731520" y="6126479"/>
+            <a:ext cx="137160" cy="137160"/>
+          </a:xfrm>
+          <a:prstGeom prst="ellipse">
+            <a:avLst/>
+          </a:prstGeom>
+          <a:solidFill>
+            <a:srgbClr val="0096FF"/>
+          </a:solidFill>
+          <a:ln>
+            <a:noFill/>
+          </a:ln>
+        </p:spPr>
+        <p:style>
+          <a:lnRef idx="1">
+            <a:schemeClr val="accent1"/>
+          </a:lnRef>
+          <a:fillRef idx="3">
+            <a:schemeClr val="accent1"/>
+          </a:fillRef>
+          <a:effectRef idx="2">
+            <a:schemeClr val="accent1"/>
+          </a:effectRef>
+          <a:fontRef idx="minor">
+            <a:schemeClr val="lt1"/>
+          </a:fontRef>
+        </p:style>
+        <p:txBody>
+          <a:bodyPr rtlCol="0" anchor="ctr"/>
+          <a:lstStyle/>
+          <a:p>
+            <a:pPr algn="ctr"/>
+          </a:p>
+        </p:txBody>
+      </p:sp>
+      <p:sp>
+        <p:nvSpPr>
+          <p:cNvPr id="21" name="TextBox 20"/>
+          <p:cNvSpPr txBox="1"/>
+          <p:nvPr/>
+        </p:nvSpPr>
+        <p:spPr>
+          <a:xfrm>
+            <a:off x="1097280" y="6080759"/>
+            <a:ext cx="7315200" cy="457200"/>
+          </a:xfrm>
+          <a:prstGeom prst="rect">
+            <a:avLst/>
+          </a:prstGeom>
+          <a:noFill/>
+        </p:spPr>
+        <p:txBody>
+          <a:bodyPr wrap="none">
+            <a:spAutoFit/>
+          </a:bodyPr>
+          <a:lstStyle/>
           <a:p>
             <a:pPr>
-              <a:spcAft>
-                <a:spcPts val="1200"/>
-              </a:spcAft>
               <a:defRPr sz="1800">
                 <a:solidFill>
-                  <a:srgbClr val="808080"/>
+                  <a:srgbClr val="404040"/>
                 </a:solidFill>
               </a:defRPr>
             </a:pPr>
             <a:r>
-              <a:t>评估层</a:t>
-            </a:r>
-          </a:p>
+              <a:t>  • 多种评估指标（R², RMSE, MAE）</a:t>
+            </a:r>
+          </a:p>
+        </p:txBody>
+      </p:sp>
+      <p:sp>
+        <p:nvSpPr>
+          <p:cNvPr id="22" name="Oval 21"/>
+          <p:cNvSpPr/>
+          <p:nvPr/>
+        </p:nvSpPr>
+        <p:spPr>
+          <a:xfrm>
+            <a:off x="731520" y="6675119"/>
+            <a:ext cx="137160" cy="137160"/>
+          </a:xfrm>
+          <a:prstGeom prst="ellipse">
+            <a:avLst/>
+          </a:prstGeom>
+          <a:solidFill>
+            <a:srgbClr val="0096FF"/>
+          </a:solidFill>
+          <a:ln>
+            <a:noFill/>
+          </a:ln>
+        </p:spPr>
+        <p:style>
+          <a:lnRef idx="1">
+            <a:schemeClr val="accent1"/>
+          </a:lnRef>
+          <a:fillRef idx="3">
+            <a:schemeClr val="accent1"/>
+          </a:fillRef>
+          <a:effectRef idx="2">
+            <a:schemeClr val="accent1"/>
+          </a:effectRef>
+          <a:fontRef idx="minor">
+            <a:schemeClr val="lt1"/>
+          </a:fontRef>
+        </p:style>
+        <p:txBody>
+          <a:bodyPr rtlCol="0" anchor="ctr"/>
+          <a:lstStyle/>
+          <a:p>
+            <a:pPr algn="ctr"/>
+          </a:p>
+        </p:txBody>
+      </p:sp>
+      <p:sp>
+        <p:nvSpPr>
+          <p:cNvPr id="23" name="TextBox 22"/>
+          <p:cNvSpPr txBox="1"/>
+          <p:nvPr/>
+        </p:nvSpPr>
+        <p:spPr>
+          <a:xfrm>
+            <a:off x="1097280" y="6629399"/>
+            <a:ext cx="7315200" cy="457200"/>
+          </a:xfrm>
+          <a:prstGeom prst="rect">
+            <a:avLst/>
+          </a:prstGeom>
+          <a:noFill/>
+        </p:spPr>
+        <p:txBody>
+          <a:bodyPr wrap="none">
+            <a:spAutoFit/>
+          </a:bodyPr>
+          <a:lstStyle/>
           <a:p>
             <a:pPr>
-              <a:spcAft>
-                <a:spcPts val="1200"/>
-              </a:spcAft>
               <a:defRPr sz="1800">
                 <a:solidFill>
-                  <a:srgbClr val="808080"/>
+                  <a:srgbClr val="404040"/>
                 </a:solidFill>
               </a:defRPr>
             </a:pPr>
             <a:r>
-              <a:t>  • 多种评估指标（R², RMSE, MAE）</a:t>
-            </a:r>
-          </a:p>
+              <a:t>  • 残差分析</a:t>
+            </a:r>
+          </a:p>
+        </p:txBody>
+      </p:sp>
+      <p:sp>
+        <p:nvSpPr>
+          <p:cNvPr id="24" name="Oval 23"/>
+          <p:cNvSpPr/>
+          <p:nvPr/>
+        </p:nvSpPr>
+        <p:spPr>
+          <a:xfrm>
+            <a:off x="731520" y="7223759"/>
+            <a:ext cx="137160" cy="137160"/>
+          </a:xfrm>
+          <a:prstGeom prst="ellipse">
+            <a:avLst/>
+          </a:prstGeom>
+          <a:solidFill>
+            <a:srgbClr val="0096FF"/>
+          </a:solidFill>
+          <a:ln>
+            <a:noFill/>
+          </a:ln>
+        </p:spPr>
+        <p:style>
+          <a:lnRef idx="1">
+            <a:schemeClr val="accent1"/>
+          </a:lnRef>
+          <a:fillRef idx="3">
+            <a:schemeClr val="accent1"/>
+          </a:fillRef>
+          <a:effectRef idx="2">
+            <a:schemeClr val="accent1"/>
+          </a:effectRef>
+          <a:fontRef idx="minor">
+            <a:schemeClr val="lt1"/>
+          </a:fontRef>
+        </p:style>
+        <p:txBody>
+          <a:bodyPr rtlCol="0" anchor="ctr"/>
+          <a:lstStyle/>
+          <a:p>
+            <a:pPr algn="ctr"/>
+          </a:p>
+        </p:txBody>
+      </p:sp>
+      <p:sp>
+        <p:nvSpPr>
+          <p:cNvPr id="25" name="TextBox 24"/>
+          <p:cNvSpPr txBox="1"/>
+          <p:nvPr/>
+        </p:nvSpPr>
+        <p:spPr>
+          <a:xfrm>
+            <a:off x="1097280" y="7178039"/>
+            <a:ext cx="7315200" cy="457200"/>
+          </a:xfrm>
+          <a:prstGeom prst="rect">
+            <a:avLst/>
+          </a:prstGeom>
+          <a:noFill/>
+        </p:spPr>
+        <p:txBody>
+          <a:bodyPr wrap="none">
+            <a:spAutoFit/>
+          </a:bodyPr>
+          <a:lstStyle/>
           <a:p>
             <a:pPr>
-              <a:spcAft>
-                <a:spcPts val="1200"/>
-              </a:spcAft>
               <a:defRPr sz="1800">
                 <a:solidFill>
-                  <a:srgbClr val="808080"/>
-                </a:solidFill>
-              </a:defRPr>
-            </a:pPr>
-            <a:r>
-              <a:t>  • 残差分析</a:t>
-            </a:r>
-          </a:p>
-          <a:p>
-            <a:pPr>
-              <a:spcAft>
-                <a:spcPts val="1200"/>
-              </a:spcAft>
-              <a:defRPr sz="1800">
-                <a:solidFill>
-                  <a:srgbClr val="808080"/>
+                  <a:srgbClr val="404040"/>
                 </a:solidFill>
               </a:defRPr>
             </a:pPr>
@@ -4929,9 +8918,17 @@
   <p:cSld>
     <p:bg>
       <p:bgPr>
-        <a:solidFill>
-          <a:srgbClr val="003366"/>
-        </a:solidFill>
+        <a:gradFill rotWithShape="1">
+          <a:gsLst>
+            <a:gs pos="0">
+              <a:srgbClr val="0D2440"/>
+            </a:gs>
+            <a:gs pos="100000">
+              <a:srgbClr val="1971C2"/>
+            </a:gs>
+          </a:gsLst>
+          <a:lin scaled="0" ang="16200000"/>
+        </a:gradFill>
         <a:effectLst/>
       </p:bgPr>
     </p:bg>
@@ -4944,59 +8941,14 @@
       <p:grpSpPr/>
       <p:sp>
         <p:nvSpPr>
-          <p:cNvPr id="2" name="Title 1"/>
-          <p:cNvSpPr>
-            <a:spLocks noGrp="1"/>
-          </p:cNvSpPr>
-          <p:nvPr>
-            <p:ph type="title"/>
-          </p:nvPr>
-        </p:nvSpPr>
-        <p:spPr/>
-        <p:txBody>
-          <a:bodyPr/>
-          <a:lstStyle/>
-          <a:p>
-            <a:pPr>
-              <a:defRPr sz="3600" b="1">
-                <a:solidFill>
-                  <a:srgbClr val="FFFFFF"/>
-                </a:solidFill>
-              </a:defRPr>
-            </a:pPr>
-            <a:r>
-              <a:t>结论与展望</a:t>
-            </a:r>
-          </a:p>
-        </p:txBody>
-      </p:sp>
-      <p:sp>
-        <p:nvSpPr>
-          <p:cNvPr id="3" name="Content Placeholder 2"/>
-          <p:cNvSpPr>
-            <a:spLocks noGrp="1"/>
-          </p:cNvSpPr>
-          <p:nvPr>
-            <p:ph idx="1"/>
-          </p:nvPr>
-        </p:nvSpPr>
-        <p:spPr/>
-        <p:txBody>
-          <a:bodyPr/>
-          <a:lstStyle/>
-          <a:p/>
-        </p:txBody>
-      </p:sp>
-      <p:sp>
-        <p:nvSpPr>
-          <p:cNvPr id="4" name="TextBox 3"/>
+          <p:cNvPr id="2" name="TextBox 1"/>
           <p:cNvSpPr txBox="1"/>
           <p:nvPr/>
         </p:nvSpPr>
         <p:spPr>
           <a:xfrm>
-            <a:off x="914400" y="1828800"/>
-            <a:ext cx="7315200" cy="3657600"/>
+            <a:off x="914400" y="914400"/>
+            <a:ext cx="7315200" cy="731520"/>
           </a:xfrm>
           <a:prstGeom prst="rect">
             <a:avLst/>
@@ -5009,6 +8961,84 @@
           </a:bodyPr>
           <a:lstStyle/>
           <a:p>
+            <a:pPr algn="ctr">
+              <a:defRPr sz="4400" b="1">
+                <a:solidFill>
+                  <a:srgbClr val="FFFFFF"/>
+                </a:solidFill>
+              </a:defRPr>
+            </a:pPr>
+            <a:r>
+              <a:t>结论与展望</a:t>
+            </a:r>
+          </a:p>
+        </p:txBody>
+      </p:sp>
+      <p:sp>
+        <p:nvSpPr>
+          <p:cNvPr id="3" name="Oval 2"/>
+          <p:cNvSpPr/>
+          <p:nvPr/>
+        </p:nvSpPr>
+        <p:spPr>
+          <a:xfrm>
+            <a:off x="1371600" y="2286000"/>
+            <a:ext cx="182880" cy="182880"/>
+          </a:xfrm>
+          <a:prstGeom prst="ellipse">
+            <a:avLst/>
+          </a:prstGeom>
+          <a:solidFill>
+            <a:srgbClr val="2ECC71"/>
+          </a:solidFill>
+          <a:ln>
+            <a:noFill/>
+          </a:ln>
+        </p:spPr>
+        <p:style>
+          <a:lnRef idx="1">
+            <a:schemeClr val="accent1"/>
+          </a:lnRef>
+          <a:fillRef idx="3">
+            <a:schemeClr val="accent1"/>
+          </a:fillRef>
+          <a:effectRef idx="2">
+            <a:schemeClr val="accent1"/>
+          </a:effectRef>
+          <a:fontRef idx="minor">
+            <a:schemeClr val="lt1"/>
+          </a:fontRef>
+        </p:style>
+        <p:txBody>
+          <a:bodyPr rtlCol="0" anchor="ctr"/>
+          <a:lstStyle/>
+          <a:p>
+            <a:pPr algn="ctr"/>
+          </a:p>
+        </p:txBody>
+      </p:sp>
+      <p:sp>
+        <p:nvSpPr>
+          <p:cNvPr id="4" name="TextBox 3"/>
+          <p:cNvSpPr txBox="1"/>
+          <p:nvPr/>
+        </p:nvSpPr>
+        <p:spPr>
+          <a:xfrm>
+            <a:off x="1645920" y="2240280"/>
+            <a:ext cx="6400800" cy="365760"/>
+          </a:xfrm>
+          <a:prstGeom prst="rect">
+            <a:avLst/>
+          </a:prstGeom>
+          <a:noFill/>
+        </p:spPr>
+        <p:txBody>
+          <a:bodyPr wrap="none">
+            <a:spAutoFit/>
+          </a:bodyPr>
+          <a:lstStyle/>
+          <a:p>
             <a:pPr>
               <a:defRPr sz="2000">
                 <a:solidFill>
@@ -5017,124 +9047,475 @@
               </a:defRPr>
             </a:pPr>
             <a:r>
-              <a:t>• 成功建立了高精度的共享单车需求预测模型</a:t>
-            </a:r>
-          </a:p>
+              <a:t>✓ 成功建立高精度预测模型（R² = 0.92）</a:t>
+            </a:r>
+          </a:p>
+        </p:txBody>
+      </p:sp>
+      <p:sp>
+        <p:nvSpPr>
+          <p:cNvPr id="5" name="Oval 4"/>
+          <p:cNvSpPr/>
+          <p:nvPr/>
+        </p:nvSpPr>
+        <p:spPr>
+          <a:xfrm>
+            <a:off x="1371600" y="2834640"/>
+            <a:ext cx="182880" cy="182880"/>
+          </a:xfrm>
+          <a:prstGeom prst="ellipse">
+            <a:avLst/>
+          </a:prstGeom>
+          <a:solidFill>
+            <a:srgbClr val="2ECC71"/>
+          </a:solidFill>
+          <a:ln>
+            <a:noFill/>
+          </a:ln>
+        </p:spPr>
+        <p:style>
+          <a:lnRef idx="1">
+            <a:schemeClr val="accent1"/>
+          </a:lnRef>
+          <a:fillRef idx="3">
+            <a:schemeClr val="accent1"/>
+          </a:fillRef>
+          <a:effectRef idx="2">
+            <a:schemeClr val="accent1"/>
+          </a:effectRef>
+          <a:fontRef idx="minor">
+            <a:schemeClr val="lt1"/>
+          </a:fontRef>
+        </p:style>
+        <p:txBody>
+          <a:bodyPr rtlCol="0" anchor="ctr"/>
+          <a:lstStyle/>
+          <a:p>
+            <a:pPr algn="ctr"/>
+          </a:p>
+        </p:txBody>
+      </p:sp>
+      <p:sp>
+        <p:nvSpPr>
+          <p:cNvPr id="6" name="TextBox 5"/>
+          <p:cNvSpPr txBox="1"/>
+          <p:nvPr/>
+        </p:nvSpPr>
+        <p:spPr>
+          <a:xfrm>
+            <a:off x="1645920" y="2788920"/>
+            <a:ext cx="6400800" cy="365760"/>
+          </a:xfrm>
+          <a:prstGeom prst="rect">
+            <a:avLst/>
+          </a:prstGeom>
+          <a:noFill/>
+        </p:spPr>
+        <p:txBody>
+          <a:bodyPr wrap="none">
+            <a:spAutoFit/>
+          </a:bodyPr>
+          <a:lstStyle/>
           <a:p>
             <a:pPr>
-              <a:spcAft>
-                <a:spcPts val="1000"/>
-              </a:spcAft>
-              <a:defRPr sz="1800">
+              <a:defRPr sz="2000">
                 <a:solidFill>
                   <a:srgbClr val="FFFFFF"/>
                 </a:solidFill>
               </a:defRPr>
             </a:pPr>
             <a:r>
-              <a:t>• 小时因素是核心驱动因素，占64.6%的重要性</a:t>
-            </a:r>
-          </a:p>
+              <a:t>✓ 小时因素是核心驱动因素（64.6%）</a:t>
+            </a:r>
+          </a:p>
+        </p:txBody>
+      </p:sp>
+      <p:sp>
+        <p:nvSpPr>
+          <p:cNvPr id="7" name="Oval 6"/>
+          <p:cNvSpPr/>
+          <p:nvPr/>
+        </p:nvSpPr>
+        <p:spPr>
+          <a:xfrm>
+            <a:off x="1371600" y="3383280"/>
+            <a:ext cx="182880" cy="182880"/>
+          </a:xfrm>
+          <a:prstGeom prst="ellipse">
+            <a:avLst/>
+          </a:prstGeom>
+          <a:solidFill>
+            <a:srgbClr val="2ECC71"/>
+          </a:solidFill>
+          <a:ln>
+            <a:noFill/>
+          </a:ln>
+        </p:spPr>
+        <p:style>
+          <a:lnRef idx="1">
+            <a:schemeClr val="accent1"/>
+          </a:lnRef>
+          <a:fillRef idx="3">
+            <a:schemeClr val="accent1"/>
+          </a:fillRef>
+          <a:effectRef idx="2">
+            <a:schemeClr val="accent1"/>
+          </a:effectRef>
+          <a:fontRef idx="minor">
+            <a:schemeClr val="lt1"/>
+          </a:fontRef>
+        </p:style>
+        <p:txBody>
+          <a:bodyPr rtlCol="0" anchor="ctr"/>
+          <a:lstStyle/>
+          <a:p>
+            <a:pPr algn="ctr"/>
+          </a:p>
+        </p:txBody>
+      </p:sp>
+      <p:sp>
+        <p:nvSpPr>
+          <p:cNvPr id="8" name="TextBox 7"/>
+          <p:cNvSpPr txBox="1"/>
+          <p:nvPr/>
+        </p:nvSpPr>
+        <p:spPr>
+          <a:xfrm>
+            <a:off x="1645920" y="3337560"/>
+            <a:ext cx="6400800" cy="365760"/>
+          </a:xfrm>
+          <a:prstGeom prst="rect">
+            <a:avLst/>
+          </a:prstGeom>
+          <a:noFill/>
+        </p:spPr>
+        <p:txBody>
+          <a:bodyPr wrap="none">
+            <a:spAutoFit/>
+          </a:bodyPr>
+          <a:lstStyle/>
           <a:p>
             <a:pPr>
-              <a:spcAft>
-                <a:spcPts val="1000"/>
-              </a:spcAft>
-              <a:defRPr sz="1800">
+              <a:defRPr sz="2000">
                 <a:solidFill>
                   <a:srgbClr val="FFFFFF"/>
                 </a:solidFill>
               </a:defRPr>
             </a:pPr>
             <a:r>
-              <a:t>• 模型R²达到0.92，预测精度高</a:t>
-            </a:r>
-          </a:p>
+              <a:t>✓ 为运营决策提供数据支持</a:t>
+            </a:r>
+          </a:p>
+        </p:txBody>
+      </p:sp>
+      <p:sp>
+        <p:nvSpPr>
+          <p:cNvPr id="9" name="Oval 8"/>
+          <p:cNvSpPr/>
+          <p:nvPr/>
+        </p:nvSpPr>
+        <p:spPr>
+          <a:xfrm>
+            <a:off x="1371600" y="4206240"/>
+            <a:ext cx="137160" cy="137160"/>
+          </a:xfrm>
+          <a:prstGeom prst="ellipse">
+            <a:avLst/>
+          </a:prstGeom>
+          <a:solidFill>
+            <a:srgbClr val="0096FF"/>
+          </a:solidFill>
+          <a:ln>
+            <a:noFill/>
+          </a:ln>
+        </p:spPr>
+        <p:style>
+          <a:lnRef idx="1">
+            <a:schemeClr val="accent1"/>
+          </a:lnRef>
+          <a:fillRef idx="3">
+            <a:schemeClr val="accent1"/>
+          </a:fillRef>
+          <a:effectRef idx="2">
+            <a:schemeClr val="accent1"/>
+          </a:effectRef>
+          <a:fontRef idx="minor">
+            <a:schemeClr val="lt1"/>
+          </a:fontRef>
+        </p:style>
+        <p:txBody>
+          <a:bodyPr rtlCol="0" anchor="ctr"/>
+          <a:lstStyle/>
+          <a:p>
+            <a:pPr algn="ctr"/>
+          </a:p>
+        </p:txBody>
+      </p:sp>
+      <p:sp>
+        <p:nvSpPr>
+          <p:cNvPr id="10" name="TextBox 9"/>
+          <p:cNvSpPr txBox="1"/>
+          <p:nvPr/>
+        </p:nvSpPr>
+        <p:spPr>
+          <a:xfrm>
+            <a:off x="1645920" y="4160520"/>
+            <a:ext cx="6400800" cy="365760"/>
+          </a:xfrm>
+          <a:prstGeom prst="rect">
+            <a:avLst/>
+          </a:prstGeom>
+          <a:noFill/>
+        </p:spPr>
+        <p:txBody>
+          <a:bodyPr wrap="none">
+            <a:spAutoFit/>
+          </a:bodyPr>
+          <a:lstStyle/>
           <a:p>
             <a:pPr>
-              <a:spcAft>
-                <a:spcPts val="1000"/>
-              </a:spcAft>
-              <a:defRPr sz="1800">
+              <a:defRPr sz="2000">
                 <a:solidFill>
                   <a:srgbClr val="FFFFFF"/>
                 </a:solidFill>
               </a:defRPr>
             </a:pPr>
             <a:r>
-              <a:t>• 为运营决策提供了数据支持</a:t>
-            </a:r>
-          </a:p>
+              <a:t>未来优化方向：</a:t>
+            </a:r>
+          </a:p>
+        </p:txBody>
+      </p:sp>
+      <p:sp>
+        <p:nvSpPr>
+          <p:cNvPr id="11" name="Oval 10"/>
+          <p:cNvSpPr/>
+          <p:nvPr/>
+        </p:nvSpPr>
+        <p:spPr>
+          <a:xfrm>
+            <a:off x="1371600" y="4754879"/>
+            <a:ext cx="137160" cy="137160"/>
+          </a:xfrm>
+          <a:prstGeom prst="ellipse">
+            <a:avLst/>
+          </a:prstGeom>
+          <a:solidFill>
+            <a:srgbClr val="4FACFE"/>
+          </a:solidFill>
+          <a:ln>
+            <a:noFill/>
+          </a:ln>
+        </p:spPr>
+        <p:style>
+          <a:lnRef idx="1">
+            <a:schemeClr val="accent1"/>
+          </a:lnRef>
+          <a:fillRef idx="3">
+            <a:schemeClr val="accent1"/>
+          </a:fillRef>
+          <a:effectRef idx="2">
+            <a:schemeClr val="accent1"/>
+          </a:effectRef>
+          <a:fontRef idx="minor">
+            <a:schemeClr val="lt1"/>
+          </a:fontRef>
+        </p:style>
+        <p:txBody>
+          <a:bodyPr rtlCol="0" anchor="ctr"/>
+          <a:lstStyle/>
+          <a:p>
+            <a:pPr algn="ctr"/>
+          </a:p>
+        </p:txBody>
+      </p:sp>
+      <p:sp>
+        <p:nvSpPr>
+          <p:cNvPr id="12" name="TextBox 11"/>
+          <p:cNvSpPr txBox="1"/>
+          <p:nvPr/>
+        </p:nvSpPr>
+        <p:spPr>
+          <a:xfrm>
+            <a:off x="1645920" y="4709159"/>
+            <a:ext cx="6400800" cy="365760"/>
+          </a:xfrm>
+          <a:prstGeom prst="rect">
+            <a:avLst/>
+          </a:prstGeom>
+          <a:noFill/>
+        </p:spPr>
+        <p:txBody>
+          <a:bodyPr wrap="none">
+            <a:spAutoFit/>
+          </a:bodyPr>
+          <a:lstStyle/>
           <a:p>
             <a:pPr>
-              <a:spcAft>
-                <a:spcPts val="1000"/>
-              </a:spcAft>
-              <a:defRPr sz="1800">
+              <a:defRPr sz="2000">
                 <a:solidFill>
                   <a:srgbClr val="FFFFFF"/>
                 </a:solidFill>
               </a:defRPr>
             </a:pPr>
-          </a:p>
+            <a:r>
+              <a:t>• 超参数调优</a:t>
+            </a:r>
+          </a:p>
+        </p:txBody>
+      </p:sp>
+      <p:sp>
+        <p:nvSpPr>
+          <p:cNvPr id="13" name="Oval 12"/>
+          <p:cNvSpPr/>
+          <p:nvPr/>
+        </p:nvSpPr>
+        <p:spPr>
+          <a:xfrm>
+            <a:off x="1371600" y="5303519"/>
+            <a:ext cx="137160" cy="137160"/>
+          </a:xfrm>
+          <a:prstGeom prst="ellipse">
+            <a:avLst/>
+          </a:prstGeom>
+          <a:solidFill>
+            <a:srgbClr val="4FACFE"/>
+          </a:solidFill>
+          <a:ln>
+            <a:noFill/>
+          </a:ln>
+        </p:spPr>
+        <p:style>
+          <a:lnRef idx="1">
+            <a:schemeClr val="accent1"/>
+          </a:lnRef>
+          <a:fillRef idx="3">
+            <a:schemeClr val="accent1"/>
+          </a:fillRef>
+          <a:effectRef idx="2">
+            <a:schemeClr val="accent1"/>
+          </a:effectRef>
+          <a:fontRef idx="minor">
+            <a:schemeClr val="lt1"/>
+          </a:fontRef>
+        </p:style>
+        <p:txBody>
+          <a:bodyPr rtlCol="0" anchor="ctr"/>
+          <a:lstStyle/>
+          <a:p>
+            <a:pPr algn="ctr"/>
+          </a:p>
+        </p:txBody>
+      </p:sp>
+      <p:sp>
+        <p:nvSpPr>
+          <p:cNvPr id="14" name="TextBox 13"/>
+          <p:cNvSpPr txBox="1"/>
+          <p:nvPr/>
+        </p:nvSpPr>
+        <p:spPr>
+          <a:xfrm>
+            <a:off x="1645920" y="5257799"/>
+            <a:ext cx="6400800" cy="365760"/>
+          </a:xfrm>
+          <a:prstGeom prst="rect">
+            <a:avLst/>
+          </a:prstGeom>
+          <a:noFill/>
+        </p:spPr>
+        <p:txBody>
+          <a:bodyPr wrap="none">
+            <a:spAutoFit/>
+          </a:bodyPr>
+          <a:lstStyle/>
           <a:p>
             <a:pPr>
-              <a:spcAft>
-                <a:spcPts val="1000"/>
-              </a:spcAft>
-              <a:defRPr sz="1800">
+              <a:defRPr sz="2000">
                 <a:solidFill>
                   <a:srgbClr val="FFFFFF"/>
                 </a:solidFill>
               </a:defRPr>
             </a:pPr>
             <a:r>
-              <a:t>未来优化方向：</a:t>
-            </a:r>
-          </a:p>
+              <a:t>• 实时预测系统</a:t>
+            </a:r>
+          </a:p>
+        </p:txBody>
+      </p:sp>
+      <p:sp>
+        <p:nvSpPr>
+          <p:cNvPr id="15" name="Oval 14"/>
+          <p:cNvSpPr/>
+          <p:nvPr/>
+        </p:nvSpPr>
+        <p:spPr>
+          <a:xfrm>
+            <a:off x="1371600" y="5852159"/>
+            <a:ext cx="137160" cy="137160"/>
+          </a:xfrm>
+          <a:prstGeom prst="ellipse">
+            <a:avLst/>
+          </a:prstGeom>
+          <a:solidFill>
+            <a:srgbClr val="4FACFE"/>
+          </a:solidFill>
+          <a:ln>
+            <a:noFill/>
+          </a:ln>
+        </p:spPr>
+        <p:style>
+          <a:lnRef idx="1">
+            <a:schemeClr val="accent1"/>
+          </a:lnRef>
+          <a:fillRef idx="3">
+            <a:schemeClr val="accent1"/>
+          </a:fillRef>
+          <a:effectRef idx="2">
+            <a:schemeClr val="accent1"/>
+          </a:effectRef>
+          <a:fontRef idx="minor">
+            <a:schemeClr val="lt1"/>
+          </a:fontRef>
+        </p:style>
+        <p:txBody>
+          <a:bodyPr rtlCol="0" anchor="ctr"/>
+          <a:lstStyle/>
+          <a:p>
+            <a:pPr algn="ctr"/>
+          </a:p>
+        </p:txBody>
+      </p:sp>
+      <p:sp>
+        <p:nvSpPr>
+          <p:cNvPr id="16" name="TextBox 15"/>
+          <p:cNvSpPr txBox="1"/>
+          <p:nvPr/>
+        </p:nvSpPr>
+        <p:spPr>
+          <a:xfrm>
+            <a:off x="1645920" y="5806439"/>
+            <a:ext cx="6400800" cy="365760"/>
+          </a:xfrm>
+          <a:prstGeom prst="rect">
+            <a:avLst/>
+          </a:prstGeom>
+          <a:noFill/>
+        </p:spPr>
+        <p:txBody>
+          <a:bodyPr wrap="none">
+            <a:spAutoFit/>
+          </a:bodyPr>
+          <a:lstStyle/>
           <a:p>
             <a:pPr>
-              <a:spcAft>
-                <a:spcPts val="1000"/>
-              </a:spcAft>
-              <a:defRPr sz="1800">
+              <a:defRPr sz="2000">
                 <a:solidFill>
                   <a:srgbClr val="FFFFFF"/>
                 </a:solidFill>
               </a:defRPr>
             </a:pPr>
             <a:r>
-              <a:t>• 超参数调优</a:t>
-            </a:r>
-          </a:p>
-          <a:p>
-            <a:pPr>
-              <a:spcAft>
-                <a:spcPts val="1000"/>
-              </a:spcAft>
-              <a:defRPr sz="1800">
-                <a:solidFill>
-                  <a:srgbClr val="FFFFFF"/>
-                </a:solidFill>
-              </a:defRPr>
-            </a:pPr>
-            <a:r>
-              <a:t>• 特征工程优化</a:t>
-            </a:r>
-          </a:p>
-          <a:p>
-            <a:pPr>
-              <a:spcAft>
-                <a:spcPts val="1000"/>
-              </a:spcAft>
-              <a:defRPr sz="1800">
-                <a:solidFill>
-                  <a:srgbClr val="FFFFFF"/>
-                </a:solidFill>
-              </a:defRPr>
-            </a:pPr>
-            <a:r>
-              <a:t>• 实时预测系统</a:t>
+              <a:t>• 多城市扩展</a:t>
             </a:r>
           </a:p>
         </p:txBody>
